--- a/docs/modulos/05-visao-p2/slides.pptx
+++ b/docs/modulos/05-visao-p2/slides.pptx
@@ -6,7 +6,7 @@
     <p:sldMasterId id="2147483664" r:id="rId2"/>
   </p:sldMasterIdLst>
   <p:notesMasterIdLst>
-    <p:notesMasterId r:id="rId20"/>
+    <p:notesMasterId r:id="rId9"/>
   </p:notesMasterIdLst>
   <p:sldIdLst>
     <p:sldId id="256" r:id="rId3"/>
@@ -14,18 +14,7 @@
     <p:sldId id="272" r:id="rId5"/>
     <p:sldId id="284" r:id="rId6"/>
     <p:sldId id="285" r:id="rId7"/>
-    <p:sldId id="271" r:id="rId8"/>
-    <p:sldId id="257" r:id="rId9"/>
-    <p:sldId id="260" r:id="rId10"/>
-    <p:sldId id="288" r:id="rId11"/>
-    <p:sldId id="261" r:id="rId12"/>
-    <p:sldId id="287" r:id="rId13"/>
-    <p:sldId id="289" r:id="rId14"/>
-    <p:sldId id="290" r:id="rId15"/>
-    <p:sldId id="267" r:id="rId16"/>
-    <p:sldId id="268" r:id="rId17"/>
-    <p:sldId id="282" r:id="rId18"/>
-    <p:sldId id="291" r:id="rId19"/>
+    <p:sldId id="282" r:id="rId8"/>
   </p:sldIdLst>
   <p:sldSz cx="9144000" cy="6858000" type="screen4x3"/>
   <p:notesSz cx="9144000" cy="6858000"/>
@@ -225,7 +214,7 @@
           <a:p>
             <a:fld id="{DEC1326A-6B39-45E7-A0ED-86877A2CBE97}" type="datetimeFigureOut">
               <a:rPr lang="pt-BR" smtClean="0"/>
-              <a:t>27/08/2023</a:t>
+              <a:t>17/03/2024</a:t>
             </a:fld>
             <a:endParaRPr lang="pt-BR"/>
           </a:p>
@@ -943,290 +932,6 @@
 </p:notes>
 </file>
 
-<file path=ppt/notesSlides/notesSlide4.xml><?xml version="1.0" encoding="utf-8"?>
-<p:notes xmlns:a="http://schemas.openxmlformats.org/drawingml/2006/main" xmlns:r="http://schemas.openxmlformats.org/officeDocument/2006/relationships" xmlns:p="http://schemas.openxmlformats.org/presentationml/2006/main">
-  <p:cSld>
-    <p:spTree>
-      <p:nvGrpSpPr>
-        <p:cNvPr id="1" name=""/>
-        <p:cNvGrpSpPr/>
-        <p:nvPr/>
-      </p:nvGrpSpPr>
-      <p:grpSpPr>
-        <a:xfrm>
-          <a:off x="0" y="0"/>
-          <a:ext cx="0" cy="0"/>
-          <a:chOff x="0" y="0"/>
-          <a:chExt cx="0" cy="0"/>
-        </a:xfrm>
-      </p:grpSpPr>
-      <p:sp>
-        <p:nvSpPr>
-          <p:cNvPr id="2" name="Espaço Reservado para Imagem de Slide 1"/>
-          <p:cNvSpPr>
-            <a:spLocks noGrp="1" noRot="1" noChangeAspect="1"/>
-          </p:cNvSpPr>
-          <p:nvPr>
-            <p:ph type="sldImg"/>
-          </p:nvPr>
-        </p:nvSpPr>
-        <p:spPr/>
-      </p:sp>
-      <p:sp>
-        <p:nvSpPr>
-          <p:cNvPr id="3" name="Espaço Reservado para Anotações 2"/>
-          <p:cNvSpPr>
-            <a:spLocks noGrp="1"/>
-          </p:cNvSpPr>
-          <p:nvPr>
-            <p:ph type="body" idx="1"/>
-          </p:nvPr>
-        </p:nvSpPr>
-        <p:spPr/>
-        <p:txBody>
-          <a:bodyPr/>
-          <a:lstStyle/>
-          <a:p>
-            <a:pPr marL="0" marR="0" lvl="0" indent="0" algn="l" defTabSz="914400" rtl="0" eaLnBrk="1" fontAlgn="auto" latinLnBrk="0" hangingPunct="1">
-              <a:lnSpc>
-                <a:spcPct val="100000"/>
-              </a:lnSpc>
-              <a:spcBef>
-                <a:spcPts val="0"/>
-              </a:spcBef>
-              <a:spcAft>
-                <a:spcPts val="0"/>
-              </a:spcAft>
-              <a:buClrTx/>
-              <a:buSzTx/>
-              <a:buFontTx/>
-              <a:buNone/>
-              <a:tabLst/>
-              <a:defRPr/>
-            </a:pPr>
-            <a:r>
-              <a:rPr lang="pt-BR" b="1" dirty="0"/>
-              <a:t>Parâmetros intrínsecos: </a:t>
-            </a:r>
-            <a:r>
-              <a:rPr lang="pt-BR" dirty="0"/>
-              <a:t>Em câmeras reais, vai além de apenas a distância focal.</a:t>
-            </a:r>
-          </a:p>
-        </p:txBody>
-      </p:sp>
-      <p:sp>
-        <p:nvSpPr>
-          <p:cNvPr id="4" name="Espaço Reservado para Número de Slide 3"/>
-          <p:cNvSpPr>
-            <a:spLocks noGrp="1"/>
-          </p:cNvSpPr>
-          <p:nvPr>
-            <p:ph type="sldNum" sz="quarter" idx="5"/>
-          </p:nvPr>
-        </p:nvSpPr>
-        <p:spPr/>
-        <p:txBody>
-          <a:bodyPr/>
-          <a:lstStyle/>
-          <a:p>
-            <a:fld id="{34F7BF0C-F018-4D15-9F2C-1EC5981D131A}" type="slidenum">
-              <a:rPr lang="pt-BR" smtClean="0"/>
-              <a:t>10</a:t>
-            </a:fld>
-            <a:endParaRPr lang="pt-BR"/>
-          </a:p>
-        </p:txBody>
-      </p:sp>
-    </p:spTree>
-    <p:extLst>
-      <p:ext uri="{BB962C8B-B14F-4D97-AF65-F5344CB8AC3E}">
-        <p14:creationId xmlns:p14="http://schemas.microsoft.com/office/powerpoint/2010/main" val="2347879848"/>
-      </p:ext>
-    </p:extLst>
-  </p:cSld>
-  <p:clrMapOvr>
-    <a:masterClrMapping/>
-  </p:clrMapOvr>
-</p:notes>
-</file>
-
-<file path=ppt/notesSlides/notesSlide5.xml><?xml version="1.0" encoding="utf-8"?>
-<p:notes xmlns:a="http://schemas.openxmlformats.org/drawingml/2006/main" xmlns:r="http://schemas.openxmlformats.org/officeDocument/2006/relationships" xmlns:p="http://schemas.openxmlformats.org/presentationml/2006/main">
-  <p:cSld>
-    <p:spTree>
-      <p:nvGrpSpPr>
-        <p:cNvPr id="1" name=""/>
-        <p:cNvGrpSpPr/>
-        <p:nvPr/>
-      </p:nvGrpSpPr>
-      <p:grpSpPr>
-        <a:xfrm>
-          <a:off x="0" y="0"/>
-          <a:ext cx="0" cy="0"/>
-          <a:chOff x="0" y="0"/>
-          <a:chExt cx="0" cy="0"/>
-        </a:xfrm>
-      </p:grpSpPr>
-      <p:sp>
-        <p:nvSpPr>
-          <p:cNvPr id="2" name="Espaço Reservado para Imagem de Slide 1"/>
-          <p:cNvSpPr>
-            <a:spLocks noGrp="1" noRot="1" noChangeAspect="1"/>
-          </p:cNvSpPr>
-          <p:nvPr>
-            <p:ph type="sldImg"/>
-          </p:nvPr>
-        </p:nvSpPr>
-        <p:spPr/>
-      </p:sp>
-      <p:sp>
-        <p:nvSpPr>
-          <p:cNvPr id="3" name="Espaço Reservado para Anotações 2"/>
-          <p:cNvSpPr>
-            <a:spLocks noGrp="1"/>
-          </p:cNvSpPr>
-          <p:nvPr>
-            <p:ph type="body" idx="1"/>
-          </p:nvPr>
-        </p:nvSpPr>
-        <p:spPr/>
-        <p:txBody>
-          <a:bodyPr/>
-          <a:lstStyle/>
-          <a:p>
-            <a:endParaRPr lang="pt-BR" dirty="0"/>
-          </a:p>
-        </p:txBody>
-      </p:sp>
-      <p:sp>
-        <p:nvSpPr>
-          <p:cNvPr id="4" name="Espaço Reservado para Número de Slide 3"/>
-          <p:cNvSpPr>
-            <a:spLocks noGrp="1"/>
-          </p:cNvSpPr>
-          <p:nvPr>
-            <p:ph type="sldNum" sz="quarter" idx="5"/>
-          </p:nvPr>
-        </p:nvSpPr>
-        <p:spPr/>
-        <p:txBody>
-          <a:bodyPr/>
-          <a:lstStyle/>
-          <a:p>
-            <a:fld id="{34F7BF0C-F018-4D15-9F2C-1EC5981D131A}" type="slidenum">
-              <a:rPr lang="pt-BR" smtClean="0"/>
-              <a:t>11</a:t>
-            </a:fld>
-            <a:endParaRPr lang="pt-BR"/>
-          </a:p>
-        </p:txBody>
-      </p:sp>
-    </p:spTree>
-    <p:extLst>
-      <p:ext uri="{BB962C8B-B14F-4D97-AF65-F5344CB8AC3E}">
-        <p14:creationId xmlns:p14="http://schemas.microsoft.com/office/powerpoint/2010/main" val="664610751"/>
-      </p:ext>
-    </p:extLst>
-  </p:cSld>
-  <p:clrMapOvr>
-    <a:masterClrMapping/>
-  </p:clrMapOvr>
-</p:notes>
-</file>
-
-<file path=ppt/notesSlides/notesSlide6.xml><?xml version="1.0" encoding="utf-8"?>
-<p:notes xmlns:a="http://schemas.openxmlformats.org/drawingml/2006/main" xmlns:r="http://schemas.openxmlformats.org/officeDocument/2006/relationships" xmlns:p="http://schemas.openxmlformats.org/presentationml/2006/main">
-  <p:cSld>
-    <p:spTree>
-      <p:nvGrpSpPr>
-        <p:cNvPr id="1" name=""/>
-        <p:cNvGrpSpPr/>
-        <p:nvPr/>
-      </p:nvGrpSpPr>
-      <p:grpSpPr>
-        <a:xfrm>
-          <a:off x="0" y="0"/>
-          <a:ext cx="0" cy="0"/>
-          <a:chOff x="0" y="0"/>
-          <a:chExt cx="0" cy="0"/>
-        </a:xfrm>
-      </p:grpSpPr>
-      <p:sp>
-        <p:nvSpPr>
-          <p:cNvPr id="2" name="Espaço Reservado para Imagem de Slide 1"/>
-          <p:cNvSpPr>
-            <a:spLocks noGrp="1" noRot="1" noChangeAspect="1"/>
-          </p:cNvSpPr>
-          <p:nvPr>
-            <p:ph type="sldImg"/>
-          </p:nvPr>
-        </p:nvSpPr>
-        <p:spPr/>
-      </p:sp>
-      <p:sp>
-        <p:nvSpPr>
-          <p:cNvPr id="3" name="Espaço Reservado para Anotações 2"/>
-          <p:cNvSpPr>
-            <a:spLocks noGrp="1"/>
-          </p:cNvSpPr>
-          <p:nvPr>
-            <p:ph type="body" idx="1"/>
-          </p:nvPr>
-        </p:nvSpPr>
-        <p:spPr/>
-        <p:txBody>
-          <a:bodyPr/>
-          <a:lstStyle/>
-          <a:p>
-            <a:r>
-              <a:rPr lang="en-US" dirty="0" err="1"/>
-              <a:t>Problema</a:t>
-            </a:r>
-            <a:r>
-              <a:rPr lang="en-US" dirty="0"/>
-              <a:t>! </a:t>
-            </a:r>
-            <a:endParaRPr lang="pt-BR" dirty="0"/>
-          </a:p>
-        </p:txBody>
-      </p:sp>
-      <p:sp>
-        <p:nvSpPr>
-          <p:cNvPr id="4" name="Espaço Reservado para Número de Slide 3"/>
-          <p:cNvSpPr>
-            <a:spLocks noGrp="1"/>
-          </p:cNvSpPr>
-          <p:nvPr>
-            <p:ph type="sldNum" sz="quarter" idx="5"/>
-          </p:nvPr>
-        </p:nvSpPr>
-        <p:spPr/>
-        <p:txBody>
-          <a:bodyPr/>
-          <a:lstStyle/>
-          <a:p>
-            <a:fld id="{34F7BF0C-F018-4D15-9F2C-1EC5981D131A}" type="slidenum">
-              <a:rPr lang="pt-BR" smtClean="0"/>
-              <a:t>12</a:t>
-            </a:fld>
-            <a:endParaRPr lang="pt-BR"/>
-          </a:p>
-        </p:txBody>
-      </p:sp>
-    </p:spTree>
-    <p:extLst>
-      <p:ext uri="{BB962C8B-B14F-4D97-AF65-F5344CB8AC3E}">
-        <p14:creationId xmlns:p14="http://schemas.microsoft.com/office/powerpoint/2010/main" val="790317471"/>
-      </p:ext>
-    </p:extLst>
-  </p:cSld>
-  <p:clrMapOvr>
-    <a:masterClrMapping/>
-  </p:clrMapOvr>
-</p:notes>
-</file>
-
 <file path=ppt/slideLayouts/slideLayout1.xml><?xml version="1.0" encoding="utf-8"?>
 <p:sldLayout xmlns:a="http://schemas.openxmlformats.org/drawingml/2006/main" xmlns:r="http://schemas.openxmlformats.org/officeDocument/2006/relationships" xmlns:p="http://schemas.openxmlformats.org/presentationml/2006/main" showMasterPhAnim="0" preserve="1" userDrawn="1">
   <p:cSld name="Título e conteúdo">
@@ -1272,7 +977,7 @@
             </a:pPr>
             <a:fld id="{F2B7900D-0734-4F15-9F08-6F03FB6F6514}" type="datetimeFigureOut">
               <a:rPr lang="pt-BR"/>
-              <a:t>27/08/2023</a:t>
+              <a:t>17/03/2024</a:t>
             </a:fld>
             <a:endParaRPr lang="pt-BR"/>
           </a:p>
@@ -1557,480 +1262,6 @@
 
 <file path=ppt/slideLayouts/slideLayout10.xml><?xml version="1.0" encoding="utf-8"?>
 <p:sldLayout xmlns:a="http://schemas.openxmlformats.org/drawingml/2006/main" xmlns:r="http://schemas.openxmlformats.org/officeDocument/2006/relationships" xmlns:p="http://schemas.openxmlformats.org/presentationml/2006/main" showMasterPhAnim="0" preserve="1" userDrawn="1">
-  <p:cSld name="Section Header">
-    <p:spTree>
-      <p:nvGrpSpPr>
-        <p:cNvPr id="1" name=""/>
-        <p:cNvGrpSpPr/>
-        <p:nvPr/>
-      </p:nvGrpSpPr>
-      <p:grpSpPr bwMode="auto">
-        <a:xfrm>
-          <a:off x="0" y="0"/>
-          <a:ext cx="0" cy="0"/>
-          <a:chOff x="0" y="0"/>
-          <a:chExt cx="0" cy="0"/>
-        </a:xfrm>
-      </p:grpSpPr>
-      <p:sp>
-        <p:nvSpPr>
-          <p:cNvPr id="10" name="Espaço Reservado para Texto 9"/>
-          <p:cNvSpPr>
-            <a:spLocks noGrp="1"/>
-          </p:cNvSpPr>
-          <p:nvPr>
-            <p:ph type="body" sz="quarter" idx="13" hasCustomPrompt="1"/>
-          </p:nvPr>
-        </p:nvSpPr>
-        <p:spPr bwMode="auto">
-          <a:xfrm>
-            <a:off x="914400" y="1750228"/>
-            <a:ext cx="7238198" cy="260350"/>
-          </a:xfrm>
-          <a:prstGeom prst="rect">
-            <a:avLst/>
-          </a:prstGeom>
-        </p:spPr>
-        <p:txBody>
-          <a:bodyPr>
-            <a:noAutofit/>
-          </a:bodyPr>
-          <a:lstStyle>
-            <a:lvl1pPr marL="0" indent="0">
-              <a:buNone/>
-              <a:defRPr sz="2000" b="1">
-                <a:latin typeface="Gotham HTF"/>
-              </a:defRPr>
-            </a:lvl1pPr>
-            <a:lvl2pPr>
-              <a:defRPr sz="2000">
-                <a:latin typeface="Gotham-Bold"/>
-              </a:defRPr>
-            </a:lvl2pPr>
-            <a:lvl3pPr>
-              <a:defRPr sz="2000">
-                <a:latin typeface="Gotham-Bold"/>
-              </a:defRPr>
-            </a:lvl3pPr>
-            <a:lvl4pPr>
-              <a:defRPr sz="2000">
-                <a:latin typeface="Gotham-Bold"/>
-              </a:defRPr>
-            </a:lvl4pPr>
-            <a:lvl5pPr>
-              <a:defRPr sz="2000">
-                <a:latin typeface="Gotham-Bold"/>
-              </a:defRPr>
-            </a:lvl5pPr>
-          </a:lstStyle>
-          <a:p>
-            <a:pPr lvl="0">
-              <a:defRPr/>
-            </a:pPr>
-            <a:r>
-              <a:rPr lang="pt-BR"/>
-              <a:t>CLIQUE PARA EDITAR O TEXTO MESTRE</a:t>
-            </a:r>
-            <a:endParaRPr/>
-          </a:p>
-        </p:txBody>
-      </p:sp>
-      <p:sp>
-        <p:nvSpPr>
-          <p:cNvPr id="12" name="Espaço Reservado para Texto 11"/>
-          <p:cNvSpPr>
-            <a:spLocks noGrp="1"/>
-          </p:cNvSpPr>
-          <p:nvPr>
-            <p:ph type="body" sz="quarter" idx="14"/>
-          </p:nvPr>
-        </p:nvSpPr>
-        <p:spPr bwMode="auto">
-          <a:xfrm>
-            <a:off x="914400" y="2319338"/>
-            <a:ext cx="7238198" cy="1607769"/>
-          </a:xfrm>
-          <a:prstGeom prst="rect">
-            <a:avLst/>
-          </a:prstGeom>
-        </p:spPr>
-        <p:txBody>
-          <a:bodyPr>
-            <a:normAutofit/>
-          </a:bodyPr>
-          <a:lstStyle>
-            <a:lvl1pPr marL="342900" indent="-342900">
-              <a:buFont typeface="Wingdings"/>
-              <a:buChar char="§"/>
-              <a:defRPr sz="1600">
-                <a:latin typeface="Gotham-Book"/>
-              </a:defRPr>
-            </a:lvl1pPr>
-            <a:lvl2pPr marL="742950" indent="-285750">
-              <a:buFont typeface="Wingdings"/>
-              <a:buChar char="§"/>
-              <a:defRPr sz="1600">
-                <a:latin typeface="Gotham-Book"/>
-              </a:defRPr>
-            </a:lvl2pPr>
-            <a:lvl3pPr marL="1143000" indent="-228600">
-              <a:buFont typeface="Wingdings"/>
-              <a:buChar char="§"/>
-              <a:defRPr sz="1600">
-                <a:latin typeface="Gotham-Book"/>
-              </a:defRPr>
-            </a:lvl3pPr>
-            <a:lvl4pPr marL="1600200" indent="-228600">
-              <a:buFont typeface="Wingdings"/>
-              <a:buChar char="§"/>
-              <a:defRPr sz="1600">
-                <a:latin typeface="Gotham-Book"/>
-              </a:defRPr>
-            </a:lvl4pPr>
-            <a:lvl5pPr marL="2057400" indent="-228600">
-              <a:buFont typeface="Wingdings"/>
-              <a:buChar char="§"/>
-              <a:defRPr sz="1600">
-                <a:latin typeface="Gotham-Book"/>
-              </a:defRPr>
-            </a:lvl5pPr>
-          </a:lstStyle>
-          <a:p>
-            <a:pPr lvl="0">
-              <a:defRPr/>
-            </a:pPr>
-            <a:r>
-              <a:rPr lang="pt-BR"/>
-              <a:t>Clique para editar o texto mestre</a:t>
-            </a:r>
-            <a:endParaRPr/>
-          </a:p>
-          <a:p>
-            <a:pPr lvl="1">
-              <a:defRPr/>
-            </a:pPr>
-            <a:r>
-              <a:rPr lang="pt-BR"/>
-              <a:t>Segundo nível</a:t>
-            </a:r>
-            <a:endParaRPr/>
-          </a:p>
-          <a:p>
-            <a:pPr lvl="2">
-              <a:defRPr/>
-            </a:pPr>
-            <a:r>
-              <a:rPr lang="pt-BR"/>
-              <a:t>Terceiro nível</a:t>
-            </a:r>
-            <a:endParaRPr/>
-          </a:p>
-          <a:p>
-            <a:pPr lvl="3">
-              <a:defRPr/>
-            </a:pPr>
-            <a:r>
-              <a:rPr lang="pt-BR"/>
-              <a:t>Quarto nível</a:t>
-            </a:r>
-            <a:endParaRPr/>
-          </a:p>
-          <a:p>
-            <a:pPr lvl="4">
-              <a:defRPr/>
-            </a:pPr>
-            <a:r>
-              <a:rPr lang="pt-BR"/>
-              <a:t>Quinto nível</a:t>
-            </a:r>
-            <a:endParaRPr/>
-          </a:p>
-        </p:txBody>
-      </p:sp>
-      <p:sp>
-        <p:nvSpPr>
-          <p:cNvPr id="15" name="Espaço Reservado para Texto 9"/>
-          <p:cNvSpPr>
-            <a:spLocks noGrp="1"/>
-          </p:cNvSpPr>
-          <p:nvPr>
-            <p:ph type="body" sz="quarter" idx="15" hasCustomPrompt="1"/>
-          </p:nvPr>
-        </p:nvSpPr>
-        <p:spPr bwMode="auto">
-          <a:xfrm>
-            <a:off x="914400" y="4215012"/>
-            <a:ext cx="7238198" cy="260350"/>
-          </a:xfrm>
-          <a:prstGeom prst="rect">
-            <a:avLst/>
-          </a:prstGeom>
-        </p:spPr>
-        <p:txBody>
-          <a:bodyPr>
-            <a:noAutofit/>
-          </a:bodyPr>
-          <a:lstStyle>
-            <a:lvl1pPr marL="0" indent="0">
-              <a:buNone/>
-              <a:defRPr sz="2000" b="1">
-                <a:latin typeface="Gotham HTF"/>
-              </a:defRPr>
-            </a:lvl1pPr>
-            <a:lvl2pPr>
-              <a:defRPr sz="2000">
-                <a:latin typeface="Gotham-Bold"/>
-              </a:defRPr>
-            </a:lvl2pPr>
-            <a:lvl3pPr>
-              <a:defRPr sz="2000">
-                <a:latin typeface="Gotham-Bold"/>
-              </a:defRPr>
-            </a:lvl3pPr>
-            <a:lvl4pPr>
-              <a:defRPr sz="2000">
-                <a:latin typeface="Gotham-Bold"/>
-              </a:defRPr>
-            </a:lvl4pPr>
-            <a:lvl5pPr>
-              <a:defRPr sz="2000">
-                <a:latin typeface="Gotham-Bold"/>
-              </a:defRPr>
-            </a:lvl5pPr>
-          </a:lstStyle>
-          <a:p>
-            <a:pPr lvl="0">
-              <a:defRPr/>
-            </a:pPr>
-            <a:r>
-              <a:rPr lang="pt-BR"/>
-              <a:t>CLIQUE PARA EDITAR O TEXTO MESTRE</a:t>
-            </a:r>
-            <a:endParaRPr/>
-          </a:p>
-        </p:txBody>
-      </p:sp>
-      <p:sp>
-        <p:nvSpPr>
-          <p:cNvPr id="16" name="Espaço Reservado para Texto 11"/>
-          <p:cNvSpPr>
-            <a:spLocks noGrp="1"/>
-          </p:cNvSpPr>
-          <p:nvPr>
-            <p:ph type="body" sz="quarter" idx="16"/>
-          </p:nvPr>
-        </p:nvSpPr>
-        <p:spPr bwMode="auto">
-          <a:xfrm>
-            <a:off x="914400" y="4784121"/>
-            <a:ext cx="7238198" cy="1607769"/>
-          </a:xfrm>
-          <a:prstGeom prst="rect">
-            <a:avLst/>
-          </a:prstGeom>
-        </p:spPr>
-        <p:txBody>
-          <a:bodyPr>
-            <a:normAutofit/>
-          </a:bodyPr>
-          <a:lstStyle>
-            <a:lvl1pPr marL="342900" indent="-342900">
-              <a:buFont typeface="Wingdings"/>
-              <a:buChar char="§"/>
-              <a:defRPr sz="1600">
-                <a:latin typeface="Gotham-Book"/>
-              </a:defRPr>
-            </a:lvl1pPr>
-            <a:lvl2pPr marL="742950" indent="-285750">
-              <a:buFont typeface="Wingdings"/>
-              <a:buChar char="§"/>
-              <a:defRPr sz="1600">
-                <a:latin typeface="Gotham-Book"/>
-              </a:defRPr>
-            </a:lvl2pPr>
-            <a:lvl3pPr marL="1143000" indent="-228600">
-              <a:buFont typeface="Wingdings"/>
-              <a:buChar char="§"/>
-              <a:defRPr sz="1600">
-                <a:latin typeface="Gotham-Book"/>
-              </a:defRPr>
-            </a:lvl3pPr>
-            <a:lvl4pPr marL="1600200" indent="-228600">
-              <a:buFont typeface="Wingdings"/>
-              <a:buChar char="§"/>
-              <a:defRPr sz="1600">
-                <a:latin typeface="Gotham-Book"/>
-              </a:defRPr>
-            </a:lvl4pPr>
-            <a:lvl5pPr marL="2057400" indent="-228600">
-              <a:buFont typeface="Wingdings"/>
-              <a:buChar char="§"/>
-              <a:defRPr sz="1600">
-                <a:latin typeface="Gotham-Book"/>
-              </a:defRPr>
-            </a:lvl5pPr>
-          </a:lstStyle>
-          <a:p>
-            <a:pPr lvl="0">
-              <a:defRPr/>
-            </a:pPr>
-            <a:r>
-              <a:rPr lang="pt-BR"/>
-              <a:t>Clique para editar o texto mestre</a:t>
-            </a:r>
-            <a:endParaRPr/>
-          </a:p>
-          <a:p>
-            <a:pPr lvl="1">
-              <a:defRPr/>
-            </a:pPr>
-            <a:r>
-              <a:rPr lang="pt-BR"/>
-              <a:t>Segundo nível</a:t>
-            </a:r>
-            <a:endParaRPr/>
-          </a:p>
-          <a:p>
-            <a:pPr lvl="2">
-              <a:defRPr/>
-            </a:pPr>
-            <a:r>
-              <a:rPr lang="pt-BR"/>
-              <a:t>Terceiro nível</a:t>
-            </a:r>
-            <a:endParaRPr/>
-          </a:p>
-          <a:p>
-            <a:pPr lvl="3">
-              <a:defRPr/>
-            </a:pPr>
-            <a:r>
-              <a:rPr lang="pt-BR"/>
-              <a:t>Quarto nível</a:t>
-            </a:r>
-            <a:endParaRPr/>
-          </a:p>
-          <a:p>
-            <a:pPr lvl="4">
-              <a:defRPr/>
-            </a:pPr>
-            <a:r>
-              <a:rPr lang="pt-BR"/>
-              <a:t>Quinto nível</a:t>
-            </a:r>
-            <a:endParaRPr/>
-          </a:p>
-        </p:txBody>
-      </p:sp>
-      <p:sp>
-        <p:nvSpPr>
-          <p:cNvPr id="9" name="TextBox 15"/>
-          <p:cNvSpPr txBox="1"/>
-          <p:nvPr userDrawn="1"/>
-        </p:nvSpPr>
-        <p:spPr bwMode="auto">
-          <a:xfrm>
-            <a:off x="947124" y="745668"/>
-            <a:ext cx="4870522" cy="487313"/>
-          </a:xfrm>
-          <a:prstGeom prst="rect">
-            <a:avLst/>
-          </a:prstGeom>
-          <a:noFill/>
-        </p:spPr>
-        <p:txBody>
-          <a:bodyPr wrap="square" rtlCol="0">
-            <a:spAutoFit/>
-          </a:bodyPr>
-          <a:lstStyle/>
-          <a:p>
-            <a:pPr>
-              <a:lnSpc>
-                <a:spcPct val="90000"/>
-              </a:lnSpc>
-              <a:defRPr/>
-            </a:pPr>
-            <a:r>
-              <a:rPr lang="en-US" sz="2800" b="1">
-                <a:solidFill>
-                  <a:srgbClr val="303030"/>
-                </a:solidFill>
-                <a:latin typeface="Gotham HTF"/>
-                <a:cs typeface="Gotham-Bold"/>
-              </a:rPr>
-              <a:t>CONTEÚDO </a:t>
-            </a:r>
-            <a:r>
-              <a:rPr lang="en-US" sz="2800" b="1">
-                <a:solidFill>
-                  <a:srgbClr val="303030"/>
-                </a:solidFill>
-                <a:latin typeface="Gotham HTF"/>
-                <a:cs typeface="Gotham-Book"/>
-              </a:rPr>
-              <a:t>DO CURSO</a:t>
-            </a:r>
-            <a:endParaRPr/>
-          </a:p>
-        </p:txBody>
-      </p:sp>
-      <p:sp>
-        <p:nvSpPr>
-          <p:cNvPr id="11" name="Rectangle 20"/>
-          <p:cNvSpPr/>
-          <p:nvPr userDrawn="1"/>
-        </p:nvSpPr>
-        <p:spPr bwMode="auto">
-          <a:xfrm>
-            <a:off x="765379" y="804779"/>
-            <a:ext cx="72000" cy="284481"/>
-          </a:xfrm>
-          <a:prstGeom prst="rect">
-            <a:avLst/>
-          </a:prstGeom>
-          <a:solidFill>
-            <a:srgbClr val="F0265D"/>
-          </a:solidFill>
-          <a:ln>
-            <a:noFill/>
-          </a:ln>
-          <a:effectLst/>
-        </p:spPr>
-        <p:style>
-          <a:lnRef idx="1">
-            <a:schemeClr val="accent1"/>
-          </a:lnRef>
-          <a:fillRef idx="3">
-            <a:schemeClr val="accent1"/>
-          </a:fillRef>
-          <a:effectRef idx="2">
-            <a:schemeClr val="accent1"/>
-          </a:effectRef>
-          <a:fontRef idx="minor">
-            <a:schemeClr val="lt1"/>
-          </a:fontRef>
-        </p:style>
-        <p:txBody>
-          <a:bodyPr rtlCol="0" anchor="ctr"/>
-          <a:lstStyle/>
-          <a:p>
-            <a:pPr algn="ctr">
-              <a:defRPr/>
-            </a:pPr>
-            <a:endParaRPr lang="en-US"/>
-          </a:p>
-        </p:txBody>
-      </p:sp>
-    </p:spTree>
-  </p:cSld>
-  <p:clrMapOvr>
-    <a:masterClrMapping/>
-  </p:clrMapOvr>
-</p:sldLayout>
-</file>
-
-<file path=ppt/slideLayouts/slideLayout11.xml><?xml version="1.0" encoding="utf-8"?>
-<p:sldLayout xmlns:a="http://schemas.openxmlformats.org/drawingml/2006/main" xmlns:r="http://schemas.openxmlformats.org/officeDocument/2006/relationships" xmlns:p="http://schemas.openxmlformats.org/presentationml/2006/main" showMasterPhAnim="0" preserve="1" userDrawn="1">
   <p:cSld name="Two Content">
     <p:spTree>
       <p:nvGrpSpPr>
@@ -2145,7 +1376,7 @@
 </p:sldLayout>
 </file>
 
-<file path=ppt/slideLayouts/slideLayout12.xml><?xml version="1.0" encoding="utf-8"?>
+<file path=ppt/slideLayouts/slideLayout11.xml><?xml version="1.0" encoding="utf-8"?>
 <p:sldLayout xmlns:a="http://schemas.openxmlformats.org/drawingml/2006/main" xmlns:r="http://schemas.openxmlformats.org/officeDocument/2006/relationships" xmlns:p="http://schemas.openxmlformats.org/presentationml/2006/main" showMasterPhAnim="0" preserve="1" userDrawn="1">
   <p:cSld name="Comparison">
     <p:spTree>
@@ -2440,7 +1671,7 @@
 </p:sldLayout>
 </file>
 
-<file path=ppt/slideLayouts/slideLayout13.xml><?xml version="1.0" encoding="utf-8"?>
+<file path=ppt/slideLayouts/slideLayout12.xml><?xml version="1.0" encoding="utf-8"?>
 <p:sldLayout xmlns:a="http://schemas.openxmlformats.org/drawingml/2006/main" xmlns:r="http://schemas.openxmlformats.org/officeDocument/2006/relationships" xmlns:p="http://schemas.openxmlformats.org/presentationml/2006/main" showMasterPhAnim="0" preserve="1" userDrawn="1">
   <p:cSld name="Blank">
     <p:spTree>
@@ -2706,7 +1937,7 @@
 </p:sldLayout>
 </file>
 
-<file path=ppt/slideLayouts/slideLayout14.xml><?xml version="1.0" encoding="utf-8"?>
+<file path=ppt/slideLayouts/slideLayout13.xml><?xml version="1.0" encoding="utf-8"?>
 <p:sldLayout xmlns:a="http://schemas.openxmlformats.org/drawingml/2006/main" xmlns:r="http://schemas.openxmlformats.org/officeDocument/2006/relationships" xmlns:p="http://schemas.openxmlformats.org/presentationml/2006/main" showMasterPhAnim="0" preserve="1" userDrawn="1">
   <p:cSld name="Content with Caption">
     <p:spTree>
@@ -2819,7 +2050,7 @@
 </p:sldLayout>
 </file>
 
-<file path=ppt/slideLayouts/slideLayout15.xml><?xml version="1.0" encoding="utf-8"?>
+<file path=ppt/slideLayouts/slideLayout14.xml><?xml version="1.0" encoding="utf-8"?>
 <p:sldLayout xmlns:a="http://schemas.openxmlformats.org/drawingml/2006/main" xmlns:r="http://schemas.openxmlformats.org/officeDocument/2006/relationships" xmlns:p="http://schemas.openxmlformats.org/presentationml/2006/main" showMasterPhAnim="0" preserve="1" userDrawn="1">
   <p:cSld name="Picture with Caption">
     <p:spTree>
@@ -2844,7 +2075,7 @@
 </p:sldLayout>
 </file>
 
-<file path=ppt/slideLayouts/slideLayout16.xml><?xml version="1.0" encoding="utf-8"?>
+<file path=ppt/slideLayouts/slideLayout15.xml><?xml version="1.0" encoding="utf-8"?>
 <p:sldLayout xmlns:a="http://schemas.openxmlformats.org/drawingml/2006/main" xmlns:r="http://schemas.openxmlformats.org/officeDocument/2006/relationships" xmlns:p="http://schemas.openxmlformats.org/presentationml/2006/main" showMasterPhAnim="0" preserve="1" userDrawn="1">
   <p:cSld name="Título e conteúdo">
     <p:spTree>
@@ -2889,7 +2120,7 @@
             </a:pPr>
             <a:fld id="{9D3A6509-23EB-4B44-A528-7D90D9904DC9}" type="datetime1">
               <a:rPr lang="en-US"/>
-              <a:t>27-Aug-23</a:t>
+              <a:t>17-Mar-24</a:t>
             </a:fld>
             <a:endParaRPr lang="en-US"/>
           </a:p>
@@ -3177,7 +2408,7 @@
 </p:sldLayout>
 </file>
 
-<file path=ppt/slideLayouts/slideLayout17.xml><?xml version="1.0" encoding="utf-8"?>
+<file path=ppt/slideLayouts/slideLayout16.xml><?xml version="1.0" encoding="utf-8"?>
 <p:sldLayout xmlns:a="http://schemas.openxmlformats.org/drawingml/2006/main" xmlns:r="http://schemas.openxmlformats.org/officeDocument/2006/relationships" xmlns:p="http://schemas.openxmlformats.org/presentationml/2006/main" showMasterPhAnim="0" preserve="1" userDrawn="1">
   <p:cSld name="1_Title and Content">
     <p:spTree>
@@ -3419,7 +2650,7 @@
 </p:sldLayout>
 </file>
 
-<file path=ppt/slideLayouts/slideLayout18.xml><?xml version="1.0" encoding="utf-8"?>
+<file path=ppt/slideLayouts/slideLayout17.xml><?xml version="1.0" encoding="utf-8"?>
 <p:sldLayout xmlns:a="http://schemas.openxmlformats.org/drawingml/2006/main" xmlns:r="http://schemas.openxmlformats.org/officeDocument/2006/relationships" xmlns:p="http://schemas.openxmlformats.org/presentationml/2006/main" showMasterPhAnim="0" preserve="1" userDrawn="1">
   <p:cSld name="Comparação">
     <p:spTree>
@@ -3456,7 +2687,7 @@
             </a:pPr>
             <a:fld id="{9D3A6509-23EB-4B44-A528-7D90D9904DC9}" type="datetime1">
               <a:rPr lang="en-US"/>
-              <a:t>27-Aug-23</a:t>
+              <a:t>17-Mar-24</a:t>
             </a:fld>
             <a:endParaRPr lang="en-US"/>
           </a:p>
@@ -3948,7 +3179,7 @@
 </p:sldLayout>
 </file>
 
-<file path=ppt/slideLayouts/slideLayout19.xml><?xml version="1.0" encoding="utf-8"?>
+<file path=ppt/slideLayouts/slideLayout18.xml><?xml version="1.0" encoding="utf-8"?>
 <p:sldLayout xmlns:a="http://schemas.openxmlformats.org/drawingml/2006/main" xmlns:r="http://schemas.openxmlformats.org/officeDocument/2006/relationships" xmlns:p="http://schemas.openxmlformats.org/presentationml/2006/main" showMasterPhAnim="0" preserve="1" userDrawn="1">
   <p:cSld name="1_Comparação">
     <p:spTree>
@@ -3985,7 +3216,7 @@
             </a:pPr>
             <a:fld id="{9D3A6509-23EB-4B44-A528-7D90D9904DC9}" type="datetime1">
               <a:rPr lang="en-US"/>
-              <a:t>27-Aug-23</a:t>
+              <a:t>17-Mar-24</a:t>
             </a:fld>
             <a:endParaRPr lang="en-US"/>
           </a:p>
@@ -4321,6 +3552,505 @@
     <p:extLst>
       <p:ext uri="{BB962C8B-B14F-4D97-AF65-F5344CB8AC3E}">
         <p14:creationId xmlns:p14="http://schemas.microsoft.com/office/powerpoint/2010/main" val="2604801623"/>
+      </p:ext>
+    </p:extLst>
+  </p:cSld>
+  <p:clrMapOvr>
+    <a:masterClrMapping/>
+  </p:clrMapOvr>
+  <p:hf hdr="0" ftr="0" dt="0"/>
+</p:sldLayout>
+</file>
+
+<file path=ppt/slideLayouts/slideLayout19.xml><?xml version="1.0" encoding="utf-8"?>
+<p:sldLayout xmlns:a="http://schemas.openxmlformats.org/drawingml/2006/main" xmlns:r="http://schemas.openxmlformats.org/officeDocument/2006/relationships" xmlns:p="http://schemas.openxmlformats.org/presentationml/2006/main" showMasterPhAnim="0" preserve="1" userDrawn="1">
+  <p:cSld name="3_Comparação">
+    <p:spTree>
+      <p:nvGrpSpPr>
+        <p:cNvPr id="1" name=""/>
+        <p:cNvGrpSpPr/>
+        <p:nvPr/>
+      </p:nvGrpSpPr>
+      <p:grpSpPr bwMode="auto">
+        <a:xfrm>
+          <a:off x="0" y="0"/>
+          <a:ext cx="0" cy="0"/>
+          <a:chOff x="0" y="0"/>
+          <a:chExt cx="0" cy="0"/>
+        </a:xfrm>
+      </p:grpSpPr>
+      <p:sp>
+        <p:nvSpPr>
+          <p:cNvPr id="7" name="Espaço Reservado para Data 6"/>
+          <p:cNvSpPr>
+            <a:spLocks noGrp="1"/>
+          </p:cNvSpPr>
+          <p:nvPr>
+            <p:ph type="dt" sz="half" idx="10"/>
+          </p:nvPr>
+        </p:nvSpPr>
+        <p:spPr bwMode="auto"/>
+        <p:txBody>
+          <a:bodyPr/>
+          <a:lstStyle/>
+          <a:p>
+            <a:pPr>
+              <a:defRPr/>
+            </a:pPr>
+            <a:fld id="{9D3A6509-23EB-4B44-A528-7D90D9904DC9}" type="datetime1">
+              <a:rPr lang="en-US"/>
+              <a:t>17-Mar-24</a:t>
+            </a:fld>
+            <a:endParaRPr lang="en-US"/>
+          </a:p>
+        </p:txBody>
+      </p:sp>
+      <p:sp>
+        <p:nvSpPr>
+          <p:cNvPr id="8" name="Espaço Reservado para Rodapé 7"/>
+          <p:cNvSpPr>
+            <a:spLocks noGrp="1"/>
+          </p:cNvSpPr>
+          <p:nvPr>
+            <p:ph type="ftr" sz="quarter" idx="11"/>
+          </p:nvPr>
+        </p:nvSpPr>
+        <p:spPr bwMode="auto"/>
+        <p:txBody>
+          <a:bodyPr/>
+          <a:lstStyle/>
+          <a:p>
+            <a:pPr>
+              <a:defRPr/>
+            </a:pPr>
+            <a:endParaRPr lang="en-US"/>
+          </a:p>
+        </p:txBody>
+      </p:sp>
+      <p:sp>
+        <p:nvSpPr>
+          <p:cNvPr id="16" name="Título 1"/>
+          <p:cNvSpPr>
+            <a:spLocks noGrp="1"/>
+          </p:cNvSpPr>
+          <p:nvPr>
+            <p:ph type="title"/>
+          </p:nvPr>
+        </p:nvSpPr>
+        <p:spPr bwMode="auto">
+          <a:xfrm>
+            <a:off x="457200" y="781052"/>
+            <a:ext cx="8229600" cy="619125"/>
+          </a:xfrm>
+          <a:prstGeom prst="rect">
+            <a:avLst/>
+          </a:prstGeom>
+        </p:spPr>
+        <p:txBody>
+          <a:bodyPr/>
+          <a:lstStyle/>
+          <a:p>
+            <a:pPr>
+              <a:defRPr/>
+            </a:pPr>
+            <a:r>
+              <a:rPr lang="pt-BR"/>
+              <a:t>Clique para editar o título Mestre</a:t>
+            </a:r>
+            <a:endParaRPr/>
+          </a:p>
+        </p:txBody>
+      </p:sp>
+      <p:sp>
+        <p:nvSpPr>
+          <p:cNvPr id="17" name="Espaço Reservado para Texto 7"/>
+          <p:cNvSpPr>
+            <a:spLocks noGrp="1"/>
+          </p:cNvSpPr>
+          <p:nvPr>
+            <p:ph type="body" sz="quarter" idx="13" hasCustomPrompt="1"/>
+          </p:nvPr>
+        </p:nvSpPr>
+        <p:spPr bwMode="auto">
+          <a:xfrm>
+            <a:off x="161926" y="85725"/>
+            <a:ext cx="7229475" cy="352425"/>
+          </a:xfrm>
+          <a:prstGeom prst="rect">
+            <a:avLst/>
+          </a:prstGeom>
+        </p:spPr>
+        <p:txBody>
+          <a:bodyPr>
+            <a:normAutofit/>
+          </a:bodyPr>
+          <a:lstStyle>
+            <a:lvl1pPr marL="0" indent="0">
+              <a:buNone/>
+              <a:defRPr sz="975" b="1">
+                <a:solidFill>
+                  <a:srgbClr val="BCBEC0"/>
+                </a:solidFill>
+              </a:defRPr>
+            </a:lvl1pPr>
+          </a:lstStyle>
+          <a:p>
+            <a:pPr lvl="0">
+              <a:defRPr/>
+            </a:pPr>
+            <a:r>
+              <a:rPr lang="pt-BR"/>
+              <a:t>Clique para editar o chapéu mestre</a:t>
+            </a:r>
+            <a:endParaRPr/>
+          </a:p>
+        </p:txBody>
+      </p:sp>
+      <p:sp>
+        <p:nvSpPr>
+          <p:cNvPr id="21" name="Espaço Reservado para Conteúdo 2"/>
+          <p:cNvSpPr>
+            <a:spLocks noGrp="1"/>
+          </p:cNvSpPr>
+          <p:nvPr>
+            <p:ph idx="1"/>
+          </p:nvPr>
+        </p:nvSpPr>
+        <p:spPr bwMode="auto">
+          <a:xfrm>
+            <a:off x="657226" y="1476376"/>
+            <a:ext cx="3971924" cy="2428875"/>
+          </a:xfrm>
+          <a:prstGeom prst="rect">
+            <a:avLst/>
+          </a:prstGeom>
+        </p:spPr>
+        <p:txBody>
+          <a:bodyPr>
+            <a:normAutofit/>
+          </a:bodyPr>
+          <a:lstStyle>
+            <a:lvl1pPr marL="0" indent="0">
+              <a:buFontTx/>
+              <a:buNone/>
+              <a:defRPr sz="1350"/>
+            </a:lvl1pPr>
+            <a:lvl2pPr>
+              <a:defRPr sz="1350"/>
+            </a:lvl2pPr>
+            <a:lvl3pPr>
+              <a:defRPr sz="1350"/>
+            </a:lvl3pPr>
+            <a:lvl4pPr>
+              <a:defRPr sz="1350"/>
+            </a:lvl4pPr>
+            <a:lvl5pPr>
+              <a:defRPr sz="1350"/>
+            </a:lvl5pPr>
+          </a:lstStyle>
+          <a:p>
+            <a:pPr lvl="0">
+              <a:defRPr/>
+            </a:pPr>
+            <a:r>
+              <a:rPr lang="pt-BR"/>
+              <a:t>Clique para editar os estilos de texto Mestres</a:t>
+            </a:r>
+            <a:endParaRPr/>
+          </a:p>
+          <a:p>
+            <a:pPr lvl="1">
+              <a:defRPr/>
+            </a:pPr>
+            <a:r>
+              <a:rPr lang="pt-BR"/>
+              <a:t>Segundo nível</a:t>
+            </a:r>
+            <a:endParaRPr/>
+          </a:p>
+          <a:p>
+            <a:pPr lvl="2">
+              <a:defRPr/>
+            </a:pPr>
+            <a:r>
+              <a:rPr lang="pt-BR"/>
+              <a:t>Terceiro nível</a:t>
+            </a:r>
+            <a:endParaRPr/>
+          </a:p>
+          <a:p>
+            <a:pPr lvl="3">
+              <a:defRPr/>
+            </a:pPr>
+            <a:r>
+              <a:rPr lang="pt-BR"/>
+              <a:t>Quarto nível</a:t>
+            </a:r>
+            <a:endParaRPr/>
+          </a:p>
+          <a:p>
+            <a:pPr lvl="4">
+              <a:defRPr/>
+            </a:pPr>
+            <a:r>
+              <a:rPr lang="pt-BR"/>
+              <a:t>Quinto nível</a:t>
+            </a:r>
+          </a:p>
+        </p:txBody>
+      </p:sp>
+      <p:sp>
+        <p:nvSpPr>
+          <p:cNvPr id="22" name="Espaço Reservado para Conteúdo 2"/>
+          <p:cNvSpPr>
+            <a:spLocks noGrp="1"/>
+          </p:cNvSpPr>
+          <p:nvPr>
+            <p:ph idx="17"/>
+          </p:nvPr>
+        </p:nvSpPr>
+        <p:spPr bwMode="auto">
+          <a:xfrm>
+            <a:off x="4714876" y="1476377"/>
+            <a:ext cx="3971924" cy="4676775"/>
+          </a:xfrm>
+          <a:prstGeom prst="rect">
+            <a:avLst/>
+          </a:prstGeom>
+        </p:spPr>
+        <p:txBody>
+          <a:bodyPr>
+            <a:normAutofit/>
+          </a:bodyPr>
+          <a:lstStyle>
+            <a:lvl1pPr marL="0" indent="0">
+              <a:buFontTx/>
+              <a:buNone/>
+              <a:defRPr sz="1350"/>
+            </a:lvl1pPr>
+            <a:lvl2pPr>
+              <a:defRPr sz="1350"/>
+            </a:lvl2pPr>
+            <a:lvl3pPr>
+              <a:defRPr sz="1350"/>
+            </a:lvl3pPr>
+            <a:lvl4pPr>
+              <a:defRPr sz="1350"/>
+            </a:lvl4pPr>
+            <a:lvl5pPr>
+              <a:defRPr sz="1350"/>
+            </a:lvl5pPr>
+          </a:lstStyle>
+          <a:p>
+            <a:pPr lvl="0">
+              <a:defRPr/>
+            </a:pPr>
+            <a:r>
+              <a:rPr lang="pt-BR"/>
+              <a:t>Clique para editar os estilos de texto Mestres</a:t>
+            </a:r>
+            <a:endParaRPr/>
+          </a:p>
+          <a:p>
+            <a:pPr lvl="1">
+              <a:defRPr/>
+            </a:pPr>
+            <a:r>
+              <a:rPr lang="pt-BR"/>
+              <a:t>Segundo nível</a:t>
+            </a:r>
+            <a:endParaRPr/>
+          </a:p>
+          <a:p>
+            <a:pPr lvl="2">
+              <a:defRPr/>
+            </a:pPr>
+            <a:r>
+              <a:rPr lang="pt-BR"/>
+              <a:t>Terceiro nível</a:t>
+            </a:r>
+            <a:endParaRPr/>
+          </a:p>
+          <a:p>
+            <a:pPr lvl="3">
+              <a:defRPr/>
+            </a:pPr>
+            <a:r>
+              <a:rPr lang="pt-BR"/>
+              <a:t>Quarto nível</a:t>
+            </a:r>
+            <a:endParaRPr/>
+          </a:p>
+          <a:p>
+            <a:pPr lvl="4">
+              <a:defRPr/>
+            </a:pPr>
+            <a:r>
+              <a:rPr lang="pt-BR"/>
+              <a:t>Quinto nível</a:t>
+            </a:r>
+          </a:p>
+        </p:txBody>
+      </p:sp>
+      <p:sp>
+        <p:nvSpPr>
+          <p:cNvPr id="10" name="Espaço Reservado para Imagem 2"/>
+          <p:cNvSpPr>
+            <a:spLocks noGrp="1"/>
+          </p:cNvSpPr>
+          <p:nvPr>
+            <p:ph type="pic" idx="15"/>
+          </p:nvPr>
+        </p:nvSpPr>
+        <p:spPr bwMode="auto">
+          <a:xfrm>
+            <a:off x="657225" y="4086227"/>
+            <a:ext cx="3971924" cy="1704975"/>
+          </a:xfrm>
+          <a:prstGeom prst="rect">
+            <a:avLst/>
+          </a:prstGeom>
+        </p:spPr>
+        <p:txBody>
+          <a:bodyPr/>
+          <a:lstStyle>
+            <a:lvl1pPr marL="0" indent="0">
+              <a:buNone/>
+              <a:defRPr sz="2400"/>
+            </a:lvl1pPr>
+            <a:lvl2pPr marL="342900" indent="0">
+              <a:buNone/>
+              <a:defRPr sz="2100"/>
+            </a:lvl2pPr>
+            <a:lvl3pPr marL="685800" indent="0">
+              <a:buNone/>
+              <a:defRPr sz="1800"/>
+            </a:lvl3pPr>
+            <a:lvl4pPr marL="1028700" indent="0">
+              <a:buNone/>
+              <a:defRPr sz="1500"/>
+            </a:lvl4pPr>
+            <a:lvl5pPr marL="1371600" indent="0">
+              <a:buNone/>
+              <a:defRPr sz="1500"/>
+            </a:lvl5pPr>
+            <a:lvl6pPr marL="1714500" indent="0">
+              <a:buNone/>
+              <a:defRPr sz="1500"/>
+            </a:lvl6pPr>
+            <a:lvl7pPr marL="2057400" indent="0">
+              <a:buNone/>
+              <a:defRPr sz="1500"/>
+            </a:lvl7pPr>
+            <a:lvl8pPr marL="2400300" indent="0">
+              <a:buNone/>
+              <a:defRPr sz="1500"/>
+            </a:lvl8pPr>
+            <a:lvl9pPr marL="2743200" indent="0">
+              <a:buNone/>
+              <a:defRPr sz="1500"/>
+            </a:lvl9pPr>
+          </a:lstStyle>
+          <a:p>
+            <a:pPr>
+              <a:defRPr/>
+            </a:pPr>
+            <a:r>
+              <a:rPr lang="pt-BR"/>
+              <a:t>Clique no ícone para adicionar uma imagem</a:t>
+            </a:r>
+            <a:endParaRPr/>
+          </a:p>
+        </p:txBody>
+      </p:sp>
+      <p:sp>
+        <p:nvSpPr>
+          <p:cNvPr id="11" name="Espaço Reservado para Texto 7"/>
+          <p:cNvSpPr>
+            <a:spLocks noGrp="1"/>
+          </p:cNvSpPr>
+          <p:nvPr>
+            <p:ph type="body" sz="quarter" idx="16" hasCustomPrompt="1"/>
+          </p:nvPr>
+        </p:nvSpPr>
+        <p:spPr bwMode="auto">
+          <a:xfrm>
+            <a:off x="657225" y="5791202"/>
+            <a:ext cx="3971924" cy="352425"/>
+          </a:xfrm>
+          <a:prstGeom prst="rect">
+            <a:avLst/>
+          </a:prstGeom>
+        </p:spPr>
+        <p:txBody>
+          <a:bodyPr>
+            <a:normAutofit/>
+          </a:bodyPr>
+          <a:lstStyle>
+            <a:lvl1pPr marL="0" indent="0">
+              <a:buNone/>
+              <a:defRPr sz="825" b="0" i="1">
+                <a:solidFill>
+                  <a:srgbClr val="BCBEC0"/>
+                </a:solidFill>
+              </a:defRPr>
+            </a:lvl1pPr>
+          </a:lstStyle>
+          <a:p>
+            <a:pPr lvl="0">
+              <a:defRPr/>
+            </a:pPr>
+            <a:r>
+              <a:rPr lang="pt-BR"/>
+              <a:t>Clique para editar a legenda mestre</a:t>
+            </a:r>
+            <a:endParaRPr/>
+          </a:p>
+        </p:txBody>
+      </p:sp>
+      <p:sp>
+        <p:nvSpPr>
+          <p:cNvPr id="12" name="Rectangle 13"/>
+          <p:cNvSpPr>
+            <a:spLocks noGrp="1" noChangeArrowheads="1"/>
+          </p:cNvSpPr>
+          <p:nvPr>
+            <p:ph type="sldNum" sz="quarter" idx="12"/>
+          </p:nvPr>
+        </p:nvSpPr>
+        <p:spPr bwMode="auto">
+          <a:xfrm>
+            <a:off x="6553200" y="6194427"/>
+            <a:ext cx="2133600" cy="365125"/>
+          </a:xfrm>
+          <a:prstGeom prst="rect">
+            <a:avLst/>
+          </a:prstGeom>
+          <a:ln/>
+        </p:spPr>
+        <p:txBody>
+          <a:bodyPr/>
+          <a:lstStyle>
+            <a:lvl1pPr>
+              <a:defRPr/>
+            </a:lvl1pPr>
+          </a:lstStyle>
+          <a:p>
+            <a:pPr>
+              <a:defRPr/>
+            </a:pPr>
+            <a:fld id="{FA3AAB12-BB6E-1B4F-AF2F-E6C37C68B919}" type="slidenum">
+              <a:rPr lang="en-US"/>
+              <a:t>‹nº›</a:t>
+            </a:fld>
+            <a:endParaRPr lang="en-US"/>
+          </a:p>
+        </p:txBody>
+      </p:sp>
+    </p:spTree>
+    <p:extLst>
+      <p:ext uri="{BB962C8B-B14F-4D97-AF65-F5344CB8AC3E}">
+        <p14:creationId xmlns:p14="http://schemas.microsoft.com/office/powerpoint/2010/main" val="995075471"/>
       </p:ext>
     </p:extLst>
   </p:cSld>
@@ -4570,7 +4300,7 @@
 
 <file path=ppt/slideLayouts/slideLayout20.xml><?xml version="1.0" encoding="utf-8"?>
 <p:sldLayout xmlns:a="http://schemas.openxmlformats.org/drawingml/2006/main" xmlns:r="http://schemas.openxmlformats.org/officeDocument/2006/relationships" xmlns:p="http://schemas.openxmlformats.org/presentationml/2006/main" showMasterPhAnim="0" preserve="1" userDrawn="1">
-  <p:cSld name="3_Comparação">
+  <p:cSld name="Imagem com Legenda">
     <p:spTree>
       <p:nvGrpSpPr>
         <p:cNvPr id="1" name=""/>
@@ -4587,66 +4317,18 @@
       </p:grpSpPr>
       <p:sp>
         <p:nvSpPr>
-          <p:cNvPr id="7" name="Espaço Reservado para Data 6"/>
-          <p:cNvSpPr>
-            <a:spLocks noGrp="1"/>
-          </p:cNvSpPr>
-          <p:nvPr>
-            <p:ph type="dt" sz="half" idx="10"/>
-          </p:nvPr>
-        </p:nvSpPr>
-        <p:spPr bwMode="auto"/>
-        <p:txBody>
-          <a:bodyPr/>
-          <a:lstStyle/>
-          <a:p>
-            <a:pPr>
-              <a:defRPr/>
-            </a:pPr>
-            <a:fld id="{9D3A6509-23EB-4B44-A528-7D90D9904DC9}" type="datetime1">
-              <a:rPr lang="en-US"/>
-              <a:t>27-Aug-23</a:t>
-            </a:fld>
-            <a:endParaRPr lang="en-US"/>
-          </a:p>
-        </p:txBody>
-      </p:sp>
-      <p:sp>
-        <p:nvSpPr>
-          <p:cNvPr id="8" name="Espaço Reservado para Rodapé 7"/>
-          <p:cNvSpPr>
-            <a:spLocks noGrp="1"/>
-          </p:cNvSpPr>
-          <p:nvPr>
-            <p:ph type="ftr" sz="quarter" idx="11"/>
-          </p:nvPr>
-        </p:nvSpPr>
-        <p:spPr bwMode="auto"/>
-        <p:txBody>
-          <a:bodyPr/>
-          <a:lstStyle/>
-          <a:p>
-            <a:pPr>
-              <a:defRPr/>
-            </a:pPr>
-            <a:endParaRPr lang="en-US"/>
-          </a:p>
-        </p:txBody>
-      </p:sp>
-      <p:sp>
-        <p:nvSpPr>
-          <p:cNvPr id="16" name="Título 1"/>
-          <p:cNvSpPr>
-            <a:spLocks noGrp="1"/>
-          </p:cNvSpPr>
-          <p:nvPr>
-            <p:ph type="title"/>
-          </p:nvPr>
-        </p:nvSpPr>
-        <p:spPr bwMode="auto">
-          <a:xfrm>
-            <a:off x="457200" y="781052"/>
-            <a:ext cx="8229600" cy="619125"/>
+          <p:cNvPr id="3" name="Espaço Reservado para Imagem 2"/>
+          <p:cNvSpPr>
+            <a:spLocks noGrp="1"/>
+          </p:cNvSpPr>
+          <p:nvPr>
+            <p:ph type="pic" idx="1"/>
+          </p:nvPr>
+        </p:nvSpPr>
+        <p:spPr bwMode="auto">
+          <a:xfrm>
+            <a:off x="4924424" y="0"/>
+            <a:ext cx="4219575" cy="6858000"/>
           </a:xfrm>
           <a:prstGeom prst="rect">
             <a:avLst/>
@@ -4654,78 +4336,156 @@
         </p:spPr>
         <p:txBody>
           <a:bodyPr/>
+          <a:lstStyle>
+            <a:lvl1pPr marL="0" indent="0">
+              <a:buNone/>
+              <a:defRPr sz="2400"/>
+            </a:lvl1pPr>
+            <a:lvl2pPr marL="342900" indent="0">
+              <a:buNone/>
+              <a:defRPr sz="2100"/>
+            </a:lvl2pPr>
+            <a:lvl3pPr marL="685800" indent="0">
+              <a:buNone/>
+              <a:defRPr sz="1800"/>
+            </a:lvl3pPr>
+            <a:lvl4pPr marL="1028700" indent="0">
+              <a:buNone/>
+              <a:defRPr sz="1500"/>
+            </a:lvl4pPr>
+            <a:lvl5pPr marL="1371600" indent="0">
+              <a:buNone/>
+              <a:defRPr sz="1500"/>
+            </a:lvl5pPr>
+            <a:lvl6pPr marL="1714500" indent="0">
+              <a:buNone/>
+              <a:defRPr sz="1500"/>
+            </a:lvl6pPr>
+            <a:lvl7pPr marL="2057400" indent="0">
+              <a:buNone/>
+              <a:defRPr sz="1500"/>
+            </a:lvl7pPr>
+            <a:lvl8pPr marL="2400300" indent="0">
+              <a:buNone/>
+              <a:defRPr sz="1500"/>
+            </a:lvl8pPr>
+            <a:lvl9pPr marL="2743200" indent="0">
+              <a:buNone/>
+              <a:defRPr sz="1500"/>
+            </a:lvl9pPr>
+          </a:lstStyle>
+          <a:p>
+            <a:pPr>
+              <a:defRPr/>
+            </a:pPr>
+            <a:r>
+              <a:rPr lang="pt-BR"/>
+              <a:t>Clique no ícone para adicionar uma imagem</a:t>
+            </a:r>
+            <a:endParaRPr/>
+          </a:p>
+        </p:txBody>
+      </p:sp>
+      <p:sp>
+        <p:nvSpPr>
+          <p:cNvPr id="5" name="Espaço Reservado para Data 4"/>
+          <p:cNvSpPr>
+            <a:spLocks noGrp="1"/>
+          </p:cNvSpPr>
+          <p:nvPr>
+            <p:ph type="dt" sz="half" idx="10"/>
+          </p:nvPr>
+        </p:nvSpPr>
+        <p:spPr bwMode="auto"/>
+        <p:txBody>
+          <a:bodyPr/>
           <a:lstStyle/>
           <a:p>
             <a:pPr>
               <a:defRPr/>
             </a:pPr>
-            <a:r>
-              <a:rPr lang="pt-BR"/>
-              <a:t>Clique para editar o título Mestre</a:t>
-            </a:r>
-            <a:endParaRPr/>
-          </a:p>
-        </p:txBody>
-      </p:sp>
-      <p:sp>
-        <p:nvSpPr>
-          <p:cNvPr id="17" name="Espaço Reservado para Texto 7"/>
-          <p:cNvSpPr>
-            <a:spLocks noGrp="1"/>
-          </p:cNvSpPr>
-          <p:nvPr>
-            <p:ph type="body" sz="quarter" idx="13" hasCustomPrompt="1"/>
-          </p:nvPr>
-        </p:nvSpPr>
-        <p:spPr bwMode="auto">
-          <a:xfrm>
-            <a:off x="161926" y="85725"/>
-            <a:ext cx="7229475" cy="352425"/>
+            <a:fld id="{9D3A6509-23EB-4B44-A528-7D90D9904DC9}" type="datetime1">
+              <a:rPr lang="en-US"/>
+              <a:t>17-Mar-24</a:t>
+            </a:fld>
+            <a:endParaRPr lang="en-US"/>
+          </a:p>
+        </p:txBody>
+      </p:sp>
+      <p:sp>
+        <p:nvSpPr>
+          <p:cNvPr id="6" name="Espaço Reservado para Rodapé 5"/>
+          <p:cNvSpPr>
+            <a:spLocks noGrp="1"/>
+          </p:cNvSpPr>
+          <p:nvPr>
+            <p:ph type="ftr" sz="quarter" idx="11"/>
+          </p:nvPr>
+        </p:nvSpPr>
+        <p:spPr bwMode="auto"/>
+        <p:txBody>
+          <a:bodyPr/>
+          <a:lstStyle/>
+          <a:p>
+            <a:pPr>
+              <a:defRPr/>
+            </a:pPr>
+            <a:endParaRPr lang="en-US"/>
+          </a:p>
+        </p:txBody>
+      </p:sp>
+      <p:sp>
+        <p:nvSpPr>
+          <p:cNvPr id="8" name="Título 1"/>
+          <p:cNvSpPr>
+            <a:spLocks noGrp="1"/>
+          </p:cNvSpPr>
+          <p:nvPr>
+            <p:ph type="title" hasCustomPrompt="1"/>
+          </p:nvPr>
+        </p:nvSpPr>
+        <p:spPr bwMode="auto">
+          <a:xfrm>
+            <a:off x="457201" y="781052"/>
+            <a:ext cx="4363508" cy="619125"/>
           </a:xfrm>
           <a:prstGeom prst="rect">
             <a:avLst/>
           </a:prstGeom>
         </p:spPr>
         <p:txBody>
-          <a:bodyPr>
-            <a:normAutofit/>
-          </a:bodyPr>
+          <a:bodyPr/>
           <a:lstStyle>
-            <a:lvl1pPr marL="0" indent="0">
-              <a:buNone/>
-              <a:defRPr sz="975" b="1">
-                <a:solidFill>
-                  <a:srgbClr val="BCBEC0"/>
-                </a:solidFill>
-              </a:defRPr>
+            <a:lvl1pPr>
+              <a:defRPr/>
             </a:lvl1pPr>
           </a:lstStyle>
           <a:p>
-            <a:pPr lvl="0">
-              <a:defRPr/>
-            </a:pPr>
-            <a:r>
-              <a:rPr lang="pt-BR"/>
-              <a:t>Clique para editar o chapéu mestre</a:t>
-            </a:r>
-            <a:endParaRPr/>
-          </a:p>
-        </p:txBody>
-      </p:sp>
-      <p:sp>
-        <p:nvSpPr>
-          <p:cNvPr id="21" name="Espaço Reservado para Conteúdo 2"/>
-          <p:cNvSpPr>
-            <a:spLocks noGrp="1"/>
-          </p:cNvSpPr>
-          <p:nvPr>
-            <p:ph idx="1"/>
-          </p:nvPr>
-        </p:nvSpPr>
-        <p:spPr bwMode="auto">
-          <a:xfrm>
-            <a:off x="657226" y="1476376"/>
-            <a:ext cx="3971924" cy="2428875"/>
+            <a:pPr>
+              <a:defRPr/>
+            </a:pPr>
+            <a:r>
+              <a:rPr lang="pt-BR"/>
+              <a:t>Edite o título mestre</a:t>
+            </a:r>
+            <a:endParaRPr/>
+          </a:p>
+        </p:txBody>
+      </p:sp>
+      <p:sp>
+        <p:nvSpPr>
+          <p:cNvPr id="9" name="Espaço Reservado para Conteúdo 2"/>
+          <p:cNvSpPr>
+            <a:spLocks noGrp="1"/>
+          </p:cNvSpPr>
+          <p:nvPr>
+            <p:ph idx="13"/>
+          </p:nvPr>
+        </p:nvSpPr>
+        <p:spPr bwMode="auto">
+          <a:xfrm>
+            <a:off x="657226" y="1485901"/>
+            <a:ext cx="4163483" cy="4724399"/>
           </a:xfrm>
           <a:prstGeom prst="rect">
             <a:avLst/>
@@ -4807,535 +4567,6 @@
       </p:sp>
       <p:sp>
         <p:nvSpPr>
-          <p:cNvPr id="22" name="Espaço Reservado para Conteúdo 2"/>
-          <p:cNvSpPr>
-            <a:spLocks noGrp="1"/>
-          </p:cNvSpPr>
-          <p:nvPr>
-            <p:ph idx="17"/>
-          </p:nvPr>
-        </p:nvSpPr>
-        <p:spPr bwMode="auto">
-          <a:xfrm>
-            <a:off x="4714876" y="1476377"/>
-            <a:ext cx="3971924" cy="4676775"/>
-          </a:xfrm>
-          <a:prstGeom prst="rect">
-            <a:avLst/>
-          </a:prstGeom>
-        </p:spPr>
-        <p:txBody>
-          <a:bodyPr>
-            <a:normAutofit/>
-          </a:bodyPr>
-          <a:lstStyle>
-            <a:lvl1pPr marL="0" indent="0">
-              <a:buFontTx/>
-              <a:buNone/>
-              <a:defRPr sz="1350"/>
-            </a:lvl1pPr>
-            <a:lvl2pPr>
-              <a:defRPr sz="1350"/>
-            </a:lvl2pPr>
-            <a:lvl3pPr>
-              <a:defRPr sz="1350"/>
-            </a:lvl3pPr>
-            <a:lvl4pPr>
-              <a:defRPr sz="1350"/>
-            </a:lvl4pPr>
-            <a:lvl5pPr>
-              <a:defRPr sz="1350"/>
-            </a:lvl5pPr>
-          </a:lstStyle>
-          <a:p>
-            <a:pPr lvl="0">
-              <a:defRPr/>
-            </a:pPr>
-            <a:r>
-              <a:rPr lang="pt-BR"/>
-              <a:t>Clique para editar os estilos de texto Mestres</a:t>
-            </a:r>
-            <a:endParaRPr/>
-          </a:p>
-          <a:p>
-            <a:pPr lvl="1">
-              <a:defRPr/>
-            </a:pPr>
-            <a:r>
-              <a:rPr lang="pt-BR"/>
-              <a:t>Segundo nível</a:t>
-            </a:r>
-            <a:endParaRPr/>
-          </a:p>
-          <a:p>
-            <a:pPr lvl="2">
-              <a:defRPr/>
-            </a:pPr>
-            <a:r>
-              <a:rPr lang="pt-BR"/>
-              <a:t>Terceiro nível</a:t>
-            </a:r>
-            <a:endParaRPr/>
-          </a:p>
-          <a:p>
-            <a:pPr lvl="3">
-              <a:defRPr/>
-            </a:pPr>
-            <a:r>
-              <a:rPr lang="pt-BR"/>
-              <a:t>Quarto nível</a:t>
-            </a:r>
-            <a:endParaRPr/>
-          </a:p>
-          <a:p>
-            <a:pPr lvl="4">
-              <a:defRPr/>
-            </a:pPr>
-            <a:r>
-              <a:rPr lang="pt-BR"/>
-              <a:t>Quinto nível</a:t>
-            </a:r>
-          </a:p>
-        </p:txBody>
-      </p:sp>
-      <p:sp>
-        <p:nvSpPr>
-          <p:cNvPr id="10" name="Espaço Reservado para Imagem 2"/>
-          <p:cNvSpPr>
-            <a:spLocks noGrp="1"/>
-          </p:cNvSpPr>
-          <p:nvPr>
-            <p:ph type="pic" idx="15"/>
-          </p:nvPr>
-        </p:nvSpPr>
-        <p:spPr bwMode="auto">
-          <a:xfrm>
-            <a:off x="657225" y="4086227"/>
-            <a:ext cx="3971924" cy="1704975"/>
-          </a:xfrm>
-          <a:prstGeom prst="rect">
-            <a:avLst/>
-          </a:prstGeom>
-        </p:spPr>
-        <p:txBody>
-          <a:bodyPr/>
-          <a:lstStyle>
-            <a:lvl1pPr marL="0" indent="0">
-              <a:buNone/>
-              <a:defRPr sz="2400"/>
-            </a:lvl1pPr>
-            <a:lvl2pPr marL="342900" indent="0">
-              <a:buNone/>
-              <a:defRPr sz="2100"/>
-            </a:lvl2pPr>
-            <a:lvl3pPr marL="685800" indent="0">
-              <a:buNone/>
-              <a:defRPr sz="1800"/>
-            </a:lvl3pPr>
-            <a:lvl4pPr marL="1028700" indent="0">
-              <a:buNone/>
-              <a:defRPr sz="1500"/>
-            </a:lvl4pPr>
-            <a:lvl5pPr marL="1371600" indent="0">
-              <a:buNone/>
-              <a:defRPr sz="1500"/>
-            </a:lvl5pPr>
-            <a:lvl6pPr marL="1714500" indent="0">
-              <a:buNone/>
-              <a:defRPr sz="1500"/>
-            </a:lvl6pPr>
-            <a:lvl7pPr marL="2057400" indent="0">
-              <a:buNone/>
-              <a:defRPr sz="1500"/>
-            </a:lvl7pPr>
-            <a:lvl8pPr marL="2400300" indent="0">
-              <a:buNone/>
-              <a:defRPr sz="1500"/>
-            </a:lvl8pPr>
-            <a:lvl9pPr marL="2743200" indent="0">
-              <a:buNone/>
-              <a:defRPr sz="1500"/>
-            </a:lvl9pPr>
-          </a:lstStyle>
-          <a:p>
-            <a:pPr>
-              <a:defRPr/>
-            </a:pPr>
-            <a:r>
-              <a:rPr lang="pt-BR"/>
-              <a:t>Clique no ícone para adicionar uma imagem</a:t>
-            </a:r>
-            <a:endParaRPr/>
-          </a:p>
-        </p:txBody>
-      </p:sp>
-      <p:sp>
-        <p:nvSpPr>
-          <p:cNvPr id="11" name="Espaço Reservado para Texto 7"/>
-          <p:cNvSpPr>
-            <a:spLocks noGrp="1"/>
-          </p:cNvSpPr>
-          <p:nvPr>
-            <p:ph type="body" sz="quarter" idx="16" hasCustomPrompt="1"/>
-          </p:nvPr>
-        </p:nvSpPr>
-        <p:spPr bwMode="auto">
-          <a:xfrm>
-            <a:off x="657225" y="5791202"/>
-            <a:ext cx="3971924" cy="352425"/>
-          </a:xfrm>
-          <a:prstGeom prst="rect">
-            <a:avLst/>
-          </a:prstGeom>
-        </p:spPr>
-        <p:txBody>
-          <a:bodyPr>
-            <a:normAutofit/>
-          </a:bodyPr>
-          <a:lstStyle>
-            <a:lvl1pPr marL="0" indent="0">
-              <a:buNone/>
-              <a:defRPr sz="825" b="0" i="1">
-                <a:solidFill>
-                  <a:srgbClr val="BCBEC0"/>
-                </a:solidFill>
-              </a:defRPr>
-            </a:lvl1pPr>
-          </a:lstStyle>
-          <a:p>
-            <a:pPr lvl="0">
-              <a:defRPr/>
-            </a:pPr>
-            <a:r>
-              <a:rPr lang="pt-BR"/>
-              <a:t>Clique para editar a legenda mestre</a:t>
-            </a:r>
-            <a:endParaRPr/>
-          </a:p>
-        </p:txBody>
-      </p:sp>
-      <p:sp>
-        <p:nvSpPr>
-          <p:cNvPr id="12" name="Rectangle 13"/>
-          <p:cNvSpPr>
-            <a:spLocks noGrp="1" noChangeArrowheads="1"/>
-          </p:cNvSpPr>
-          <p:nvPr>
-            <p:ph type="sldNum" sz="quarter" idx="12"/>
-          </p:nvPr>
-        </p:nvSpPr>
-        <p:spPr bwMode="auto">
-          <a:xfrm>
-            <a:off x="6553200" y="6194427"/>
-            <a:ext cx="2133600" cy="365125"/>
-          </a:xfrm>
-          <a:prstGeom prst="rect">
-            <a:avLst/>
-          </a:prstGeom>
-          <a:ln/>
-        </p:spPr>
-        <p:txBody>
-          <a:bodyPr/>
-          <a:lstStyle>
-            <a:lvl1pPr>
-              <a:defRPr/>
-            </a:lvl1pPr>
-          </a:lstStyle>
-          <a:p>
-            <a:pPr>
-              <a:defRPr/>
-            </a:pPr>
-            <a:fld id="{FA3AAB12-BB6E-1B4F-AF2F-E6C37C68B919}" type="slidenum">
-              <a:rPr lang="en-US"/>
-              <a:t>‹nº›</a:t>
-            </a:fld>
-            <a:endParaRPr lang="en-US"/>
-          </a:p>
-        </p:txBody>
-      </p:sp>
-    </p:spTree>
-    <p:extLst>
-      <p:ext uri="{BB962C8B-B14F-4D97-AF65-F5344CB8AC3E}">
-        <p14:creationId xmlns:p14="http://schemas.microsoft.com/office/powerpoint/2010/main" val="995075471"/>
-      </p:ext>
-    </p:extLst>
-  </p:cSld>
-  <p:clrMapOvr>
-    <a:masterClrMapping/>
-  </p:clrMapOvr>
-  <p:hf hdr="0" ftr="0" dt="0"/>
-</p:sldLayout>
-</file>
-
-<file path=ppt/slideLayouts/slideLayout21.xml><?xml version="1.0" encoding="utf-8"?>
-<p:sldLayout xmlns:a="http://schemas.openxmlformats.org/drawingml/2006/main" xmlns:r="http://schemas.openxmlformats.org/officeDocument/2006/relationships" xmlns:p="http://schemas.openxmlformats.org/presentationml/2006/main" showMasterPhAnim="0" preserve="1" userDrawn="1">
-  <p:cSld name="Imagem com Legenda">
-    <p:spTree>
-      <p:nvGrpSpPr>
-        <p:cNvPr id="1" name=""/>
-        <p:cNvGrpSpPr/>
-        <p:nvPr/>
-      </p:nvGrpSpPr>
-      <p:grpSpPr bwMode="auto">
-        <a:xfrm>
-          <a:off x="0" y="0"/>
-          <a:ext cx="0" cy="0"/>
-          <a:chOff x="0" y="0"/>
-          <a:chExt cx="0" cy="0"/>
-        </a:xfrm>
-      </p:grpSpPr>
-      <p:sp>
-        <p:nvSpPr>
-          <p:cNvPr id="3" name="Espaço Reservado para Imagem 2"/>
-          <p:cNvSpPr>
-            <a:spLocks noGrp="1"/>
-          </p:cNvSpPr>
-          <p:nvPr>
-            <p:ph type="pic" idx="1"/>
-          </p:nvPr>
-        </p:nvSpPr>
-        <p:spPr bwMode="auto">
-          <a:xfrm>
-            <a:off x="4924424" y="0"/>
-            <a:ext cx="4219575" cy="6858000"/>
-          </a:xfrm>
-          <a:prstGeom prst="rect">
-            <a:avLst/>
-          </a:prstGeom>
-        </p:spPr>
-        <p:txBody>
-          <a:bodyPr/>
-          <a:lstStyle>
-            <a:lvl1pPr marL="0" indent="0">
-              <a:buNone/>
-              <a:defRPr sz="2400"/>
-            </a:lvl1pPr>
-            <a:lvl2pPr marL="342900" indent="0">
-              <a:buNone/>
-              <a:defRPr sz="2100"/>
-            </a:lvl2pPr>
-            <a:lvl3pPr marL="685800" indent="0">
-              <a:buNone/>
-              <a:defRPr sz="1800"/>
-            </a:lvl3pPr>
-            <a:lvl4pPr marL="1028700" indent="0">
-              <a:buNone/>
-              <a:defRPr sz="1500"/>
-            </a:lvl4pPr>
-            <a:lvl5pPr marL="1371600" indent="0">
-              <a:buNone/>
-              <a:defRPr sz="1500"/>
-            </a:lvl5pPr>
-            <a:lvl6pPr marL="1714500" indent="0">
-              <a:buNone/>
-              <a:defRPr sz="1500"/>
-            </a:lvl6pPr>
-            <a:lvl7pPr marL="2057400" indent="0">
-              <a:buNone/>
-              <a:defRPr sz="1500"/>
-            </a:lvl7pPr>
-            <a:lvl8pPr marL="2400300" indent="0">
-              <a:buNone/>
-              <a:defRPr sz="1500"/>
-            </a:lvl8pPr>
-            <a:lvl9pPr marL="2743200" indent="0">
-              <a:buNone/>
-              <a:defRPr sz="1500"/>
-            </a:lvl9pPr>
-          </a:lstStyle>
-          <a:p>
-            <a:pPr>
-              <a:defRPr/>
-            </a:pPr>
-            <a:r>
-              <a:rPr lang="pt-BR"/>
-              <a:t>Clique no ícone para adicionar uma imagem</a:t>
-            </a:r>
-            <a:endParaRPr/>
-          </a:p>
-        </p:txBody>
-      </p:sp>
-      <p:sp>
-        <p:nvSpPr>
-          <p:cNvPr id="5" name="Espaço Reservado para Data 4"/>
-          <p:cNvSpPr>
-            <a:spLocks noGrp="1"/>
-          </p:cNvSpPr>
-          <p:nvPr>
-            <p:ph type="dt" sz="half" idx="10"/>
-          </p:nvPr>
-        </p:nvSpPr>
-        <p:spPr bwMode="auto"/>
-        <p:txBody>
-          <a:bodyPr/>
-          <a:lstStyle/>
-          <a:p>
-            <a:pPr>
-              <a:defRPr/>
-            </a:pPr>
-            <a:fld id="{9D3A6509-23EB-4B44-A528-7D90D9904DC9}" type="datetime1">
-              <a:rPr lang="en-US"/>
-              <a:t>27-Aug-23</a:t>
-            </a:fld>
-            <a:endParaRPr lang="en-US"/>
-          </a:p>
-        </p:txBody>
-      </p:sp>
-      <p:sp>
-        <p:nvSpPr>
-          <p:cNvPr id="6" name="Espaço Reservado para Rodapé 5"/>
-          <p:cNvSpPr>
-            <a:spLocks noGrp="1"/>
-          </p:cNvSpPr>
-          <p:nvPr>
-            <p:ph type="ftr" sz="quarter" idx="11"/>
-          </p:nvPr>
-        </p:nvSpPr>
-        <p:spPr bwMode="auto"/>
-        <p:txBody>
-          <a:bodyPr/>
-          <a:lstStyle/>
-          <a:p>
-            <a:pPr>
-              <a:defRPr/>
-            </a:pPr>
-            <a:endParaRPr lang="en-US"/>
-          </a:p>
-        </p:txBody>
-      </p:sp>
-      <p:sp>
-        <p:nvSpPr>
-          <p:cNvPr id="8" name="Título 1"/>
-          <p:cNvSpPr>
-            <a:spLocks noGrp="1"/>
-          </p:cNvSpPr>
-          <p:nvPr>
-            <p:ph type="title" hasCustomPrompt="1"/>
-          </p:nvPr>
-        </p:nvSpPr>
-        <p:spPr bwMode="auto">
-          <a:xfrm>
-            <a:off x="457201" y="781052"/>
-            <a:ext cx="4363508" cy="619125"/>
-          </a:xfrm>
-          <a:prstGeom prst="rect">
-            <a:avLst/>
-          </a:prstGeom>
-        </p:spPr>
-        <p:txBody>
-          <a:bodyPr/>
-          <a:lstStyle>
-            <a:lvl1pPr>
-              <a:defRPr/>
-            </a:lvl1pPr>
-          </a:lstStyle>
-          <a:p>
-            <a:pPr>
-              <a:defRPr/>
-            </a:pPr>
-            <a:r>
-              <a:rPr lang="pt-BR"/>
-              <a:t>Edite o título mestre</a:t>
-            </a:r>
-            <a:endParaRPr/>
-          </a:p>
-        </p:txBody>
-      </p:sp>
-      <p:sp>
-        <p:nvSpPr>
-          <p:cNvPr id="9" name="Espaço Reservado para Conteúdo 2"/>
-          <p:cNvSpPr>
-            <a:spLocks noGrp="1"/>
-          </p:cNvSpPr>
-          <p:nvPr>
-            <p:ph idx="13"/>
-          </p:nvPr>
-        </p:nvSpPr>
-        <p:spPr bwMode="auto">
-          <a:xfrm>
-            <a:off x="657226" y="1485901"/>
-            <a:ext cx="4163483" cy="4724399"/>
-          </a:xfrm>
-          <a:prstGeom prst="rect">
-            <a:avLst/>
-          </a:prstGeom>
-        </p:spPr>
-        <p:txBody>
-          <a:bodyPr>
-            <a:normAutofit/>
-          </a:bodyPr>
-          <a:lstStyle>
-            <a:lvl1pPr marL="0" indent="0">
-              <a:buFontTx/>
-              <a:buNone/>
-              <a:defRPr sz="1350"/>
-            </a:lvl1pPr>
-            <a:lvl2pPr>
-              <a:defRPr sz="1350"/>
-            </a:lvl2pPr>
-            <a:lvl3pPr>
-              <a:defRPr sz="1350"/>
-            </a:lvl3pPr>
-            <a:lvl4pPr>
-              <a:defRPr sz="1350"/>
-            </a:lvl4pPr>
-            <a:lvl5pPr>
-              <a:defRPr sz="1350"/>
-            </a:lvl5pPr>
-          </a:lstStyle>
-          <a:p>
-            <a:pPr lvl="0">
-              <a:defRPr/>
-            </a:pPr>
-            <a:r>
-              <a:rPr lang="pt-BR"/>
-              <a:t>Clique para editar os estilos de texto Mestres</a:t>
-            </a:r>
-            <a:endParaRPr/>
-          </a:p>
-          <a:p>
-            <a:pPr lvl="1">
-              <a:defRPr/>
-            </a:pPr>
-            <a:r>
-              <a:rPr lang="pt-BR"/>
-              <a:t>Segundo nível</a:t>
-            </a:r>
-            <a:endParaRPr/>
-          </a:p>
-          <a:p>
-            <a:pPr lvl="2">
-              <a:defRPr/>
-            </a:pPr>
-            <a:r>
-              <a:rPr lang="pt-BR"/>
-              <a:t>Terceiro nível</a:t>
-            </a:r>
-            <a:endParaRPr/>
-          </a:p>
-          <a:p>
-            <a:pPr lvl="3">
-              <a:defRPr/>
-            </a:pPr>
-            <a:r>
-              <a:rPr lang="pt-BR"/>
-              <a:t>Quarto nível</a:t>
-            </a:r>
-            <a:endParaRPr/>
-          </a:p>
-          <a:p>
-            <a:pPr lvl="4">
-              <a:defRPr/>
-            </a:pPr>
-            <a:r>
-              <a:rPr lang="pt-BR"/>
-              <a:t>Quinto nível</a:t>
-            </a:r>
-          </a:p>
-        </p:txBody>
-      </p:sp>
-      <p:sp>
-        <p:nvSpPr>
           <p:cNvPr id="10" name="Rectangle 13"/>
           <p:cNvSpPr>
             <a:spLocks noGrp="1" noChangeArrowheads="1"/>
@@ -5387,7 +4618,7 @@
 </p:sldLayout>
 </file>
 
-<file path=ppt/slideLayouts/slideLayout22.xml><?xml version="1.0" encoding="utf-8"?>
+<file path=ppt/slideLayouts/slideLayout21.xml><?xml version="1.0" encoding="utf-8"?>
 <p:sldLayout xmlns:a="http://schemas.openxmlformats.org/drawingml/2006/main" xmlns:r="http://schemas.openxmlformats.org/officeDocument/2006/relationships" xmlns:p="http://schemas.openxmlformats.org/presentationml/2006/main" showMasterPhAnim="0" type="obj" userDrawn="1">
   <p:cSld name="1_Título e Conteúdo">
     <p:spTree>
@@ -5516,7 +4747,7 @@
             </a:pPr>
             <a:fld id="{9D3A6509-23EB-4B44-A528-7D90D9904DC9}" type="datetime1">
               <a:rPr lang="en-US"/>
-              <a:t>27-Aug-23</a:t>
+              <a:t>17-Mar-24</a:t>
             </a:fld>
             <a:endParaRPr lang="en-US"/>
           </a:p>
@@ -5584,7 +4815,7 @@
 </p:sldLayout>
 </file>
 
-<file path=ppt/slideLayouts/slideLayout23.xml><?xml version="1.0" encoding="utf-8"?>
+<file path=ppt/slideLayouts/slideLayout22.xml><?xml version="1.0" encoding="utf-8"?>
 <p:sldLayout xmlns:a="http://schemas.openxmlformats.org/drawingml/2006/main" xmlns:r="http://schemas.openxmlformats.org/officeDocument/2006/relationships" xmlns:p="http://schemas.openxmlformats.org/presentationml/2006/main" showMasterPhAnim="0" type="title" userDrawn="1">
   <p:cSld name="Title Slide">
     <p:spTree>
@@ -5724,7 +4955,7 @@
             </a:pPr>
             <a:fld id="{5B4B5584-C7FA-470F-8EC2-A30435A4DF16}" type="datetime1">
               <a:rPr lang="en-US"/>
-              <a:t>27-Aug-23</a:t>
+              <a:t>17-Mar-24</a:t>
             </a:fld>
             <a:endParaRPr lang="en-US"/>
           </a:p>
@@ -5828,7 +5059,7 @@
             </a:pPr>
             <a:fld id="{F2B7900D-0734-4F15-9F08-6F03FB6F6514}" type="datetimeFigureOut">
               <a:rPr lang="pt-BR"/>
-              <a:t>27/08/2023</a:t>
+              <a:t>17/03/2024</a:t>
             </a:fld>
             <a:endParaRPr lang="pt-BR"/>
           </a:p>
@@ -6352,7 +5583,7 @@
             </a:pPr>
             <a:fld id="{F2B7900D-0734-4F15-9F08-6F03FB6F6514}" type="datetimeFigureOut">
               <a:rPr lang="pt-BR"/>
-              <a:t>27/08/2023</a:t>
+              <a:t>17/03/2024</a:t>
             </a:fld>
             <a:endParaRPr lang="pt-BR"/>
           </a:p>
@@ -6730,7 +5961,7 @@
             </a:pPr>
             <a:fld id="{F2B7900D-0734-4F15-9F08-6F03FB6F6514}" type="datetimeFigureOut">
               <a:rPr lang="pt-BR"/>
-              <a:t>27/08/2023</a:t>
+              <a:t>17/03/2024</a:t>
             </a:fld>
             <a:endParaRPr lang="pt-BR"/>
           </a:p>
@@ -7295,7 +6526,7 @@
             </a:pPr>
             <a:fld id="{F2B7900D-0734-4F15-9F08-6F03FB6F6514}" type="datetimeFigureOut">
               <a:rPr lang="pt-BR"/>
-              <a:t>27/08/2023</a:t>
+              <a:t>17/03/2024</a:t>
             </a:fld>
             <a:endParaRPr lang="pt-BR"/>
           </a:p>
@@ -7503,198 +6734,6 @@
 </file>
 
 <file path=ppt/slideLayouts/slideLayout7.xml><?xml version="1.0" encoding="utf-8"?>
-<p:sldLayout xmlns:a="http://schemas.openxmlformats.org/drawingml/2006/main" xmlns:r="http://schemas.openxmlformats.org/officeDocument/2006/relationships" xmlns:p="http://schemas.openxmlformats.org/presentationml/2006/main" showMasterPhAnim="0" type="obj" userDrawn="1">
-  <p:cSld name="1_Título e Conteúdo">
-    <p:spTree>
-      <p:nvGrpSpPr>
-        <p:cNvPr id="1" name=""/>
-        <p:cNvGrpSpPr/>
-        <p:nvPr/>
-      </p:nvGrpSpPr>
-      <p:grpSpPr bwMode="auto">
-        <a:xfrm>
-          <a:off x="0" y="0"/>
-          <a:ext cx="0" cy="0"/>
-          <a:chOff x="0" y="0"/>
-          <a:chExt cx="0" cy="0"/>
-        </a:xfrm>
-      </p:grpSpPr>
-      <p:sp>
-        <p:nvSpPr>
-          <p:cNvPr id="2" name="Title 1"/>
-          <p:cNvSpPr>
-            <a:spLocks noGrp="1"/>
-          </p:cNvSpPr>
-          <p:nvPr>
-            <p:ph type="title"/>
-          </p:nvPr>
-        </p:nvSpPr>
-        <p:spPr bwMode="auto"/>
-        <p:txBody>
-          <a:bodyPr/>
-          <a:lstStyle/>
-          <a:p>
-            <a:pPr>
-              <a:defRPr/>
-            </a:pPr>
-            <a:r>
-              <a:rPr lang="pt-BR"/>
-              <a:t>Clique para editar o título Mestre</a:t>
-            </a:r>
-            <a:endParaRPr lang="en-US"/>
-          </a:p>
-        </p:txBody>
-      </p:sp>
-      <p:sp>
-        <p:nvSpPr>
-          <p:cNvPr id="3" name="Content Placeholder 2"/>
-          <p:cNvSpPr>
-            <a:spLocks noGrp="1"/>
-          </p:cNvSpPr>
-          <p:nvPr>
-            <p:ph idx="1"/>
-          </p:nvPr>
-        </p:nvSpPr>
-        <p:spPr bwMode="auto"/>
-        <p:txBody>
-          <a:bodyPr/>
-          <a:lstStyle/>
-          <a:p>
-            <a:pPr lvl="0">
-              <a:defRPr/>
-            </a:pPr>
-            <a:r>
-              <a:rPr lang="pt-BR"/>
-              <a:t>Clique para editar os estilos de texto Mestres</a:t>
-            </a:r>
-            <a:endParaRPr/>
-          </a:p>
-          <a:p>
-            <a:pPr lvl="1">
-              <a:defRPr/>
-            </a:pPr>
-            <a:r>
-              <a:rPr lang="pt-BR"/>
-              <a:t>Segundo nível</a:t>
-            </a:r>
-            <a:endParaRPr/>
-          </a:p>
-          <a:p>
-            <a:pPr lvl="2">
-              <a:defRPr/>
-            </a:pPr>
-            <a:r>
-              <a:rPr lang="pt-BR"/>
-              <a:t>Terceiro nível</a:t>
-            </a:r>
-            <a:endParaRPr/>
-          </a:p>
-          <a:p>
-            <a:pPr lvl="3">
-              <a:defRPr/>
-            </a:pPr>
-            <a:r>
-              <a:rPr lang="pt-BR"/>
-              <a:t>Quarto nível</a:t>
-            </a:r>
-            <a:endParaRPr/>
-          </a:p>
-          <a:p>
-            <a:pPr lvl="4">
-              <a:defRPr/>
-            </a:pPr>
-            <a:r>
-              <a:rPr lang="pt-BR"/>
-              <a:t>Quinto nível</a:t>
-            </a:r>
-            <a:endParaRPr lang="en-US"/>
-          </a:p>
-        </p:txBody>
-      </p:sp>
-      <p:sp>
-        <p:nvSpPr>
-          <p:cNvPr id="4" name="Date Placeholder 3"/>
-          <p:cNvSpPr>
-            <a:spLocks noGrp="1"/>
-          </p:cNvSpPr>
-          <p:nvPr>
-            <p:ph type="dt" sz="half" idx="10"/>
-          </p:nvPr>
-        </p:nvSpPr>
-        <p:spPr bwMode="auto"/>
-        <p:txBody>
-          <a:bodyPr/>
-          <a:lstStyle/>
-          <a:p>
-            <a:pPr>
-              <a:defRPr/>
-            </a:pPr>
-            <a:fld id="{3135726F-7445-4038-9FAC-4112A5F2E72B}" type="datetimeFigureOut">
-              <a:rPr lang="en-US"/>
-              <a:t>27-Aug-23</a:t>
-            </a:fld>
-            <a:endParaRPr lang="en-US"/>
-          </a:p>
-        </p:txBody>
-      </p:sp>
-      <p:sp>
-        <p:nvSpPr>
-          <p:cNvPr id="5" name="Footer Placeholder 4"/>
-          <p:cNvSpPr>
-            <a:spLocks noGrp="1"/>
-          </p:cNvSpPr>
-          <p:nvPr>
-            <p:ph type="ftr" sz="quarter" idx="11"/>
-          </p:nvPr>
-        </p:nvSpPr>
-        <p:spPr bwMode="auto"/>
-        <p:txBody>
-          <a:bodyPr/>
-          <a:lstStyle/>
-          <a:p>
-            <a:pPr>
-              <a:defRPr/>
-            </a:pPr>
-            <a:endParaRPr lang="en-US"/>
-          </a:p>
-        </p:txBody>
-      </p:sp>
-      <p:sp>
-        <p:nvSpPr>
-          <p:cNvPr id="6" name="Slide Number Placeholder 5"/>
-          <p:cNvSpPr>
-            <a:spLocks noGrp="1"/>
-          </p:cNvSpPr>
-          <p:nvPr>
-            <p:ph type="sldNum" sz="quarter" idx="12"/>
-          </p:nvPr>
-        </p:nvSpPr>
-        <p:spPr bwMode="auto"/>
-        <p:txBody>
-          <a:bodyPr/>
-          <a:lstStyle/>
-          <a:p>
-            <a:pPr>
-              <a:defRPr/>
-            </a:pPr>
-            <a:fld id="{D2F2DBCB-A38D-4662-B7A4-5939857B11EF}" type="slidenum">
-              <a:rPr lang="en-US"/>
-              <a:t>‹nº›</a:t>
-            </a:fld>
-            <a:endParaRPr lang="en-US"/>
-          </a:p>
-        </p:txBody>
-      </p:sp>
-    </p:spTree>
-  </p:cSld>
-  <p:clrMapOvr>
-    <a:masterClrMapping/>
-  </p:clrMapOvr>
-  <p:hf hdr="0" ftr="0" dt="0"/>
-</p:sldLayout>
-</file>
-
-<file path=ppt/slideLayouts/slideLayout8.xml><?xml version="1.0" encoding="utf-8"?>
 <p:sldLayout xmlns:a="http://schemas.openxmlformats.org/drawingml/2006/main" xmlns:r="http://schemas.openxmlformats.org/officeDocument/2006/relationships" xmlns:p="http://schemas.openxmlformats.org/presentationml/2006/main" showMasterPhAnim="0" type="titleOnly" userDrawn="1">
   <p:cSld name="Somente título">
     <p:spTree>
@@ -7851,7 +6890,7 @@
 </p:sldLayout>
 </file>
 
-<file path=ppt/slideLayouts/slideLayout9.xml><?xml version="1.0" encoding="utf-8"?>
+<file path=ppt/slideLayouts/slideLayout8.xml><?xml version="1.0" encoding="utf-8"?>
 <p:sldLayout xmlns:a="http://schemas.openxmlformats.org/drawingml/2006/main" xmlns:r="http://schemas.openxmlformats.org/officeDocument/2006/relationships" xmlns:p="http://schemas.openxmlformats.org/presentationml/2006/main" showMasterPhAnim="0" preserve="1" userDrawn="1">
   <p:cSld name="Title Slide">
     <p:spTree>
@@ -8042,6 +7081,480 @@
         <p:spPr bwMode="auto">
           <a:xfrm>
             <a:off x="765379" y="843279"/>
+            <a:ext cx="72000" cy="284481"/>
+          </a:xfrm>
+          <a:prstGeom prst="rect">
+            <a:avLst/>
+          </a:prstGeom>
+          <a:solidFill>
+            <a:srgbClr val="F0265D"/>
+          </a:solidFill>
+          <a:ln>
+            <a:noFill/>
+          </a:ln>
+          <a:effectLst/>
+        </p:spPr>
+        <p:style>
+          <a:lnRef idx="1">
+            <a:schemeClr val="accent1"/>
+          </a:lnRef>
+          <a:fillRef idx="3">
+            <a:schemeClr val="accent1"/>
+          </a:fillRef>
+          <a:effectRef idx="2">
+            <a:schemeClr val="accent1"/>
+          </a:effectRef>
+          <a:fontRef idx="minor">
+            <a:schemeClr val="lt1"/>
+          </a:fontRef>
+        </p:style>
+        <p:txBody>
+          <a:bodyPr rtlCol="0" anchor="ctr"/>
+          <a:lstStyle/>
+          <a:p>
+            <a:pPr algn="ctr">
+              <a:defRPr/>
+            </a:pPr>
+            <a:endParaRPr lang="en-US"/>
+          </a:p>
+        </p:txBody>
+      </p:sp>
+    </p:spTree>
+  </p:cSld>
+  <p:clrMapOvr>
+    <a:masterClrMapping/>
+  </p:clrMapOvr>
+</p:sldLayout>
+</file>
+
+<file path=ppt/slideLayouts/slideLayout9.xml><?xml version="1.0" encoding="utf-8"?>
+<p:sldLayout xmlns:a="http://schemas.openxmlformats.org/drawingml/2006/main" xmlns:r="http://schemas.openxmlformats.org/officeDocument/2006/relationships" xmlns:p="http://schemas.openxmlformats.org/presentationml/2006/main" showMasterPhAnim="0" preserve="1" userDrawn="1">
+  <p:cSld name="Section Header">
+    <p:spTree>
+      <p:nvGrpSpPr>
+        <p:cNvPr id="1" name=""/>
+        <p:cNvGrpSpPr/>
+        <p:nvPr/>
+      </p:nvGrpSpPr>
+      <p:grpSpPr bwMode="auto">
+        <a:xfrm>
+          <a:off x="0" y="0"/>
+          <a:ext cx="0" cy="0"/>
+          <a:chOff x="0" y="0"/>
+          <a:chExt cx="0" cy="0"/>
+        </a:xfrm>
+      </p:grpSpPr>
+      <p:sp>
+        <p:nvSpPr>
+          <p:cNvPr id="10" name="Espaço Reservado para Texto 9"/>
+          <p:cNvSpPr>
+            <a:spLocks noGrp="1"/>
+          </p:cNvSpPr>
+          <p:nvPr>
+            <p:ph type="body" sz="quarter" idx="13" hasCustomPrompt="1"/>
+          </p:nvPr>
+        </p:nvSpPr>
+        <p:spPr bwMode="auto">
+          <a:xfrm>
+            <a:off x="914400" y="1750228"/>
+            <a:ext cx="7238198" cy="260350"/>
+          </a:xfrm>
+          <a:prstGeom prst="rect">
+            <a:avLst/>
+          </a:prstGeom>
+        </p:spPr>
+        <p:txBody>
+          <a:bodyPr>
+            <a:noAutofit/>
+          </a:bodyPr>
+          <a:lstStyle>
+            <a:lvl1pPr marL="0" indent="0">
+              <a:buNone/>
+              <a:defRPr sz="2000" b="1">
+                <a:latin typeface="Gotham HTF"/>
+              </a:defRPr>
+            </a:lvl1pPr>
+            <a:lvl2pPr>
+              <a:defRPr sz="2000">
+                <a:latin typeface="Gotham-Bold"/>
+              </a:defRPr>
+            </a:lvl2pPr>
+            <a:lvl3pPr>
+              <a:defRPr sz="2000">
+                <a:latin typeface="Gotham-Bold"/>
+              </a:defRPr>
+            </a:lvl3pPr>
+            <a:lvl4pPr>
+              <a:defRPr sz="2000">
+                <a:latin typeface="Gotham-Bold"/>
+              </a:defRPr>
+            </a:lvl4pPr>
+            <a:lvl5pPr>
+              <a:defRPr sz="2000">
+                <a:latin typeface="Gotham-Bold"/>
+              </a:defRPr>
+            </a:lvl5pPr>
+          </a:lstStyle>
+          <a:p>
+            <a:pPr lvl="0">
+              <a:defRPr/>
+            </a:pPr>
+            <a:r>
+              <a:rPr lang="pt-BR"/>
+              <a:t>CLIQUE PARA EDITAR O TEXTO MESTRE</a:t>
+            </a:r>
+            <a:endParaRPr/>
+          </a:p>
+        </p:txBody>
+      </p:sp>
+      <p:sp>
+        <p:nvSpPr>
+          <p:cNvPr id="12" name="Espaço Reservado para Texto 11"/>
+          <p:cNvSpPr>
+            <a:spLocks noGrp="1"/>
+          </p:cNvSpPr>
+          <p:nvPr>
+            <p:ph type="body" sz="quarter" idx="14"/>
+          </p:nvPr>
+        </p:nvSpPr>
+        <p:spPr bwMode="auto">
+          <a:xfrm>
+            <a:off x="914400" y="2319338"/>
+            <a:ext cx="7238198" cy="1607769"/>
+          </a:xfrm>
+          <a:prstGeom prst="rect">
+            <a:avLst/>
+          </a:prstGeom>
+        </p:spPr>
+        <p:txBody>
+          <a:bodyPr>
+            <a:normAutofit/>
+          </a:bodyPr>
+          <a:lstStyle>
+            <a:lvl1pPr marL="342900" indent="-342900">
+              <a:buFont typeface="Wingdings"/>
+              <a:buChar char="§"/>
+              <a:defRPr sz="1600">
+                <a:latin typeface="Gotham-Book"/>
+              </a:defRPr>
+            </a:lvl1pPr>
+            <a:lvl2pPr marL="742950" indent="-285750">
+              <a:buFont typeface="Wingdings"/>
+              <a:buChar char="§"/>
+              <a:defRPr sz="1600">
+                <a:latin typeface="Gotham-Book"/>
+              </a:defRPr>
+            </a:lvl2pPr>
+            <a:lvl3pPr marL="1143000" indent="-228600">
+              <a:buFont typeface="Wingdings"/>
+              <a:buChar char="§"/>
+              <a:defRPr sz="1600">
+                <a:latin typeface="Gotham-Book"/>
+              </a:defRPr>
+            </a:lvl3pPr>
+            <a:lvl4pPr marL="1600200" indent="-228600">
+              <a:buFont typeface="Wingdings"/>
+              <a:buChar char="§"/>
+              <a:defRPr sz="1600">
+                <a:latin typeface="Gotham-Book"/>
+              </a:defRPr>
+            </a:lvl4pPr>
+            <a:lvl5pPr marL="2057400" indent="-228600">
+              <a:buFont typeface="Wingdings"/>
+              <a:buChar char="§"/>
+              <a:defRPr sz="1600">
+                <a:latin typeface="Gotham-Book"/>
+              </a:defRPr>
+            </a:lvl5pPr>
+          </a:lstStyle>
+          <a:p>
+            <a:pPr lvl="0">
+              <a:defRPr/>
+            </a:pPr>
+            <a:r>
+              <a:rPr lang="pt-BR"/>
+              <a:t>Clique para editar o texto mestre</a:t>
+            </a:r>
+            <a:endParaRPr/>
+          </a:p>
+          <a:p>
+            <a:pPr lvl="1">
+              <a:defRPr/>
+            </a:pPr>
+            <a:r>
+              <a:rPr lang="pt-BR"/>
+              <a:t>Segundo nível</a:t>
+            </a:r>
+            <a:endParaRPr/>
+          </a:p>
+          <a:p>
+            <a:pPr lvl="2">
+              <a:defRPr/>
+            </a:pPr>
+            <a:r>
+              <a:rPr lang="pt-BR"/>
+              <a:t>Terceiro nível</a:t>
+            </a:r>
+            <a:endParaRPr/>
+          </a:p>
+          <a:p>
+            <a:pPr lvl="3">
+              <a:defRPr/>
+            </a:pPr>
+            <a:r>
+              <a:rPr lang="pt-BR"/>
+              <a:t>Quarto nível</a:t>
+            </a:r>
+            <a:endParaRPr/>
+          </a:p>
+          <a:p>
+            <a:pPr lvl="4">
+              <a:defRPr/>
+            </a:pPr>
+            <a:r>
+              <a:rPr lang="pt-BR"/>
+              <a:t>Quinto nível</a:t>
+            </a:r>
+            <a:endParaRPr/>
+          </a:p>
+        </p:txBody>
+      </p:sp>
+      <p:sp>
+        <p:nvSpPr>
+          <p:cNvPr id="15" name="Espaço Reservado para Texto 9"/>
+          <p:cNvSpPr>
+            <a:spLocks noGrp="1"/>
+          </p:cNvSpPr>
+          <p:nvPr>
+            <p:ph type="body" sz="quarter" idx="15" hasCustomPrompt="1"/>
+          </p:nvPr>
+        </p:nvSpPr>
+        <p:spPr bwMode="auto">
+          <a:xfrm>
+            <a:off x="914400" y="4215012"/>
+            <a:ext cx="7238198" cy="260350"/>
+          </a:xfrm>
+          <a:prstGeom prst="rect">
+            <a:avLst/>
+          </a:prstGeom>
+        </p:spPr>
+        <p:txBody>
+          <a:bodyPr>
+            <a:noAutofit/>
+          </a:bodyPr>
+          <a:lstStyle>
+            <a:lvl1pPr marL="0" indent="0">
+              <a:buNone/>
+              <a:defRPr sz="2000" b="1">
+                <a:latin typeface="Gotham HTF"/>
+              </a:defRPr>
+            </a:lvl1pPr>
+            <a:lvl2pPr>
+              <a:defRPr sz="2000">
+                <a:latin typeface="Gotham-Bold"/>
+              </a:defRPr>
+            </a:lvl2pPr>
+            <a:lvl3pPr>
+              <a:defRPr sz="2000">
+                <a:latin typeface="Gotham-Bold"/>
+              </a:defRPr>
+            </a:lvl3pPr>
+            <a:lvl4pPr>
+              <a:defRPr sz="2000">
+                <a:latin typeface="Gotham-Bold"/>
+              </a:defRPr>
+            </a:lvl4pPr>
+            <a:lvl5pPr>
+              <a:defRPr sz="2000">
+                <a:latin typeface="Gotham-Bold"/>
+              </a:defRPr>
+            </a:lvl5pPr>
+          </a:lstStyle>
+          <a:p>
+            <a:pPr lvl="0">
+              <a:defRPr/>
+            </a:pPr>
+            <a:r>
+              <a:rPr lang="pt-BR"/>
+              <a:t>CLIQUE PARA EDITAR O TEXTO MESTRE</a:t>
+            </a:r>
+            <a:endParaRPr/>
+          </a:p>
+        </p:txBody>
+      </p:sp>
+      <p:sp>
+        <p:nvSpPr>
+          <p:cNvPr id="16" name="Espaço Reservado para Texto 11"/>
+          <p:cNvSpPr>
+            <a:spLocks noGrp="1"/>
+          </p:cNvSpPr>
+          <p:nvPr>
+            <p:ph type="body" sz="quarter" idx="16"/>
+          </p:nvPr>
+        </p:nvSpPr>
+        <p:spPr bwMode="auto">
+          <a:xfrm>
+            <a:off x="914400" y="4784121"/>
+            <a:ext cx="7238198" cy="1607769"/>
+          </a:xfrm>
+          <a:prstGeom prst="rect">
+            <a:avLst/>
+          </a:prstGeom>
+        </p:spPr>
+        <p:txBody>
+          <a:bodyPr>
+            <a:normAutofit/>
+          </a:bodyPr>
+          <a:lstStyle>
+            <a:lvl1pPr marL="342900" indent="-342900">
+              <a:buFont typeface="Wingdings"/>
+              <a:buChar char="§"/>
+              <a:defRPr sz="1600">
+                <a:latin typeface="Gotham-Book"/>
+              </a:defRPr>
+            </a:lvl1pPr>
+            <a:lvl2pPr marL="742950" indent="-285750">
+              <a:buFont typeface="Wingdings"/>
+              <a:buChar char="§"/>
+              <a:defRPr sz="1600">
+                <a:latin typeface="Gotham-Book"/>
+              </a:defRPr>
+            </a:lvl2pPr>
+            <a:lvl3pPr marL="1143000" indent="-228600">
+              <a:buFont typeface="Wingdings"/>
+              <a:buChar char="§"/>
+              <a:defRPr sz="1600">
+                <a:latin typeface="Gotham-Book"/>
+              </a:defRPr>
+            </a:lvl3pPr>
+            <a:lvl4pPr marL="1600200" indent="-228600">
+              <a:buFont typeface="Wingdings"/>
+              <a:buChar char="§"/>
+              <a:defRPr sz="1600">
+                <a:latin typeface="Gotham-Book"/>
+              </a:defRPr>
+            </a:lvl4pPr>
+            <a:lvl5pPr marL="2057400" indent="-228600">
+              <a:buFont typeface="Wingdings"/>
+              <a:buChar char="§"/>
+              <a:defRPr sz="1600">
+                <a:latin typeface="Gotham-Book"/>
+              </a:defRPr>
+            </a:lvl5pPr>
+          </a:lstStyle>
+          <a:p>
+            <a:pPr lvl="0">
+              <a:defRPr/>
+            </a:pPr>
+            <a:r>
+              <a:rPr lang="pt-BR"/>
+              <a:t>Clique para editar o texto mestre</a:t>
+            </a:r>
+            <a:endParaRPr/>
+          </a:p>
+          <a:p>
+            <a:pPr lvl="1">
+              <a:defRPr/>
+            </a:pPr>
+            <a:r>
+              <a:rPr lang="pt-BR"/>
+              <a:t>Segundo nível</a:t>
+            </a:r>
+            <a:endParaRPr/>
+          </a:p>
+          <a:p>
+            <a:pPr lvl="2">
+              <a:defRPr/>
+            </a:pPr>
+            <a:r>
+              <a:rPr lang="pt-BR"/>
+              <a:t>Terceiro nível</a:t>
+            </a:r>
+            <a:endParaRPr/>
+          </a:p>
+          <a:p>
+            <a:pPr lvl="3">
+              <a:defRPr/>
+            </a:pPr>
+            <a:r>
+              <a:rPr lang="pt-BR"/>
+              <a:t>Quarto nível</a:t>
+            </a:r>
+            <a:endParaRPr/>
+          </a:p>
+          <a:p>
+            <a:pPr lvl="4">
+              <a:defRPr/>
+            </a:pPr>
+            <a:r>
+              <a:rPr lang="pt-BR"/>
+              <a:t>Quinto nível</a:t>
+            </a:r>
+            <a:endParaRPr/>
+          </a:p>
+        </p:txBody>
+      </p:sp>
+      <p:sp>
+        <p:nvSpPr>
+          <p:cNvPr id="9" name="TextBox 15"/>
+          <p:cNvSpPr txBox="1"/>
+          <p:nvPr userDrawn="1"/>
+        </p:nvSpPr>
+        <p:spPr bwMode="auto">
+          <a:xfrm>
+            <a:off x="947124" y="745668"/>
+            <a:ext cx="4870522" cy="487313"/>
+          </a:xfrm>
+          <a:prstGeom prst="rect">
+            <a:avLst/>
+          </a:prstGeom>
+          <a:noFill/>
+        </p:spPr>
+        <p:txBody>
+          <a:bodyPr wrap="square" rtlCol="0">
+            <a:spAutoFit/>
+          </a:bodyPr>
+          <a:lstStyle/>
+          <a:p>
+            <a:pPr>
+              <a:lnSpc>
+                <a:spcPct val="90000"/>
+              </a:lnSpc>
+              <a:defRPr/>
+            </a:pPr>
+            <a:r>
+              <a:rPr lang="en-US" sz="2800" b="1">
+                <a:solidFill>
+                  <a:srgbClr val="303030"/>
+                </a:solidFill>
+                <a:latin typeface="Gotham HTF"/>
+                <a:cs typeface="Gotham-Bold"/>
+              </a:rPr>
+              <a:t>CONTEÚDO </a:t>
+            </a:r>
+            <a:r>
+              <a:rPr lang="en-US" sz="2800" b="1">
+                <a:solidFill>
+                  <a:srgbClr val="303030"/>
+                </a:solidFill>
+                <a:latin typeface="Gotham HTF"/>
+                <a:cs typeface="Gotham-Book"/>
+              </a:rPr>
+              <a:t>DO CURSO</a:t>
+            </a:r>
+            <a:endParaRPr/>
+          </a:p>
+        </p:txBody>
+      </p:sp>
+      <p:sp>
+        <p:nvSpPr>
+          <p:cNvPr id="11" name="Rectangle 20"/>
+          <p:cNvSpPr/>
+          <p:nvPr userDrawn="1"/>
+        </p:nvSpPr>
+        <p:spPr bwMode="auto">
+          <a:xfrm>
+            <a:off x="765379" y="804779"/>
             <a:ext cx="72000" cy="284481"/>
           </a:xfrm>
           <a:prstGeom prst="rect">
@@ -8119,7 +7632,7 @@
           <p:nvPr/>
         </p:nvPicPr>
         <p:blipFill>
-          <a:blip r:embed="rId17"/>
+          <a:blip r:embed="rId16"/>
           <a:stretch/>
         </p:blipFill>
         <p:spPr bwMode="auto">
@@ -8173,7 +7686,7 @@
             </a:pPr>
             <a:fld id="{F2B7900D-0734-4F15-9F08-6F03FB6F6514}" type="datetimeFigureOut">
               <a:rPr lang="pt-BR"/>
-              <a:t>27/08/2023</a:t>
+              <a:t>17/03/2024</a:t>
             </a:fld>
             <a:endParaRPr lang="pt-BR"/>
           </a:p>
@@ -8318,15 +7831,14 @@
     <p:sldLayoutId id="2147483652" r:id="rId4"/>
     <p:sldLayoutId id="2147483653" r:id="rId5"/>
     <p:sldLayoutId id="2147483654" r:id="rId6"/>
-    <p:sldLayoutId id="2147483655" r:id="rId7"/>
-    <p:sldLayoutId id="2147483656" r:id="rId8"/>
-    <p:sldLayoutId id="2147483657" r:id="rId9"/>
-    <p:sldLayoutId id="2147483658" r:id="rId10"/>
-    <p:sldLayoutId id="2147483659" r:id="rId11"/>
-    <p:sldLayoutId id="2147483660" r:id="rId12"/>
-    <p:sldLayoutId id="2147483661" r:id="rId13"/>
-    <p:sldLayoutId id="2147483662" r:id="rId14"/>
-    <p:sldLayoutId id="2147483663" r:id="rId15"/>
+    <p:sldLayoutId id="2147483656" r:id="rId7"/>
+    <p:sldLayoutId id="2147483657" r:id="rId8"/>
+    <p:sldLayoutId id="2147483658" r:id="rId9"/>
+    <p:sldLayoutId id="2147483659" r:id="rId10"/>
+    <p:sldLayoutId id="2147483660" r:id="rId11"/>
+    <p:sldLayoutId id="2147483661" r:id="rId12"/>
+    <p:sldLayoutId id="2147483662" r:id="rId13"/>
+    <p:sldLayoutId id="2147483663" r:id="rId14"/>
   </p:sldLayoutIdLst>
   <p:hf hdr="0" ftr="0" dt="0"/>
   <p:txStyles>
@@ -8667,7 +8179,7 @@
             </a:pPr>
             <a:fld id="{9D3A6509-23EB-4B44-A528-7D90D9904DC9}" type="datetime1">
               <a:rPr lang="en-US"/>
-              <a:t>27-Aug-23</a:t>
+              <a:t>17-Mar-24</a:t>
             </a:fld>
             <a:endParaRPr lang="en-US"/>
           </a:p>
@@ -9113,2376 +8625,6 @@
 </p:sld>
 </file>
 
-<file path=ppt/slides/slide10.xml><?xml version="1.0" encoding="utf-8"?>
-<p:sld xmlns:a="http://schemas.openxmlformats.org/drawingml/2006/main" xmlns:r="http://schemas.openxmlformats.org/officeDocument/2006/relationships" xmlns:p="http://schemas.openxmlformats.org/presentationml/2006/main" showMasterPhAnim="0">
-  <p:cSld>
-    <p:bg>
-      <p:bgRef idx="1001">
-        <a:schemeClr val="bg1"/>
-      </p:bgRef>
-    </p:bg>
-    <p:spTree>
-      <p:nvGrpSpPr>
-        <p:cNvPr id="1" name=""/>
-        <p:cNvGrpSpPr/>
-        <p:nvPr/>
-      </p:nvGrpSpPr>
-      <p:grpSpPr bwMode="auto">
-        <a:xfrm>
-          <a:off x="0" y="0"/>
-          <a:ext cx="0" cy="0"/>
-          <a:chOff x="0" y="0"/>
-          <a:chExt cx="0" cy="0"/>
-        </a:xfrm>
-      </p:grpSpPr>
-      <p:sp>
-        <p:nvSpPr>
-          <p:cNvPr id="2" name="Título 1"/>
-          <p:cNvSpPr>
-            <a:spLocks noGrp="1"/>
-          </p:cNvSpPr>
-          <p:nvPr>
-            <p:ph type="title"/>
-          </p:nvPr>
-        </p:nvSpPr>
-        <p:spPr bwMode="auto"/>
-        <p:txBody>
-          <a:bodyPr/>
-          <a:lstStyle/>
-          <a:p>
-            <a:pPr>
-              <a:defRPr/>
-            </a:pPr>
-            <a:r>
-              <a:rPr lang="pt-BR" b="1" dirty="0"/>
-              <a:t>Calibração da Câmera</a:t>
-            </a:r>
-          </a:p>
-        </p:txBody>
-      </p:sp>
-      <p:sp>
-        <p:nvSpPr>
-          <p:cNvPr id="3" name="Espaço Reservado para Texto 2"/>
-          <p:cNvSpPr>
-            <a:spLocks noGrp="1"/>
-          </p:cNvSpPr>
-          <p:nvPr>
-            <p:ph type="body" sz="quarter" idx="13"/>
-          </p:nvPr>
-        </p:nvSpPr>
-        <p:spPr bwMode="auto"/>
-        <p:txBody>
-          <a:bodyPr/>
-          <a:lstStyle/>
-          <a:p>
-            <a:pPr>
-              <a:defRPr/>
-            </a:pPr>
-            <a:endParaRPr lang="pt-BR"/>
-          </a:p>
-        </p:txBody>
-      </p:sp>
-      <p:sp>
-        <p:nvSpPr>
-          <p:cNvPr id="19" name="Rectangle 3">
-            <a:extLst>
-              <a:ext uri="{FF2B5EF4-FFF2-40B4-BE49-F238E27FC236}">
-                <a16:creationId xmlns:a16="http://schemas.microsoft.com/office/drawing/2014/main" id="{C9D413DF-895C-7DD3-140B-F13F54C6B45D}"/>
-              </a:ext>
-            </a:extLst>
-          </p:cNvPr>
-          <p:cNvSpPr>
-            <a:spLocks noGrp="1" noChangeArrowheads="1"/>
-          </p:cNvSpPr>
-          <p:nvPr>
-            <p:ph idx="1"/>
-          </p:nvPr>
-        </p:nvSpPr>
-        <p:spPr bwMode="auto">
-          <a:xfrm>
-            <a:off x="657225" y="1485900"/>
-            <a:ext cx="8029647" cy="5047536"/>
-          </a:xfrm>
-        </p:spPr>
-        <p:txBody>
-          <a:bodyPr>
-            <a:spAutoFit/>
-          </a:bodyPr>
-          <a:lstStyle/>
-          <a:p>
-            <a:pPr marL="0" marR="0" lvl="0" indent="0" algn="l" defTabSz="914400" eaLnBrk="1" fontAlgn="auto" latinLnBrk="0" hangingPunct="1">
-              <a:lnSpc>
-                <a:spcPct val="100000"/>
-              </a:lnSpc>
-              <a:spcBef>
-                <a:spcPts val="0"/>
-              </a:spcBef>
-              <a:spcAft>
-                <a:spcPts val="0"/>
-              </a:spcAft>
-              <a:buClrTx/>
-              <a:buSzTx/>
-              <a:buFontTx/>
-              <a:buNone/>
-              <a:tabLst/>
-              <a:defRPr/>
-            </a:pPr>
-            <a:r>
-              <a:rPr kumimoji="0" lang="pt-BR" sz="1400" b="1" i="0" u="none" strike="noStrike" kern="0" cap="none" spc="0" normalizeH="0" baseline="0" noProof="0" dirty="0">
-                <a:ln>
-                  <a:noFill/>
-                </a:ln>
-                <a:solidFill>
-                  <a:prstClr val="black"/>
-                </a:solidFill>
-                <a:effectLst/>
-                <a:uLnTx/>
-                <a:uFillTx/>
-                <a:latin typeface="Verdana"/>
-                <a:ea typeface="Verdana"/>
-                <a:cs typeface="Arial"/>
-              </a:rPr>
-              <a:t>Parâmetros Intrínsecos da Câmera</a:t>
-            </a:r>
-          </a:p>
-          <a:p>
-            <a:pPr marL="0" marR="0" lvl="0" indent="0" algn="l" defTabSz="914400" eaLnBrk="1" fontAlgn="auto" latinLnBrk="0" hangingPunct="1">
-              <a:lnSpc>
-                <a:spcPct val="100000"/>
-              </a:lnSpc>
-              <a:spcBef>
-                <a:spcPts val="0"/>
-              </a:spcBef>
-              <a:spcAft>
-                <a:spcPts val="0"/>
-              </a:spcAft>
-              <a:buClrTx/>
-              <a:buSzTx/>
-              <a:buFontTx/>
-              <a:buNone/>
-              <a:tabLst/>
-              <a:defRPr/>
-            </a:pPr>
-            <a:endParaRPr kumimoji="0" lang="pt-BR" sz="1400" b="0" i="0" u="none" strike="noStrike" kern="0" cap="none" spc="0" normalizeH="0" baseline="0" noProof="0" dirty="0">
-              <a:ln>
-                <a:noFill/>
-              </a:ln>
-              <a:solidFill>
-                <a:prstClr val="black"/>
-              </a:solidFill>
-              <a:effectLst/>
-              <a:uLnTx/>
-              <a:uFillTx/>
-              <a:latin typeface="Verdana"/>
-              <a:ea typeface="Verdana"/>
-              <a:cs typeface="Arial"/>
-            </a:endParaRPr>
-          </a:p>
-          <a:p>
-            <a:pPr marL="342900" marR="0" lvl="0" indent="-342900" algn="l" defTabSz="914400" eaLnBrk="1" fontAlgn="auto" latinLnBrk="0" hangingPunct="1">
-              <a:lnSpc>
-                <a:spcPct val="100000"/>
-              </a:lnSpc>
-              <a:spcBef>
-                <a:spcPts val="0"/>
-              </a:spcBef>
-              <a:spcAft>
-                <a:spcPts val="0"/>
-              </a:spcAft>
-              <a:buClrTx/>
-              <a:buSzTx/>
-              <a:buFont typeface="Arial" panose="020B0604020202020204" pitchFamily="34" charset="0"/>
-              <a:buChar char="•"/>
-              <a:tabLst/>
-              <a:defRPr/>
-            </a:pPr>
-            <a:r>
-              <a:rPr kumimoji="0" lang="pt-BR" sz="1400" b="1" i="0" u="none" strike="noStrike" kern="0" cap="none" spc="0" normalizeH="0" baseline="0" noProof="0" dirty="0">
-                <a:ln>
-                  <a:noFill/>
-                </a:ln>
-                <a:solidFill>
-                  <a:prstClr val="black"/>
-                </a:solidFill>
-                <a:effectLst/>
-                <a:uLnTx/>
-                <a:uFillTx/>
-                <a:latin typeface="Verdana"/>
-                <a:ea typeface="Verdana"/>
-                <a:cs typeface="Arial"/>
-              </a:rPr>
-              <a:t>Distância Focal (f)</a:t>
-            </a:r>
-          </a:p>
-          <a:p>
-            <a:pPr marL="0" marR="0" lvl="0" indent="0" algn="l" defTabSz="914400" eaLnBrk="1" fontAlgn="auto" latinLnBrk="0" hangingPunct="1">
-              <a:lnSpc>
-                <a:spcPct val="100000"/>
-              </a:lnSpc>
-              <a:spcBef>
-                <a:spcPts val="0"/>
-              </a:spcBef>
-              <a:spcAft>
-                <a:spcPts val="0"/>
-              </a:spcAft>
-              <a:buClrTx/>
-              <a:buSzTx/>
-              <a:buFontTx/>
-              <a:buNone/>
-              <a:tabLst/>
-              <a:defRPr/>
-            </a:pPr>
-            <a:endParaRPr kumimoji="0" lang="pt-BR" sz="1400" b="0" i="0" u="none" strike="noStrike" kern="0" cap="none" spc="0" normalizeH="0" baseline="0" noProof="0" dirty="0">
-              <a:ln>
-                <a:noFill/>
-              </a:ln>
-              <a:solidFill>
-                <a:prstClr val="black"/>
-              </a:solidFill>
-              <a:effectLst/>
-              <a:uLnTx/>
-              <a:uFillTx/>
-              <a:latin typeface="Verdana"/>
-              <a:ea typeface="Verdana"/>
-              <a:cs typeface="Arial"/>
-            </a:endParaRPr>
-          </a:p>
-          <a:p>
-            <a:pPr marL="1085850" marR="0" lvl="1" indent="-342900" algn="l" defTabSz="914400" eaLnBrk="1" fontAlgn="auto" latinLnBrk="0" hangingPunct="1">
-              <a:lnSpc>
-                <a:spcPct val="100000"/>
-              </a:lnSpc>
-              <a:spcBef>
-                <a:spcPts val="0"/>
-              </a:spcBef>
-              <a:spcAft>
-                <a:spcPts val="0"/>
-              </a:spcAft>
-              <a:buClrTx/>
-              <a:buSzTx/>
-              <a:buFont typeface="Arial" panose="020B0604020202020204" pitchFamily="34" charset="0"/>
-              <a:buChar char="•"/>
-              <a:tabLst/>
-              <a:defRPr/>
-            </a:pPr>
-            <a:r>
-              <a:rPr kumimoji="0" lang="pt-BR" sz="1400" b="0" i="0" u="none" strike="noStrike" kern="0" cap="none" spc="0" normalizeH="0" baseline="0" noProof="0" dirty="0">
-                <a:ln>
-                  <a:noFill/>
-                </a:ln>
-                <a:solidFill>
-                  <a:prstClr val="black"/>
-                </a:solidFill>
-                <a:effectLst/>
-                <a:uLnTx/>
-                <a:uFillTx/>
-                <a:latin typeface="Verdana"/>
-                <a:ea typeface="Verdana"/>
-                <a:cs typeface="Arial"/>
-              </a:rPr>
-              <a:t>Definição: Distância entre o centro óptico e a superfície de formação da imagem.</a:t>
-            </a:r>
-          </a:p>
-          <a:p>
-            <a:pPr marL="1085850" marR="0" lvl="1" indent="-342900" algn="l" defTabSz="914400" eaLnBrk="1" fontAlgn="auto" latinLnBrk="0" hangingPunct="1">
-              <a:lnSpc>
-                <a:spcPct val="100000"/>
-              </a:lnSpc>
-              <a:spcBef>
-                <a:spcPts val="0"/>
-              </a:spcBef>
-              <a:spcAft>
-                <a:spcPts val="0"/>
-              </a:spcAft>
-              <a:buClrTx/>
-              <a:buSzTx/>
-              <a:buFont typeface="Arial" panose="020B0604020202020204" pitchFamily="34" charset="0"/>
-              <a:buChar char="•"/>
-              <a:tabLst/>
-              <a:defRPr/>
-            </a:pPr>
-            <a:endParaRPr kumimoji="0" lang="pt-BR" sz="1400" b="0" i="0" u="none" strike="noStrike" kern="0" cap="none" spc="0" normalizeH="0" baseline="0" noProof="0" dirty="0">
-              <a:ln>
-                <a:noFill/>
-              </a:ln>
-              <a:solidFill>
-                <a:prstClr val="black"/>
-              </a:solidFill>
-              <a:effectLst/>
-              <a:uLnTx/>
-              <a:uFillTx/>
-              <a:latin typeface="Verdana"/>
-              <a:ea typeface="Verdana"/>
-              <a:cs typeface="Arial"/>
-            </a:endParaRPr>
-          </a:p>
-          <a:p>
-            <a:pPr marL="1085850" marR="0" lvl="1" indent="-342900" algn="l" defTabSz="914400" eaLnBrk="1" fontAlgn="auto" latinLnBrk="0" hangingPunct="1">
-              <a:lnSpc>
-                <a:spcPct val="100000"/>
-              </a:lnSpc>
-              <a:spcBef>
-                <a:spcPts val="0"/>
-              </a:spcBef>
-              <a:spcAft>
-                <a:spcPts val="0"/>
-              </a:spcAft>
-              <a:buClrTx/>
-              <a:buSzTx/>
-              <a:buFont typeface="Arial" panose="020B0604020202020204" pitchFamily="34" charset="0"/>
-              <a:buChar char="•"/>
-              <a:tabLst/>
-              <a:defRPr/>
-            </a:pPr>
-            <a:r>
-              <a:rPr kumimoji="0" lang="pt-BR" sz="1400" b="0" i="0" u="none" strike="noStrike" kern="0" cap="none" spc="0" normalizeH="0" baseline="0" noProof="0" dirty="0">
-                <a:ln>
-                  <a:noFill/>
-                </a:ln>
-                <a:solidFill>
-                  <a:prstClr val="black"/>
-                </a:solidFill>
-                <a:effectLst/>
-                <a:uLnTx/>
-                <a:uFillTx/>
-                <a:latin typeface="Verdana"/>
-                <a:ea typeface="Verdana"/>
-                <a:cs typeface="Arial"/>
-              </a:rPr>
-              <a:t>Nota: Em câmeras reais, essa distância pode variar entre os eixos X e Y.</a:t>
-            </a:r>
-          </a:p>
-          <a:p>
-            <a:pPr marL="1085850" marR="0" lvl="1" indent="-342900" algn="l" defTabSz="914400" eaLnBrk="1" fontAlgn="auto" latinLnBrk="0" hangingPunct="1">
-              <a:lnSpc>
-                <a:spcPct val="100000"/>
-              </a:lnSpc>
-              <a:spcBef>
-                <a:spcPts val="0"/>
-              </a:spcBef>
-              <a:spcAft>
-                <a:spcPts val="0"/>
-              </a:spcAft>
-              <a:buClrTx/>
-              <a:buSzTx/>
-              <a:buFont typeface="Arial" panose="020B0604020202020204" pitchFamily="34" charset="0"/>
-              <a:buChar char="•"/>
-              <a:tabLst/>
-              <a:defRPr/>
-            </a:pPr>
-            <a:endParaRPr kumimoji="0" lang="pt-BR" sz="1400" b="0" i="0" u="none" strike="noStrike" kern="0" cap="none" spc="0" normalizeH="0" baseline="0" noProof="0" dirty="0">
-              <a:ln>
-                <a:noFill/>
-              </a:ln>
-              <a:solidFill>
-                <a:prstClr val="black"/>
-              </a:solidFill>
-              <a:effectLst/>
-              <a:uLnTx/>
-              <a:uFillTx/>
-              <a:latin typeface="Verdana"/>
-              <a:ea typeface="Verdana"/>
-              <a:cs typeface="Arial"/>
-            </a:endParaRPr>
-          </a:p>
-          <a:p>
-            <a:pPr marL="342900" marR="0" lvl="0" indent="-342900" algn="l" defTabSz="914400" eaLnBrk="1" fontAlgn="auto" latinLnBrk="0" hangingPunct="1">
-              <a:lnSpc>
-                <a:spcPct val="100000"/>
-              </a:lnSpc>
-              <a:spcBef>
-                <a:spcPts val="0"/>
-              </a:spcBef>
-              <a:spcAft>
-                <a:spcPts val="0"/>
-              </a:spcAft>
-              <a:buClrTx/>
-              <a:buSzTx/>
-              <a:buFont typeface="Arial" panose="020B0604020202020204" pitchFamily="34" charset="0"/>
-              <a:buChar char="•"/>
-              <a:tabLst/>
-              <a:defRPr/>
-            </a:pPr>
-            <a:r>
-              <a:rPr kumimoji="0" lang="pt-BR" sz="1400" b="1" i="0" u="none" strike="noStrike" kern="0" cap="none" spc="0" normalizeH="0" baseline="0" noProof="0" dirty="0">
-                <a:ln>
-                  <a:noFill/>
-                </a:ln>
-                <a:solidFill>
-                  <a:prstClr val="black"/>
-                </a:solidFill>
-                <a:effectLst/>
-                <a:uLnTx/>
-                <a:uFillTx/>
-                <a:latin typeface="Verdana"/>
-                <a:ea typeface="Verdana"/>
-                <a:cs typeface="Arial"/>
-              </a:rPr>
-              <a:t>Ponto Principal (c):</a:t>
-            </a:r>
-          </a:p>
-          <a:p>
-            <a:pPr marL="0" marR="0" lvl="0" indent="0" algn="l" defTabSz="914400" eaLnBrk="1" fontAlgn="auto" latinLnBrk="0" hangingPunct="1">
-              <a:lnSpc>
-                <a:spcPct val="100000"/>
-              </a:lnSpc>
-              <a:spcBef>
-                <a:spcPts val="0"/>
-              </a:spcBef>
-              <a:spcAft>
-                <a:spcPts val="0"/>
-              </a:spcAft>
-              <a:buClrTx/>
-              <a:buSzTx/>
-              <a:buFontTx/>
-              <a:buNone/>
-              <a:tabLst/>
-              <a:defRPr/>
-            </a:pPr>
-            <a:endParaRPr kumimoji="0" lang="pt-BR" sz="1400" b="0" i="0" u="none" strike="noStrike" kern="0" cap="none" spc="0" normalizeH="0" baseline="0" noProof="0" dirty="0">
-              <a:ln>
-                <a:noFill/>
-              </a:ln>
-              <a:solidFill>
-                <a:prstClr val="black"/>
-              </a:solidFill>
-              <a:effectLst/>
-              <a:uLnTx/>
-              <a:uFillTx/>
-              <a:latin typeface="Verdana"/>
-              <a:ea typeface="Verdana"/>
-              <a:cs typeface="Arial"/>
-            </a:endParaRPr>
-          </a:p>
-          <a:p>
-            <a:pPr marL="1085850" marR="0" lvl="1" indent="-342900" algn="l" defTabSz="914400" eaLnBrk="1" fontAlgn="auto" latinLnBrk="0" hangingPunct="1">
-              <a:lnSpc>
-                <a:spcPct val="100000"/>
-              </a:lnSpc>
-              <a:spcBef>
-                <a:spcPts val="0"/>
-              </a:spcBef>
-              <a:spcAft>
-                <a:spcPts val="0"/>
-              </a:spcAft>
-              <a:buClrTx/>
-              <a:buSzTx/>
-              <a:buFont typeface="Arial" panose="020B0604020202020204" pitchFamily="34" charset="0"/>
-              <a:buChar char="•"/>
-              <a:tabLst/>
-              <a:defRPr/>
-            </a:pPr>
-            <a:r>
-              <a:rPr kumimoji="0" lang="pt-BR" sz="1400" b="0" i="0" u="none" strike="noStrike" kern="0" cap="none" spc="0" normalizeH="0" baseline="0" noProof="0" dirty="0">
-                <a:ln>
-                  <a:noFill/>
-                </a:ln>
-                <a:solidFill>
-                  <a:prstClr val="black"/>
-                </a:solidFill>
-                <a:effectLst/>
-                <a:uLnTx/>
-                <a:uFillTx/>
-                <a:latin typeface="Verdana"/>
-                <a:ea typeface="Verdana"/>
-                <a:cs typeface="Arial"/>
-              </a:rPr>
-              <a:t>Definição: Posição na imagem onde o eixo óptico atravessa o sensor.</a:t>
-            </a:r>
-          </a:p>
-          <a:p>
-            <a:pPr marL="1085850" marR="0" lvl="1" indent="-342900" algn="l" defTabSz="914400" eaLnBrk="1" fontAlgn="auto" latinLnBrk="0" hangingPunct="1">
-              <a:lnSpc>
-                <a:spcPct val="100000"/>
-              </a:lnSpc>
-              <a:spcBef>
-                <a:spcPts val="0"/>
-              </a:spcBef>
-              <a:spcAft>
-                <a:spcPts val="0"/>
-              </a:spcAft>
-              <a:buClrTx/>
-              <a:buSzTx/>
-              <a:buFont typeface="Arial" panose="020B0604020202020204" pitchFamily="34" charset="0"/>
-              <a:buChar char="•"/>
-              <a:tabLst/>
-              <a:defRPr/>
-            </a:pPr>
-            <a:endParaRPr kumimoji="0" lang="pt-BR" sz="1400" b="0" i="0" u="none" strike="noStrike" kern="0" cap="none" spc="0" normalizeH="0" baseline="0" noProof="0" dirty="0">
-              <a:ln>
-                <a:noFill/>
-              </a:ln>
-              <a:solidFill>
-                <a:prstClr val="black"/>
-              </a:solidFill>
-              <a:effectLst/>
-              <a:uLnTx/>
-              <a:uFillTx/>
-              <a:latin typeface="Verdana"/>
-              <a:ea typeface="Verdana"/>
-              <a:cs typeface="Arial"/>
-            </a:endParaRPr>
-          </a:p>
-          <a:p>
-            <a:pPr marL="1085850" marR="0" lvl="1" indent="-342900" algn="l" defTabSz="914400" eaLnBrk="1" fontAlgn="auto" latinLnBrk="0" hangingPunct="1">
-              <a:lnSpc>
-                <a:spcPct val="100000"/>
-              </a:lnSpc>
-              <a:spcBef>
-                <a:spcPts val="0"/>
-              </a:spcBef>
-              <a:spcAft>
-                <a:spcPts val="0"/>
-              </a:spcAft>
-              <a:buClrTx/>
-              <a:buSzTx/>
-              <a:buFont typeface="Arial" panose="020B0604020202020204" pitchFamily="34" charset="0"/>
-              <a:buChar char="•"/>
-              <a:tabLst/>
-              <a:defRPr/>
-            </a:pPr>
-            <a:r>
-              <a:rPr kumimoji="0" lang="pt-BR" sz="1400" b="0" i="0" u="none" strike="noStrike" kern="0" cap="none" spc="0" normalizeH="0" baseline="0" noProof="0" dirty="0">
-                <a:ln>
-                  <a:noFill/>
-                </a:ln>
-                <a:solidFill>
-                  <a:prstClr val="black"/>
-                </a:solidFill>
-                <a:effectLst/>
-                <a:uLnTx/>
-                <a:uFillTx/>
-                <a:latin typeface="Verdana"/>
-                <a:ea typeface="Verdana"/>
-                <a:cs typeface="Arial"/>
-              </a:rPr>
-              <a:t>Nota: Idealmente, corresponde à posição do pixel central. No entanto, em sensores reais, pode haver um leve deslocamento.</a:t>
-            </a:r>
-          </a:p>
-          <a:p>
-            <a:pPr marL="1085850" marR="0" lvl="1" indent="-342900" algn="l" defTabSz="914400" eaLnBrk="1" fontAlgn="auto" latinLnBrk="0" hangingPunct="1">
-              <a:lnSpc>
-                <a:spcPct val="100000"/>
-              </a:lnSpc>
-              <a:spcBef>
-                <a:spcPts val="0"/>
-              </a:spcBef>
-              <a:spcAft>
-                <a:spcPts val="0"/>
-              </a:spcAft>
-              <a:buClrTx/>
-              <a:buSzTx/>
-              <a:buFont typeface="Arial" panose="020B0604020202020204" pitchFamily="34" charset="0"/>
-              <a:buChar char="•"/>
-              <a:tabLst/>
-              <a:defRPr/>
-            </a:pPr>
-            <a:endParaRPr kumimoji="0" lang="pt-BR" sz="1400" b="0" i="0" u="none" strike="noStrike" kern="0" cap="none" spc="0" normalizeH="0" baseline="0" noProof="0" dirty="0">
-              <a:ln>
-                <a:noFill/>
-              </a:ln>
-              <a:solidFill>
-                <a:prstClr val="black"/>
-              </a:solidFill>
-              <a:effectLst/>
-              <a:uLnTx/>
-              <a:uFillTx/>
-              <a:latin typeface="Verdana"/>
-              <a:ea typeface="Verdana"/>
-              <a:cs typeface="Arial"/>
-            </a:endParaRPr>
-          </a:p>
-          <a:p>
-            <a:pPr marL="0" marR="0" lvl="0" indent="0" algn="l" defTabSz="914400" eaLnBrk="1" fontAlgn="auto" latinLnBrk="0" hangingPunct="1">
-              <a:lnSpc>
-                <a:spcPct val="100000"/>
-              </a:lnSpc>
-              <a:spcBef>
-                <a:spcPts val="0"/>
-              </a:spcBef>
-              <a:spcAft>
-                <a:spcPts val="0"/>
-              </a:spcAft>
-              <a:buClrTx/>
-              <a:buSzTx/>
-              <a:buFontTx/>
-              <a:buNone/>
-              <a:tabLst/>
-              <a:defRPr/>
-            </a:pPr>
-            <a:r>
-              <a:rPr kumimoji="0" lang="pt-BR" sz="1400" b="1" i="0" u="none" strike="noStrike" kern="0" cap="none" spc="0" normalizeH="0" baseline="0" noProof="0" dirty="0">
-                <a:ln>
-                  <a:noFill/>
-                </a:ln>
-                <a:solidFill>
-                  <a:prstClr val="black"/>
-                </a:solidFill>
-                <a:effectLst/>
-                <a:uLnTx/>
-                <a:uFillTx/>
-                <a:latin typeface="Verdana"/>
-                <a:ea typeface="Verdana"/>
-                <a:cs typeface="Arial"/>
-              </a:rPr>
-              <a:t>Parâmetros Extrínsecos da Câmera</a:t>
-            </a:r>
-          </a:p>
-          <a:p>
-            <a:pPr marL="0" marR="0" lvl="0" indent="0" algn="l" defTabSz="914400" eaLnBrk="1" fontAlgn="auto" latinLnBrk="0" hangingPunct="1">
-              <a:lnSpc>
-                <a:spcPct val="100000"/>
-              </a:lnSpc>
-              <a:spcBef>
-                <a:spcPts val="0"/>
-              </a:spcBef>
-              <a:spcAft>
-                <a:spcPts val="0"/>
-              </a:spcAft>
-              <a:buClrTx/>
-              <a:buSzTx/>
-              <a:buFontTx/>
-              <a:buNone/>
-              <a:tabLst/>
-              <a:defRPr/>
-            </a:pPr>
-            <a:endParaRPr kumimoji="0" lang="pt-BR" sz="1400" b="0" i="0" u="none" strike="noStrike" kern="0" cap="none" spc="0" normalizeH="0" baseline="0" noProof="0" dirty="0">
-              <a:ln>
-                <a:noFill/>
-              </a:ln>
-              <a:solidFill>
-                <a:prstClr val="black"/>
-              </a:solidFill>
-              <a:effectLst/>
-              <a:uLnTx/>
-              <a:uFillTx/>
-              <a:latin typeface="Verdana"/>
-              <a:ea typeface="Verdana"/>
-              <a:cs typeface="Arial"/>
-            </a:endParaRPr>
-          </a:p>
-          <a:p>
-            <a:pPr marL="342900" marR="0" lvl="0" indent="-342900" algn="l" defTabSz="914400" eaLnBrk="1" fontAlgn="auto" latinLnBrk="0" hangingPunct="1">
-              <a:lnSpc>
-                <a:spcPct val="100000"/>
-              </a:lnSpc>
-              <a:spcBef>
-                <a:spcPts val="0"/>
-              </a:spcBef>
-              <a:spcAft>
-                <a:spcPts val="0"/>
-              </a:spcAft>
-              <a:buClrTx/>
-              <a:buSzTx/>
-              <a:buFont typeface="Arial" panose="020B0604020202020204" pitchFamily="34" charset="0"/>
-              <a:buChar char="•"/>
-              <a:tabLst/>
-              <a:defRPr/>
-            </a:pPr>
-            <a:r>
-              <a:rPr kumimoji="0" lang="pt-BR" sz="1400" b="0" i="0" u="none" strike="noStrike" kern="0" cap="none" spc="0" normalizeH="0" baseline="0" noProof="0" dirty="0">
-                <a:ln>
-                  <a:noFill/>
-                </a:ln>
-                <a:solidFill>
-                  <a:prstClr val="black"/>
-                </a:solidFill>
-                <a:effectLst/>
-                <a:uLnTx/>
-                <a:uFillTx/>
-                <a:latin typeface="Verdana"/>
-                <a:ea typeface="Verdana"/>
-                <a:cs typeface="Arial"/>
-              </a:rPr>
-              <a:t>Representados por:</a:t>
-            </a:r>
-          </a:p>
-          <a:p>
-            <a:pPr marL="1085850" marR="0" lvl="1" indent="-342900" algn="l" defTabSz="914400" eaLnBrk="1" fontAlgn="auto" latinLnBrk="0" hangingPunct="1">
-              <a:lnSpc>
-                <a:spcPct val="100000"/>
-              </a:lnSpc>
-              <a:spcBef>
-                <a:spcPts val="0"/>
-              </a:spcBef>
-              <a:spcAft>
-                <a:spcPts val="0"/>
-              </a:spcAft>
-              <a:buClrTx/>
-              <a:buSzTx/>
-              <a:buFont typeface="Arial" panose="020B0604020202020204" pitchFamily="34" charset="0"/>
-              <a:buChar char="•"/>
-              <a:tabLst/>
-              <a:defRPr/>
-            </a:pPr>
-            <a:r>
-              <a:rPr kumimoji="0" lang="pt-BR" sz="1400" b="0" i="0" u="none" strike="noStrike" kern="0" cap="none" spc="0" normalizeH="0" baseline="0" noProof="0" dirty="0">
-                <a:ln>
-                  <a:noFill/>
-                </a:ln>
-                <a:solidFill>
-                  <a:prstClr val="black"/>
-                </a:solidFill>
-                <a:effectLst/>
-                <a:uLnTx/>
-                <a:uFillTx/>
-                <a:latin typeface="Verdana"/>
-                <a:ea typeface="Verdana"/>
-                <a:cs typeface="Arial"/>
-              </a:rPr>
-              <a:t>Vetor de translação.</a:t>
-            </a:r>
-          </a:p>
-          <a:p>
-            <a:pPr marL="1085850" marR="0" lvl="1" indent="-342900" algn="l" defTabSz="914400" eaLnBrk="1" fontAlgn="auto" latinLnBrk="0" hangingPunct="1">
-              <a:lnSpc>
-                <a:spcPct val="100000"/>
-              </a:lnSpc>
-              <a:spcBef>
-                <a:spcPts val="0"/>
-              </a:spcBef>
-              <a:spcAft>
-                <a:spcPts val="0"/>
-              </a:spcAft>
-              <a:buClrTx/>
-              <a:buSzTx/>
-              <a:buFont typeface="Arial" panose="020B0604020202020204" pitchFamily="34" charset="0"/>
-              <a:buChar char="•"/>
-              <a:tabLst/>
-              <a:defRPr/>
-            </a:pPr>
-            <a:r>
-              <a:rPr kumimoji="0" lang="pt-BR" sz="1400" b="0" i="0" u="none" strike="noStrike" kern="0" cap="none" spc="0" normalizeH="0" baseline="0" noProof="0" dirty="0">
-                <a:ln>
-                  <a:noFill/>
-                </a:ln>
-                <a:solidFill>
-                  <a:prstClr val="black"/>
-                </a:solidFill>
-                <a:effectLst/>
-                <a:uLnTx/>
-                <a:uFillTx/>
-                <a:latin typeface="Verdana"/>
-                <a:ea typeface="Verdana"/>
-                <a:cs typeface="Arial"/>
-              </a:rPr>
-              <a:t>Matriz de rotação 3D.</a:t>
-            </a:r>
-          </a:p>
-          <a:p>
-            <a:pPr marL="1085850" marR="0" lvl="1" indent="-342900" algn="l" defTabSz="914400" eaLnBrk="1" fontAlgn="auto" latinLnBrk="0" hangingPunct="1">
-              <a:lnSpc>
-                <a:spcPct val="100000"/>
-              </a:lnSpc>
-              <a:spcBef>
-                <a:spcPts val="0"/>
-              </a:spcBef>
-              <a:spcAft>
-                <a:spcPts val="0"/>
-              </a:spcAft>
-              <a:buClrTx/>
-              <a:buSzTx/>
-              <a:buFont typeface="Arial" panose="020B0604020202020204" pitchFamily="34" charset="0"/>
-              <a:buChar char="•"/>
-              <a:tabLst/>
-              <a:defRPr/>
-            </a:pPr>
-            <a:endParaRPr kumimoji="0" lang="pt-BR" sz="1400" b="0" i="0" u="none" strike="noStrike" kern="0" cap="none" spc="0" normalizeH="0" baseline="0" noProof="0" dirty="0">
-              <a:ln>
-                <a:noFill/>
-              </a:ln>
-              <a:solidFill>
-                <a:prstClr val="black"/>
-              </a:solidFill>
-              <a:effectLst/>
-              <a:uLnTx/>
-              <a:uFillTx/>
-              <a:latin typeface="Verdana"/>
-              <a:ea typeface="Verdana"/>
-              <a:cs typeface="Arial"/>
-            </a:endParaRPr>
-          </a:p>
-          <a:p>
-            <a:pPr marL="342900" marR="0" lvl="0" indent="-342900" algn="l" defTabSz="914400" eaLnBrk="1" fontAlgn="auto" latinLnBrk="0" hangingPunct="1">
-              <a:lnSpc>
-                <a:spcPct val="100000"/>
-              </a:lnSpc>
-              <a:spcBef>
-                <a:spcPts val="0"/>
-              </a:spcBef>
-              <a:spcAft>
-                <a:spcPts val="0"/>
-              </a:spcAft>
-              <a:buClrTx/>
-              <a:buSzTx/>
-              <a:buFont typeface="Arial" panose="020B0604020202020204" pitchFamily="34" charset="0"/>
-              <a:buChar char="•"/>
-              <a:tabLst/>
-              <a:defRPr/>
-            </a:pPr>
-            <a:r>
-              <a:rPr kumimoji="0" lang="pt-BR" sz="1400" b="0" i="0" u="none" strike="noStrike" kern="0" cap="none" spc="0" normalizeH="0" baseline="0" noProof="0" dirty="0">
-                <a:ln>
-                  <a:noFill/>
-                </a:ln>
-                <a:solidFill>
-                  <a:prstClr val="black"/>
-                </a:solidFill>
-                <a:effectLst/>
-                <a:uLnTx/>
-                <a:uFillTx/>
-                <a:latin typeface="Verdana"/>
-                <a:ea typeface="Verdana"/>
-                <a:cs typeface="Arial"/>
-              </a:rPr>
-              <a:t>Função: Indicam o posicionamento da câmera em relação ao objeto ou cena.</a:t>
-            </a:r>
-            <a:endParaRPr kumimoji="0" lang="pt-BR" sz="1400" b="0" i="0" u="none" strike="noStrike" kern="0" cap="none" spc="0" normalizeH="0" baseline="0" noProof="0" dirty="0">
-              <a:ln>
-                <a:noFill/>
-              </a:ln>
-              <a:solidFill>
-                <a:prstClr val="black"/>
-              </a:solidFill>
-              <a:effectLst/>
-              <a:uLnTx/>
-              <a:uFillTx/>
-              <a:latin typeface="Verdana"/>
-              <a:ea typeface="Verdana"/>
-            </a:endParaRPr>
-          </a:p>
-        </p:txBody>
-      </p:sp>
-    </p:spTree>
-  </p:cSld>
-  <p:clrMapOvr>
-    <a:overrideClrMapping bg1="lt1" tx1="dk1" bg2="lt2" tx2="dk2" accent1="accent1" accent2="accent2" accent3="accent3" accent4="accent4" accent5="accent5" accent6="accent6" hlink="hlink" folHlink="folHlink"/>
-  </p:clrMapOvr>
-</p:sld>
-</file>
-
-<file path=ppt/slides/slide11.xml><?xml version="1.0" encoding="utf-8"?>
-<p:sld xmlns:a="http://schemas.openxmlformats.org/drawingml/2006/main" xmlns:r="http://schemas.openxmlformats.org/officeDocument/2006/relationships" xmlns:p="http://schemas.openxmlformats.org/presentationml/2006/main" showMasterPhAnim="0">
-  <p:cSld>
-    <p:spTree>
-      <p:nvGrpSpPr>
-        <p:cNvPr id="1" name=""/>
-        <p:cNvGrpSpPr/>
-        <p:nvPr/>
-      </p:nvGrpSpPr>
-      <p:grpSpPr bwMode="auto">
-        <a:xfrm>
-          <a:off x="0" y="0"/>
-          <a:ext cx="0" cy="0"/>
-          <a:chOff x="0" y="0"/>
-          <a:chExt cx="0" cy="0"/>
-        </a:xfrm>
-      </p:grpSpPr>
-      <p:sp>
-        <p:nvSpPr>
-          <p:cNvPr id="2" name="Título 1"/>
-          <p:cNvSpPr>
-            <a:spLocks noGrp="1"/>
-          </p:cNvSpPr>
-          <p:nvPr>
-            <p:ph type="title"/>
-          </p:nvPr>
-        </p:nvSpPr>
-        <p:spPr bwMode="auto">
-          <a:xfrm>
-            <a:off x="457200" y="781050"/>
-            <a:ext cx="8229600" cy="619125"/>
-          </a:xfrm>
-        </p:spPr>
-        <p:txBody>
-          <a:bodyPr>
-            <a:normAutofit/>
-          </a:bodyPr>
-          <a:lstStyle/>
-          <a:p>
-            <a:pPr>
-              <a:defRPr/>
-            </a:pPr>
-            <a:r>
-              <a:rPr lang="pt-BR" b="1" dirty="0"/>
-              <a:t>Calibração da Câmera</a:t>
-            </a:r>
-          </a:p>
-        </p:txBody>
-      </p:sp>
-      <p:pic>
-        <p:nvPicPr>
-          <p:cNvPr id="3076" name="Picture 4" descr="Intrinsic camera parameters calibration">
-            <a:extLst>
-              <a:ext uri="{FF2B5EF4-FFF2-40B4-BE49-F238E27FC236}">
-                <a16:creationId xmlns:a16="http://schemas.microsoft.com/office/drawing/2014/main" id="{83F73021-3783-69F6-D940-376BE52889C4}"/>
-              </a:ext>
-            </a:extLst>
-          </p:cNvPr>
-          <p:cNvPicPr>
-            <a:picLocks noChangeAspect="1" noChangeArrowheads="1"/>
-          </p:cNvPicPr>
-          <p:nvPr/>
-        </p:nvPicPr>
-        <p:blipFill>
-          <a:blip r:embed="rId3">
-            <a:extLst>
-              <a:ext uri="{28A0092B-C50C-407E-A947-70E740481C1C}">
-                <a14:useLocalDpi xmlns:a14="http://schemas.microsoft.com/office/drawing/2010/main" val="0"/>
-              </a:ext>
-            </a:extLst>
-          </a:blip>
-          <a:stretch>
-            <a:fillRect/>
-          </a:stretch>
-        </p:blipFill>
-        <p:spPr bwMode="auto">
-          <a:xfrm>
-            <a:off x="1223546" y="1485900"/>
-            <a:ext cx="6896933" cy="4724399"/>
-          </a:xfrm>
-          <a:prstGeom prst="rect">
-            <a:avLst/>
-          </a:prstGeom>
-          <a:solidFill>
-            <a:srgbClr val="FFFFFF"/>
-          </a:solidFill>
-        </p:spPr>
-      </p:pic>
-      <p:sp>
-        <p:nvSpPr>
-          <p:cNvPr id="3081" name="Text Placeholder 3">
-            <a:extLst>
-              <a:ext uri="{FF2B5EF4-FFF2-40B4-BE49-F238E27FC236}">
-                <a16:creationId xmlns:a16="http://schemas.microsoft.com/office/drawing/2014/main" id="{D5CD0C4D-548C-4706-3189-9DC32ADDA4EA}"/>
-              </a:ext>
-            </a:extLst>
-          </p:cNvPr>
-          <p:cNvSpPr>
-            <a:spLocks noGrp="1"/>
-          </p:cNvSpPr>
-          <p:nvPr>
-            <p:ph type="body" sz="quarter" idx="13"/>
-          </p:nvPr>
-        </p:nvSpPr>
-        <p:spPr>
-          <a:xfrm>
-            <a:off x="161925" y="85725"/>
-            <a:ext cx="7229475" cy="352425"/>
-          </a:xfrm>
-        </p:spPr>
-        <p:txBody>
-          <a:bodyPr/>
-          <a:lstStyle/>
-          <a:p>
-            <a:endParaRPr lang="en-US"/>
-          </a:p>
-        </p:txBody>
-      </p:sp>
-      <p:sp>
-        <p:nvSpPr>
-          <p:cNvPr id="3083" name="Slide Number Placeholder 4">
-            <a:extLst>
-              <a:ext uri="{FF2B5EF4-FFF2-40B4-BE49-F238E27FC236}">
-                <a16:creationId xmlns:a16="http://schemas.microsoft.com/office/drawing/2014/main" id="{4715D204-2D68-6897-15EB-836B3160EE81}"/>
-              </a:ext>
-            </a:extLst>
-          </p:cNvPr>
-          <p:cNvSpPr>
-            <a:spLocks noGrp="1"/>
-          </p:cNvSpPr>
-          <p:nvPr>
-            <p:ph type="sldNum" sz="quarter" idx="12"/>
-          </p:nvPr>
-        </p:nvSpPr>
-        <p:spPr>
-          <a:xfrm>
-            <a:off x="6553200" y="6194424"/>
-            <a:ext cx="2133600" cy="365125"/>
-          </a:xfrm>
-        </p:spPr>
-        <p:txBody>
-          <a:bodyPr/>
-          <a:lstStyle/>
-          <a:p>
-            <a:pPr>
-              <a:spcAft>
-                <a:spcPts val="600"/>
-              </a:spcAft>
-              <a:defRPr/>
-            </a:pPr>
-            <a:fld id="{A33A0801-BB33-4F6A-ADD2-35B07A2D74D7}" type="slidenum">
-              <a:rPr lang="pt-BR"/>
-              <a:pPr>
-                <a:spcAft>
-                  <a:spcPts val="600"/>
-                </a:spcAft>
-                <a:defRPr/>
-              </a:pPr>
-              <a:t>11</a:t>
-            </a:fld>
-            <a:endParaRPr lang="pt-BR"/>
-          </a:p>
-        </p:txBody>
-      </p:sp>
-    </p:spTree>
-    <p:extLst>
-      <p:ext uri="{BB962C8B-B14F-4D97-AF65-F5344CB8AC3E}">
-        <p14:creationId xmlns:p14="http://schemas.microsoft.com/office/powerpoint/2010/main" val="2109933138"/>
-      </p:ext>
-    </p:extLst>
-  </p:cSld>
-  <p:clrMapOvr>
-    <a:masterClrMapping/>
-  </p:clrMapOvr>
-</p:sld>
-</file>
-
-<file path=ppt/slides/slide12.xml><?xml version="1.0" encoding="utf-8"?>
-<p:sld xmlns:a="http://schemas.openxmlformats.org/drawingml/2006/main" xmlns:r="http://schemas.openxmlformats.org/officeDocument/2006/relationships" xmlns:p="http://schemas.openxmlformats.org/presentationml/2006/main" showMasterPhAnim="0">
-  <p:cSld>
-    <p:spTree>
-      <p:nvGrpSpPr>
-        <p:cNvPr id="1" name=""/>
-        <p:cNvGrpSpPr/>
-        <p:nvPr/>
-      </p:nvGrpSpPr>
-      <p:grpSpPr bwMode="auto">
-        <a:xfrm>
-          <a:off x="0" y="0"/>
-          <a:ext cx="0" cy="0"/>
-          <a:chOff x="0" y="0"/>
-          <a:chExt cx="0" cy="0"/>
-        </a:xfrm>
-      </p:grpSpPr>
-      <p:sp>
-        <p:nvSpPr>
-          <p:cNvPr id="2" name="Título 1"/>
-          <p:cNvSpPr>
-            <a:spLocks noGrp="1"/>
-          </p:cNvSpPr>
-          <p:nvPr>
-            <p:ph type="title"/>
-          </p:nvPr>
-        </p:nvSpPr>
-        <p:spPr bwMode="auto">
-          <a:xfrm>
-            <a:off x="457200" y="781050"/>
-            <a:ext cx="8229600" cy="619125"/>
-          </a:xfrm>
-        </p:spPr>
-        <p:txBody>
-          <a:bodyPr>
-            <a:normAutofit/>
-          </a:bodyPr>
-          <a:lstStyle/>
-          <a:p>
-            <a:pPr>
-              <a:defRPr/>
-            </a:pPr>
-            <a:r>
-              <a:rPr lang="pt-BR" b="1" dirty="0"/>
-              <a:t>Projeção</a:t>
-            </a:r>
-            <a:r>
-              <a:rPr lang="en-US" b="1" dirty="0"/>
-              <a:t> 3D -&gt; 2D</a:t>
-            </a:r>
-            <a:endParaRPr lang="pt-BR" b="1" dirty="0"/>
-          </a:p>
-        </p:txBody>
-      </p:sp>
-      <p:sp>
-        <p:nvSpPr>
-          <p:cNvPr id="4100" name="Text Placeholder 2">
-            <a:extLst>
-              <a:ext uri="{FF2B5EF4-FFF2-40B4-BE49-F238E27FC236}">
-                <a16:creationId xmlns:a16="http://schemas.microsoft.com/office/drawing/2014/main" id="{19B02F75-A635-B2F1-8B91-D332C804F1C5}"/>
-              </a:ext>
-            </a:extLst>
-          </p:cNvPr>
-          <p:cNvSpPr>
-            <a:spLocks noGrp="1"/>
-          </p:cNvSpPr>
-          <p:nvPr>
-            <p:ph type="body" sz="quarter" idx="13"/>
-          </p:nvPr>
-        </p:nvSpPr>
-        <p:spPr>
-          <a:xfrm>
-            <a:off x="161925" y="85725"/>
-            <a:ext cx="7229475" cy="352425"/>
-          </a:xfrm>
-        </p:spPr>
-        <p:txBody>
-          <a:bodyPr/>
-          <a:lstStyle/>
-          <a:p>
-            <a:endParaRPr lang="en-US"/>
-          </a:p>
-        </p:txBody>
-      </p:sp>
-      <p:pic>
-        <p:nvPicPr>
-          <p:cNvPr id="4098" name="Picture 2" descr="Computer Vision Project">
-            <a:extLst>
-              <a:ext uri="{FF2B5EF4-FFF2-40B4-BE49-F238E27FC236}">
-                <a16:creationId xmlns:a16="http://schemas.microsoft.com/office/drawing/2014/main" id="{DEEC9DA7-3101-DECD-EAF3-E4A24DD5B8DC}"/>
-              </a:ext>
-            </a:extLst>
-          </p:cNvPr>
-          <p:cNvPicPr>
-            <a:picLocks noChangeAspect="1" noChangeArrowheads="1"/>
-          </p:cNvPicPr>
-          <p:nvPr/>
-        </p:nvPicPr>
-        <p:blipFill>
-          <a:blip r:embed="rId3">
-            <a:extLst>
-              <a:ext uri="{28A0092B-C50C-407E-A947-70E740481C1C}">
-                <a14:useLocalDpi xmlns:a14="http://schemas.microsoft.com/office/drawing/2010/main" val="0"/>
-              </a:ext>
-            </a:extLst>
-          </a:blip>
-          <a:stretch>
-            <a:fillRect/>
-          </a:stretch>
-        </p:blipFill>
-        <p:spPr bwMode="auto">
-          <a:xfrm>
-            <a:off x="57373" y="2013371"/>
-            <a:ext cx="9092357" cy="3240360"/>
-          </a:xfrm>
-          <a:prstGeom prst="rect">
-            <a:avLst/>
-          </a:prstGeom>
-          <a:noFill/>
-          <a:extLst>
-            <a:ext uri="{909E8E84-426E-40DD-AFC4-6F175D3DCCD1}">
-              <a14:hiddenFill xmlns:a14="http://schemas.microsoft.com/office/drawing/2010/main">
-                <a:solidFill>
-                  <a:srgbClr val="FFFFFF"/>
-                </a:solidFill>
-              </a14:hiddenFill>
-            </a:ext>
-          </a:extLst>
-        </p:spPr>
-      </p:pic>
-      <p:sp>
-        <p:nvSpPr>
-          <p:cNvPr id="4111" name="Slide Number Placeholder 7">
-            <a:extLst>
-              <a:ext uri="{FF2B5EF4-FFF2-40B4-BE49-F238E27FC236}">
-                <a16:creationId xmlns:a16="http://schemas.microsoft.com/office/drawing/2014/main" id="{BC19EECD-7C9F-EC5F-73A9-49168A5F14BF}"/>
-              </a:ext>
-            </a:extLst>
-          </p:cNvPr>
-          <p:cNvSpPr>
-            <a:spLocks noGrp="1"/>
-          </p:cNvSpPr>
-          <p:nvPr>
-            <p:ph type="sldNum" sz="quarter" idx="12"/>
-          </p:nvPr>
-        </p:nvSpPr>
-        <p:spPr>
-          <a:xfrm>
-            <a:off x="6553200" y="6194424"/>
-            <a:ext cx="2133600" cy="365125"/>
-          </a:xfrm>
-        </p:spPr>
-        <p:txBody>
-          <a:bodyPr/>
-          <a:lstStyle/>
-          <a:p>
-            <a:pPr>
-              <a:spcAft>
-                <a:spcPts val="600"/>
-              </a:spcAft>
-              <a:defRPr/>
-            </a:pPr>
-            <a:fld id="{A33A0801-BB33-4F6A-ADD2-35B07A2D74D7}" type="slidenum">
-              <a:rPr lang="pt-BR"/>
-              <a:pPr>
-                <a:spcAft>
-                  <a:spcPts val="600"/>
-                </a:spcAft>
-                <a:defRPr/>
-              </a:pPr>
-              <a:t>12</a:t>
-            </a:fld>
-            <a:endParaRPr lang="pt-BR"/>
-          </a:p>
-        </p:txBody>
-      </p:sp>
-    </p:spTree>
-    <p:extLst>
-      <p:ext uri="{BB962C8B-B14F-4D97-AF65-F5344CB8AC3E}">
-        <p14:creationId xmlns:p14="http://schemas.microsoft.com/office/powerpoint/2010/main" val="3991221821"/>
-      </p:ext>
-    </p:extLst>
-  </p:cSld>
-  <p:clrMapOvr>
-    <a:masterClrMapping/>
-  </p:clrMapOvr>
-</p:sld>
-</file>
-
-<file path=ppt/slides/slide13.xml><?xml version="1.0" encoding="utf-8"?>
-<p:sld xmlns:a="http://schemas.openxmlformats.org/drawingml/2006/main" xmlns:r="http://schemas.openxmlformats.org/officeDocument/2006/relationships" xmlns:p="http://schemas.openxmlformats.org/presentationml/2006/main" showMasterPhAnim="0">
-  <p:cSld>
-    <p:spTree>
-      <p:nvGrpSpPr>
-        <p:cNvPr id="1" name=""/>
-        <p:cNvGrpSpPr/>
-        <p:nvPr/>
-      </p:nvGrpSpPr>
-      <p:grpSpPr bwMode="auto">
-        <a:xfrm>
-          <a:off x="0" y="0"/>
-          <a:ext cx="0" cy="0"/>
-          <a:chOff x="0" y="0"/>
-          <a:chExt cx="0" cy="0"/>
-        </a:xfrm>
-      </p:grpSpPr>
-      <p:sp>
-        <p:nvSpPr>
-          <p:cNvPr id="378245863" name="Title 1">
-            <a:extLst>
-              <a:ext uri="{FF2B5EF4-FFF2-40B4-BE49-F238E27FC236}">
-                <a16:creationId xmlns:a16="http://schemas.microsoft.com/office/drawing/2014/main" id="{BDFB7A7F-DC8B-7543-F755-C55A2119C539}"/>
-              </a:ext>
-            </a:extLst>
-          </p:cNvPr>
-          <p:cNvSpPr>
-            <a:spLocks noGrp="1"/>
-          </p:cNvSpPr>
-          <p:nvPr>
-            <p:ph type="ctrTitle"/>
-          </p:nvPr>
-        </p:nvSpPr>
-        <p:spPr>
-          <a:xfrm>
-            <a:off x="1143000" y="2533650"/>
-            <a:ext cx="6858000" cy="1790700"/>
-          </a:xfrm>
-        </p:spPr>
-        <p:txBody>
-          <a:bodyPr/>
-          <a:lstStyle/>
-          <a:p>
-            <a:r>
-              <a:rPr lang="pt-BR" dirty="0"/>
-              <a:t>Profundidade</a:t>
-            </a:r>
-            <a:br>
-              <a:rPr lang="pt-BR" dirty="0"/>
-            </a:br>
-            <a:endParaRPr lang="en-US" dirty="0"/>
-          </a:p>
-        </p:txBody>
-      </p:sp>
-      <p:sp>
-        <p:nvSpPr>
-          <p:cNvPr id="378245865" name="Slide Number Placeholder 3">
-            <a:extLst>
-              <a:ext uri="{FF2B5EF4-FFF2-40B4-BE49-F238E27FC236}">
-                <a16:creationId xmlns:a16="http://schemas.microsoft.com/office/drawing/2014/main" id="{981FF8E3-A548-A1D5-FA45-DE039B451D80}"/>
-              </a:ext>
-            </a:extLst>
-          </p:cNvPr>
-          <p:cNvSpPr>
-            <a:spLocks noGrp="1"/>
-          </p:cNvSpPr>
-          <p:nvPr>
-            <p:ph type="sldNum" sz="quarter" idx="12"/>
-          </p:nvPr>
-        </p:nvSpPr>
-        <p:spPr>
-          <a:xfrm>
-            <a:off x="6553200" y="5503070"/>
-            <a:ext cx="2133600" cy="273844"/>
-          </a:xfrm>
-        </p:spPr>
-        <p:txBody>
-          <a:bodyPr/>
-          <a:lstStyle/>
-          <a:p>
-            <a:pPr marL="0" marR="0" lvl="0" indent="0" algn="r" defTabSz="342900" eaLnBrk="1" fontAlgn="auto" latinLnBrk="0" hangingPunct="1">
-              <a:lnSpc>
-                <a:spcPct val="100000"/>
-              </a:lnSpc>
-              <a:spcBef>
-                <a:spcPts val="0"/>
-              </a:spcBef>
-              <a:spcAft>
-                <a:spcPts val="450"/>
-              </a:spcAft>
-              <a:buClrTx/>
-              <a:buSzTx/>
-              <a:buFontTx/>
-              <a:buNone/>
-              <a:tabLst/>
-              <a:defRPr/>
-            </a:pPr>
-            <a:fld id="{FA3AAB12-BB6E-1B4F-AF2F-E6C37C68B919}" type="slidenum">
-              <a:rPr kumimoji="0" lang="en-US" sz="750" b="0" i="0" u="none" strike="noStrike" kern="0" cap="none" spc="0" normalizeH="0" baseline="0" noProof="0">
-                <a:ln>
-                  <a:noFill/>
-                </a:ln>
-                <a:solidFill>
-                  <a:prstClr val="black"/>
-                </a:solidFill>
-                <a:effectLst/>
-                <a:uLnTx/>
-                <a:uFillTx/>
-                <a:latin typeface="Calibri"/>
-                <a:cs typeface="Arial"/>
-              </a:rPr>
-              <a:pPr marL="0" marR="0" lvl="0" indent="0" algn="r" defTabSz="342900" eaLnBrk="1" fontAlgn="auto" latinLnBrk="0" hangingPunct="1">
-                <a:lnSpc>
-                  <a:spcPct val="100000"/>
-                </a:lnSpc>
-                <a:spcBef>
-                  <a:spcPts val="0"/>
-                </a:spcBef>
-                <a:spcAft>
-                  <a:spcPts val="450"/>
-                </a:spcAft>
-                <a:buClrTx/>
-                <a:buSzTx/>
-                <a:buFontTx/>
-                <a:buNone/>
-                <a:tabLst/>
-                <a:defRPr/>
-              </a:pPr>
-              <a:t>13</a:t>
-            </a:fld>
-            <a:endParaRPr kumimoji="0" lang="en-US" sz="750" b="0" i="0" u="none" strike="noStrike" kern="0" cap="none" spc="0" normalizeH="0" baseline="0" noProof="0">
-              <a:ln>
-                <a:noFill/>
-              </a:ln>
-              <a:solidFill>
-                <a:prstClr val="black"/>
-              </a:solidFill>
-              <a:effectLst/>
-              <a:uLnTx/>
-              <a:uFillTx/>
-              <a:latin typeface="Calibri"/>
-              <a:cs typeface="Arial"/>
-            </a:endParaRPr>
-          </a:p>
-        </p:txBody>
-      </p:sp>
-    </p:spTree>
-    <p:extLst>
-      <p:ext uri="{BB962C8B-B14F-4D97-AF65-F5344CB8AC3E}">
-        <p14:creationId xmlns:p14="http://schemas.microsoft.com/office/powerpoint/2010/main" val="3852887443"/>
-      </p:ext>
-    </p:extLst>
-  </p:cSld>
-  <p:clrMapOvr>
-    <a:masterClrMapping/>
-  </p:clrMapOvr>
-</p:sld>
-</file>
-
-<file path=ppt/slides/slide14.xml><?xml version="1.0" encoding="utf-8"?>
-<p:sld xmlns:a="http://schemas.openxmlformats.org/drawingml/2006/main" xmlns:r="http://schemas.openxmlformats.org/officeDocument/2006/relationships" xmlns:p="http://schemas.openxmlformats.org/presentationml/2006/main" showMasterPhAnim="0">
-  <p:cSld>
-    <p:spTree>
-      <p:nvGrpSpPr>
-        <p:cNvPr id="1" name=""/>
-        <p:cNvGrpSpPr/>
-        <p:nvPr/>
-      </p:nvGrpSpPr>
-      <p:grpSpPr bwMode="auto">
-        <a:xfrm>
-          <a:off x="0" y="0"/>
-          <a:ext cx="0" cy="0"/>
-          <a:chOff x="0" y="0"/>
-          <a:chExt cx="0" cy="0"/>
-        </a:xfrm>
-      </p:grpSpPr>
-      <p:sp>
-        <p:nvSpPr>
-          <p:cNvPr id="25602" name="Rectangle 2"/>
-          <p:cNvSpPr>
-            <a:spLocks noGrp="1" noChangeArrowheads="1"/>
-          </p:cNvSpPr>
-          <p:nvPr>
-            <p:ph type="title"/>
-          </p:nvPr>
-        </p:nvSpPr>
-        <p:spPr bwMode="auto">
-          <a:xfrm>
-            <a:off x="457200" y="781050"/>
-            <a:ext cx="8229600" cy="619125"/>
-          </a:xfrm>
-        </p:spPr>
-        <p:txBody>
-          <a:bodyPr>
-            <a:normAutofit/>
-          </a:bodyPr>
-          <a:lstStyle/>
-          <a:p>
-            <a:pPr>
-              <a:defRPr/>
-            </a:pPr>
-            <a:r>
-              <a:rPr lang="pt-BR" b="1" dirty="0"/>
-              <a:t>Estereoscopia</a:t>
-            </a:r>
-            <a:endParaRPr b="1" dirty="0"/>
-          </a:p>
-        </p:txBody>
-      </p:sp>
-      <p:sp>
-        <p:nvSpPr>
-          <p:cNvPr id="25611" name="Text Placeholder 2">
-            <a:extLst>
-              <a:ext uri="{FF2B5EF4-FFF2-40B4-BE49-F238E27FC236}">
-                <a16:creationId xmlns:a16="http://schemas.microsoft.com/office/drawing/2014/main" id="{250A706A-9EBB-2E0F-50EE-EB0106459120}"/>
-              </a:ext>
-            </a:extLst>
-          </p:cNvPr>
-          <p:cNvSpPr>
-            <a:spLocks noGrp="1"/>
-          </p:cNvSpPr>
-          <p:nvPr>
-            <p:ph type="body" sz="quarter" idx="13"/>
-          </p:nvPr>
-        </p:nvSpPr>
-        <p:spPr>
-          <a:xfrm>
-            <a:off x="161925" y="85725"/>
-            <a:ext cx="7229475" cy="352425"/>
-          </a:xfrm>
-        </p:spPr>
-        <p:txBody>
-          <a:bodyPr/>
-          <a:lstStyle/>
-          <a:p>
-            <a:endParaRPr lang="en-US"/>
-          </a:p>
-        </p:txBody>
-      </p:sp>
-      <p:sp>
-        <p:nvSpPr>
-          <p:cNvPr id="25606" name="Text Box 6"/>
-          <p:cNvSpPr txBox="1">
-            <a:spLocks noChangeArrowheads="1"/>
-          </p:cNvSpPr>
-          <p:nvPr/>
-        </p:nvSpPr>
-        <p:spPr bwMode="auto">
-          <a:xfrm>
-            <a:off x="4714875" y="1487488"/>
-            <a:ext cx="3971925" cy="639762"/>
-          </a:xfrm>
-          <a:prstGeom prst="rect">
-            <a:avLst/>
-          </a:prstGeom>
-        </p:spPr>
-        <p:txBody>
-          <a:bodyPr anchor="b">
-            <a:noAutofit/>
-          </a:bodyPr>
-          <a:lstStyle/>
-          <a:p>
-            <a:pPr>
-              <a:lnSpc>
-                <a:spcPct val="110000"/>
-              </a:lnSpc>
-              <a:spcAft>
-                <a:spcPts val="600"/>
-              </a:spcAft>
-              <a:defRPr/>
-            </a:pPr>
-            <a:r>
-              <a:rPr lang="pt-BR" sz="1700" dirty="0"/>
-              <a:t>Profundidade dois objetos na cena. As regiões vermelhas representam as disparidades encontradas entre duas imagens  </a:t>
-            </a:r>
-          </a:p>
-        </p:txBody>
-      </p:sp>
-      <p:sp>
-        <p:nvSpPr>
-          <p:cNvPr id="25605" name="Text Box 5"/>
-          <p:cNvSpPr txBox="1">
-            <a:spLocks noChangeArrowheads="1"/>
-          </p:cNvSpPr>
-          <p:nvPr/>
-        </p:nvSpPr>
-        <p:spPr bwMode="auto">
-          <a:xfrm>
-            <a:off x="657225" y="1487488"/>
-            <a:ext cx="3971925" cy="639762"/>
-          </a:xfrm>
-          <a:prstGeom prst="rect">
-            <a:avLst/>
-          </a:prstGeom>
-        </p:spPr>
-        <p:txBody>
-          <a:bodyPr anchor="b">
-            <a:normAutofit/>
-          </a:bodyPr>
-          <a:lstStyle/>
-          <a:p>
-            <a:pPr>
-              <a:lnSpc>
-                <a:spcPct val="90000"/>
-              </a:lnSpc>
-              <a:spcBef>
-                <a:spcPts val="0"/>
-              </a:spcBef>
-              <a:spcAft>
-                <a:spcPts val="600"/>
-              </a:spcAft>
-              <a:defRPr/>
-            </a:pPr>
-            <a:r>
-              <a:rPr lang="pt-BR" sz="1700" dirty="0"/>
-              <a:t>Uma das imagens tiradas por uma par de câmeras apontando na mesma direção</a:t>
-            </a:r>
-          </a:p>
-        </p:txBody>
-      </p:sp>
-      <p:pic>
-        <p:nvPicPr>
-          <p:cNvPr id="25604" name="Picture 4" descr="gt_occ"/>
-          <p:cNvPicPr>
-            <a:picLocks noChangeAspect="1" noChangeArrowheads="1"/>
-          </p:cNvPicPr>
-          <p:nvPr/>
-        </p:nvPicPr>
-        <p:blipFill rotWithShape="1">
-          <a:blip r:embed="rId2"/>
-          <a:srcRect l="27412" r="1" b="1"/>
-          <a:stretch/>
-        </p:blipFill>
-        <p:spPr bwMode="auto">
-          <a:xfrm>
-            <a:off x="4714875" y="2414586"/>
-            <a:ext cx="3971925" cy="3962400"/>
-          </a:xfrm>
-          <a:prstGeom prst="rect">
-            <a:avLst/>
-          </a:prstGeom>
-          <a:noFill/>
-        </p:spPr>
-      </p:pic>
-      <p:pic>
-        <p:nvPicPr>
-          <p:cNvPr id="25603" name="Picture 3" descr="left"/>
-          <p:cNvPicPr>
-            <a:picLocks noChangeAspect="1" noChangeArrowheads="1"/>
-          </p:cNvPicPr>
-          <p:nvPr/>
-        </p:nvPicPr>
-        <p:blipFill rotWithShape="1">
-          <a:blip r:embed="rId3"/>
-          <a:srcRect l="11992" r="12826" b="-2"/>
-          <a:stretch/>
-        </p:blipFill>
-        <p:spPr bwMode="auto">
-          <a:xfrm>
-            <a:off x="645071" y="2414586"/>
-            <a:ext cx="3971925" cy="3962400"/>
-          </a:xfrm>
-          <a:prstGeom prst="rect">
-            <a:avLst/>
-          </a:prstGeom>
-          <a:noFill/>
-        </p:spPr>
-      </p:pic>
-      <p:sp>
-        <p:nvSpPr>
-          <p:cNvPr id="25613" name="Slide Number Placeholder 7">
-            <a:extLst>
-              <a:ext uri="{FF2B5EF4-FFF2-40B4-BE49-F238E27FC236}">
-                <a16:creationId xmlns:a16="http://schemas.microsoft.com/office/drawing/2014/main" id="{32BF9698-66C4-131A-7CCE-857A3A01C064}"/>
-              </a:ext>
-            </a:extLst>
-          </p:cNvPr>
-          <p:cNvSpPr>
-            <a:spLocks noGrp="1"/>
-          </p:cNvSpPr>
-          <p:nvPr>
-            <p:ph type="sldNum" sz="quarter" idx="12"/>
-          </p:nvPr>
-        </p:nvSpPr>
-        <p:spPr>
-          <a:xfrm>
-            <a:off x="6553200" y="6194424"/>
-            <a:ext cx="2133600" cy="365125"/>
-          </a:xfrm>
-        </p:spPr>
-        <p:txBody>
-          <a:bodyPr/>
-          <a:lstStyle/>
-          <a:p>
-            <a:pPr>
-              <a:spcAft>
-                <a:spcPts val="600"/>
-              </a:spcAft>
-              <a:defRPr/>
-            </a:pPr>
-            <a:fld id="{A33A0801-BB33-4F6A-ADD2-35B07A2D74D7}" type="slidenum">
-              <a:rPr lang="pt-BR"/>
-              <a:pPr>
-                <a:spcAft>
-                  <a:spcPts val="600"/>
-                </a:spcAft>
-                <a:defRPr/>
-              </a:pPr>
-              <a:t>14</a:t>
-            </a:fld>
-            <a:endParaRPr lang="pt-BR"/>
-          </a:p>
-        </p:txBody>
-      </p:sp>
-    </p:spTree>
-  </p:cSld>
-  <p:clrMapOvr>
-    <a:masterClrMapping/>
-  </p:clrMapOvr>
-</p:sld>
-</file>
-
-<file path=ppt/slides/slide15.xml><?xml version="1.0" encoding="utf-8"?>
-<p:sld xmlns:a="http://schemas.openxmlformats.org/drawingml/2006/main" xmlns:r="http://schemas.openxmlformats.org/officeDocument/2006/relationships" xmlns:p="http://schemas.openxmlformats.org/presentationml/2006/main" showMasterPhAnim="0">
-  <p:cSld>
-    <p:spTree>
-      <p:nvGrpSpPr>
-        <p:cNvPr id="1" name=""/>
-        <p:cNvGrpSpPr/>
-        <p:nvPr/>
-      </p:nvGrpSpPr>
-      <p:grpSpPr bwMode="auto">
-        <a:xfrm>
-          <a:off x="0" y="0"/>
-          <a:ext cx="0" cy="0"/>
-          <a:chOff x="0" y="0"/>
-          <a:chExt cx="0" cy="0"/>
-        </a:xfrm>
-      </p:grpSpPr>
-      <p:sp>
-        <p:nvSpPr>
-          <p:cNvPr id="2" name="Título 1"/>
-          <p:cNvSpPr>
-            <a:spLocks noGrp="1"/>
-          </p:cNvSpPr>
-          <p:nvPr>
-            <p:ph type="title"/>
-          </p:nvPr>
-        </p:nvSpPr>
-        <p:spPr bwMode="auto">
-          <a:xfrm>
-            <a:off x="457200" y="781050"/>
-            <a:ext cx="8229600" cy="619125"/>
-          </a:xfrm>
-        </p:spPr>
-        <p:txBody>
-          <a:bodyPr>
-            <a:normAutofit/>
-          </a:bodyPr>
-          <a:lstStyle/>
-          <a:p>
-            <a:pPr>
-              <a:defRPr/>
-            </a:pPr>
-            <a:r>
-              <a:rPr lang="pt-BR" b="1" dirty="0"/>
-              <a:t>Profundidade</a:t>
-            </a:r>
-            <a:endParaRPr b="1" dirty="0"/>
-          </a:p>
-        </p:txBody>
-      </p:sp>
-      <p:pic>
-        <p:nvPicPr>
-          <p:cNvPr id="1026" name="Picture 2" descr="Google Researchers Released New State-of-the-art Method For Depth  Estimation from Single Image"/>
-          <p:cNvPicPr>
-            <a:picLocks noChangeAspect="1" noChangeArrowheads="1"/>
-          </p:cNvPicPr>
-          <p:nvPr/>
-        </p:nvPicPr>
-        <p:blipFill rotWithShape="1">
-          <a:blip r:embed="rId2"/>
-          <a:srcRect t="6126" b="850"/>
-          <a:stretch/>
-        </p:blipFill>
-        <p:spPr bwMode="auto">
-          <a:xfrm>
-            <a:off x="657225" y="1485900"/>
-            <a:ext cx="8029575" cy="4724399"/>
-          </a:xfrm>
-          <a:prstGeom prst="rect">
-            <a:avLst/>
-          </a:prstGeom>
-          <a:noFill/>
-        </p:spPr>
-      </p:pic>
-      <p:sp>
-        <p:nvSpPr>
-          <p:cNvPr id="3" name="Espaço Reservado para Número de Slide 2"/>
-          <p:cNvSpPr>
-            <a:spLocks noGrp="1"/>
-          </p:cNvSpPr>
-          <p:nvPr>
-            <p:ph type="sldNum" sz="quarter" idx="12"/>
-          </p:nvPr>
-        </p:nvSpPr>
-        <p:spPr bwMode="auto">
-          <a:xfrm>
-            <a:off x="6553200" y="6194424"/>
-            <a:ext cx="2133600" cy="365125"/>
-          </a:xfrm>
-        </p:spPr>
-        <p:txBody>
-          <a:bodyPr>
-            <a:normAutofit/>
-          </a:bodyPr>
-          <a:lstStyle/>
-          <a:p>
-            <a:pPr>
-              <a:spcAft>
-                <a:spcPts val="600"/>
-              </a:spcAft>
-              <a:defRPr/>
-            </a:pPr>
-            <a:fld id="{F6B52E08-E18F-4760-A43A-381EE6B2718B}" type="slidenum">
-              <a:rPr lang="pt-BR"/>
-              <a:pPr>
-                <a:spcAft>
-                  <a:spcPts val="600"/>
-                </a:spcAft>
-                <a:defRPr/>
-              </a:pPr>
-              <a:t>15</a:t>
-            </a:fld>
-            <a:endParaRPr lang="pt-BR"/>
-          </a:p>
-        </p:txBody>
-      </p:sp>
-    </p:spTree>
-  </p:cSld>
-  <p:clrMapOvr>
-    <a:masterClrMapping/>
-  </p:clrMapOvr>
-</p:sld>
-</file>
-
-<file path=ppt/slides/slide16.xml><?xml version="1.0" encoding="utf-8"?>
-<p:sld xmlns:a="http://schemas.openxmlformats.org/drawingml/2006/main" xmlns:r="http://schemas.openxmlformats.org/officeDocument/2006/relationships" xmlns:p="http://schemas.openxmlformats.org/presentationml/2006/main" showMasterPhAnim="0">
-  <p:cSld>
-    <p:spTree>
-      <p:nvGrpSpPr>
-        <p:cNvPr id="1" name=""/>
-        <p:cNvGrpSpPr/>
-        <p:nvPr/>
-      </p:nvGrpSpPr>
-      <p:grpSpPr bwMode="auto">
-        <a:xfrm>
-          <a:off x="0" y="0"/>
-          <a:ext cx="0" cy="0"/>
-          <a:chOff x="0" y="0"/>
-          <a:chExt cx="0" cy="0"/>
-        </a:xfrm>
-      </p:grpSpPr>
-      <p:sp>
-        <p:nvSpPr>
-          <p:cNvPr id="255281244" name="Título 1"/>
-          <p:cNvSpPr>
-            <a:spLocks noGrp="1"/>
-          </p:cNvSpPr>
-          <p:nvPr>
-            <p:ph type="title"/>
-          </p:nvPr>
-        </p:nvSpPr>
-        <p:spPr bwMode="auto">
-          <a:xfrm>
-            <a:off x="457200" y="781052"/>
-            <a:ext cx="8229600" cy="619125"/>
-          </a:xfrm>
-        </p:spPr>
-        <p:txBody>
-          <a:bodyPr>
-            <a:normAutofit/>
-          </a:bodyPr>
-          <a:lstStyle/>
-          <a:p>
-            <a:pPr>
-              <a:defRPr/>
-            </a:pPr>
-            <a:r>
-              <a:rPr lang="pt-BR" b="1" dirty="0"/>
-              <a:t>Atividades Modulo 2</a:t>
-            </a:r>
-          </a:p>
-        </p:txBody>
-      </p:sp>
-      <p:sp>
-        <p:nvSpPr>
-          <p:cNvPr id="1820912579" name="Text Placeholder 2">
-            <a:extLst>
-              <a:ext uri="{FF2B5EF4-FFF2-40B4-BE49-F238E27FC236}">
-                <a16:creationId xmlns:a16="http://schemas.microsoft.com/office/drawing/2014/main" id="{2AE886B7-055B-C1E9-F81D-5C4D54CAC1F5}"/>
-              </a:ext>
-            </a:extLst>
-          </p:cNvPr>
-          <p:cNvSpPr>
-            <a:spLocks noGrp="1"/>
-          </p:cNvSpPr>
-          <p:nvPr>
-            <p:ph type="body" sz="quarter" idx="13"/>
-          </p:nvPr>
-        </p:nvSpPr>
-        <p:spPr>
-          <a:xfrm>
-            <a:off x="161926" y="85725"/>
-            <a:ext cx="7229475" cy="352425"/>
-          </a:xfrm>
-        </p:spPr>
-        <p:txBody>
-          <a:bodyPr/>
-          <a:lstStyle/>
-          <a:p>
-            <a:endParaRPr lang="en-US"/>
-          </a:p>
-        </p:txBody>
-      </p:sp>
-      <p:sp>
-        <p:nvSpPr>
-          <p:cNvPr id="5" name="CaixaDeTexto 4">
-            <a:extLst>
-              <a:ext uri="{FF2B5EF4-FFF2-40B4-BE49-F238E27FC236}">
-                <a16:creationId xmlns:a16="http://schemas.microsoft.com/office/drawing/2014/main" id="{C4AB01ED-6BFD-D8BF-6B90-6AE8ED95F485}"/>
-              </a:ext>
-            </a:extLst>
-          </p:cNvPr>
-          <p:cNvSpPr txBox="1"/>
-          <p:nvPr/>
-        </p:nvSpPr>
-        <p:spPr bwMode="auto">
-          <a:xfrm>
-            <a:off x="657226" y="1476375"/>
-            <a:ext cx="3971924" cy="4667250"/>
-          </a:xfrm>
-          <a:prstGeom prst="rect">
-            <a:avLst/>
-          </a:prstGeom>
-        </p:spPr>
-        <p:txBody>
-          <a:bodyPr rtlCol="0">
-            <a:normAutofit/>
-          </a:bodyPr>
-          <a:lstStyle/>
-          <a:p>
-            <a:pPr defTabSz="685800">
-              <a:spcAft>
-                <a:spcPts val="450"/>
-              </a:spcAft>
-              <a:buFont typeface="Arial" panose="020B0604020202020204" pitchFamily="34" charset="0"/>
-              <a:buChar char="•"/>
-              <a:defRPr/>
-            </a:pPr>
-            <a:r>
-              <a:rPr lang="pt-BR" sz="1350" dirty="0">
-                <a:latin typeface="Verdana"/>
-                <a:ea typeface="Verdana"/>
-                <a:hlinkClick r:id="rId2"/>
-              </a:rPr>
-              <a:t>Atividade 01 - Segmentação usando HSV</a:t>
-            </a:r>
-            <a:endParaRPr lang="pt-BR" sz="1350" dirty="0">
-              <a:latin typeface="Verdana"/>
-              <a:ea typeface="Verdana"/>
-            </a:endParaRPr>
-          </a:p>
-          <a:p>
-            <a:pPr defTabSz="685800">
-              <a:spcAft>
-                <a:spcPts val="450"/>
-              </a:spcAft>
-              <a:buFont typeface="Arial" panose="020B0604020202020204" pitchFamily="34" charset="0"/>
-              <a:buChar char="•"/>
-              <a:defRPr/>
-            </a:pPr>
-            <a:r>
-              <a:rPr lang="pt-BR" sz="1350" dirty="0">
-                <a:latin typeface="Verdana"/>
-                <a:ea typeface="Verdana"/>
-                <a:hlinkClick r:id="rId3"/>
-              </a:rPr>
-              <a:t>Atividade 02 - Morfologia Matemática</a:t>
-            </a:r>
-            <a:endParaRPr lang="pt-BR" sz="1350" dirty="0">
-              <a:latin typeface="Verdana"/>
-              <a:ea typeface="Verdana"/>
-            </a:endParaRPr>
-          </a:p>
-          <a:p>
-            <a:pPr defTabSz="685800">
-              <a:spcAft>
-                <a:spcPts val="450"/>
-              </a:spcAft>
-              <a:buFont typeface="Arial" panose="020B0604020202020204" pitchFamily="34" charset="0"/>
-              <a:buChar char="•"/>
-              <a:defRPr/>
-            </a:pPr>
-            <a:r>
-              <a:rPr lang="pt-BR" sz="1350" dirty="0">
-                <a:latin typeface="Verdana"/>
-                <a:ea typeface="Verdana"/>
-                <a:hlinkClick r:id="rId4"/>
-              </a:rPr>
-              <a:t>Atividade 03 - Componentes Conexos</a:t>
-            </a:r>
-            <a:endParaRPr lang="pt-BR" sz="1350" dirty="0">
-              <a:latin typeface="Verdana"/>
-              <a:ea typeface="Verdana"/>
-            </a:endParaRPr>
-          </a:p>
-          <a:p>
-            <a:pPr defTabSz="685800">
-              <a:spcAft>
-                <a:spcPts val="450"/>
-              </a:spcAft>
-              <a:buFont typeface="Arial" panose="020B0604020202020204" pitchFamily="34" charset="0"/>
-              <a:buChar char="•"/>
-              <a:defRPr/>
-            </a:pPr>
-            <a:r>
-              <a:rPr lang="pt-BR" sz="1350" dirty="0">
-                <a:latin typeface="Verdana"/>
-                <a:ea typeface="Verdana"/>
-                <a:hlinkClick r:id="rId5"/>
-              </a:rPr>
-              <a:t>Atividade 04 - Exemplo de Resolução de Problemas</a:t>
-            </a:r>
-            <a:endParaRPr lang="pt-BR" sz="1350" dirty="0">
-              <a:latin typeface="Verdana"/>
-              <a:ea typeface="Verdana"/>
-            </a:endParaRPr>
-          </a:p>
-          <a:p>
-            <a:pPr defTabSz="685800">
-              <a:spcAft>
-                <a:spcPts val="450"/>
-              </a:spcAft>
-              <a:buFont typeface="Arial" panose="020B0604020202020204" pitchFamily="34" charset="0"/>
-              <a:buChar char="•"/>
-              <a:defRPr/>
-            </a:pPr>
-            <a:r>
-              <a:rPr lang="pt-BR" sz="1350" dirty="0">
-                <a:latin typeface="Verdana"/>
-                <a:ea typeface="Verdana"/>
-                <a:hlinkClick r:id="rId6"/>
-              </a:rPr>
-              <a:t>Atividade 05 - Regressão Linear</a:t>
-            </a:r>
-            <a:endParaRPr lang="pt-BR" sz="1350" dirty="0">
-              <a:latin typeface="Verdana"/>
-              <a:ea typeface="Verdana"/>
-            </a:endParaRPr>
-          </a:p>
-          <a:p>
-            <a:pPr defTabSz="685800">
-              <a:spcAft>
-                <a:spcPts val="450"/>
-              </a:spcAft>
-              <a:defRPr/>
-            </a:pPr>
-            <a:endParaRPr lang="pt-BR" sz="1350" dirty="0">
-              <a:latin typeface="Verdana"/>
-              <a:ea typeface="Verdana"/>
-            </a:endParaRPr>
-          </a:p>
-        </p:txBody>
-      </p:sp>
-      <p:pic>
-        <p:nvPicPr>
-          <p:cNvPr id="3" name="Imagem 2" descr="Código QR&#10;&#10;Descrição gerada automaticamente">
-            <a:extLst>
-              <a:ext uri="{FF2B5EF4-FFF2-40B4-BE49-F238E27FC236}">
-                <a16:creationId xmlns:a16="http://schemas.microsoft.com/office/drawing/2014/main" id="{34AD4E16-AAE7-BEC7-FCDD-D3CE2E4F75B0}"/>
-              </a:ext>
-            </a:extLst>
-          </p:cNvPr>
-          <p:cNvPicPr>
-            <a:picLocks noChangeAspect="1"/>
-          </p:cNvPicPr>
-          <p:nvPr/>
-        </p:nvPicPr>
-        <p:blipFill>
-          <a:blip r:embed="rId7">
-            <a:extLst>
-              <a:ext uri="{28A0092B-C50C-407E-A947-70E740481C1C}">
-                <a14:useLocalDpi xmlns:a14="http://schemas.microsoft.com/office/drawing/2010/main" val="0"/>
-              </a:ext>
-            </a:extLst>
-          </a:blip>
-          <a:stretch>
-            <a:fillRect/>
-          </a:stretch>
-        </p:blipFill>
-        <p:spPr>
-          <a:xfrm>
-            <a:off x="4820097" y="1476377"/>
-            <a:ext cx="3761481" cy="4676775"/>
-          </a:xfrm>
-          <a:prstGeom prst="rect">
-            <a:avLst/>
-          </a:prstGeom>
-          <a:noFill/>
-        </p:spPr>
-      </p:pic>
-      <p:sp>
-        <p:nvSpPr>
-          <p:cNvPr id="1820912559" name="Slide Number Placeholder 5">
-            <a:extLst>
-              <a:ext uri="{FF2B5EF4-FFF2-40B4-BE49-F238E27FC236}">
-                <a16:creationId xmlns:a16="http://schemas.microsoft.com/office/drawing/2014/main" id="{55C1FC13-2134-9E11-7D21-4F8EC2A32174}"/>
-              </a:ext>
-            </a:extLst>
-          </p:cNvPr>
-          <p:cNvSpPr>
-            <a:spLocks noGrp="1"/>
-          </p:cNvSpPr>
-          <p:nvPr>
-            <p:ph type="sldNum" sz="quarter" idx="12"/>
-          </p:nvPr>
-        </p:nvSpPr>
-        <p:spPr>
-          <a:xfrm>
-            <a:off x="6553200" y="6194427"/>
-            <a:ext cx="2133600" cy="365125"/>
-          </a:xfrm>
-        </p:spPr>
-        <p:txBody>
-          <a:bodyPr>
-            <a:normAutofit/>
-          </a:bodyPr>
-          <a:lstStyle/>
-          <a:p>
-            <a:pPr>
-              <a:spcAft>
-                <a:spcPts val="450"/>
-              </a:spcAft>
-              <a:defRPr/>
-            </a:pPr>
-            <a:fld id="{FA3AAB12-BB6E-1B4F-AF2F-E6C37C68B919}" type="slidenum">
-              <a:rPr lang="en-US">
-                <a:latin typeface="+mn-lt"/>
-                <a:ea typeface="+mn-ea"/>
-                <a:cs typeface="+mn-cs"/>
-              </a:rPr>
-              <a:pPr>
-                <a:spcAft>
-                  <a:spcPts val="450"/>
-                </a:spcAft>
-                <a:defRPr/>
-              </a:pPr>
-              <a:t>16</a:t>
-            </a:fld>
-            <a:endParaRPr lang="en-US">
-              <a:latin typeface="+mn-lt"/>
-              <a:ea typeface="+mn-ea"/>
-              <a:cs typeface="+mn-cs"/>
-            </a:endParaRPr>
-          </a:p>
-        </p:txBody>
-      </p:sp>
-    </p:spTree>
-    <p:extLst>
-      <p:ext uri="{BB962C8B-B14F-4D97-AF65-F5344CB8AC3E}">
-        <p14:creationId xmlns:p14="http://schemas.microsoft.com/office/powerpoint/2010/main" val="1287450517"/>
-      </p:ext>
-    </p:extLst>
-  </p:cSld>
-  <p:clrMapOvr>
-    <a:masterClrMapping/>
-  </p:clrMapOvr>
-</p:sld>
-</file>
-
-<file path=ppt/slides/slide17.xml><?xml version="1.0" encoding="utf-8"?>
-<p:sld xmlns:a="http://schemas.openxmlformats.org/drawingml/2006/main" xmlns:r="http://schemas.openxmlformats.org/officeDocument/2006/relationships" xmlns:p="http://schemas.openxmlformats.org/presentationml/2006/main">
-  <p:cSld>
-    <p:spTree>
-      <p:nvGrpSpPr>
-        <p:cNvPr id="1" name=""/>
-        <p:cNvGrpSpPr/>
-        <p:nvPr/>
-      </p:nvGrpSpPr>
-      <p:grpSpPr>
-        <a:xfrm>
-          <a:off x="0" y="0"/>
-          <a:ext cx="0" cy="0"/>
-          <a:chOff x="0" y="0"/>
-          <a:chExt cx="0" cy="0"/>
-        </a:xfrm>
-      </p:grpSpPr>
-      <p:sp>
-        <p:nvSpPr>
-          <p:cNvPr id="2" name="Título 1">
-            <a:extLst>
-              <a:ext uri="{FF2B5EF4-FFF2-40B4-BE49-F238E27FC236}">
-                <a16:creationId xmlns:a16="http://schemas.microsoft.com/office/drawing/2014/main" id="{4716A649-AACE-6DC0-9774-103B4170F9CF}"/>
-              </a:ext>
-            </a:extLst>
-          </p:cNvPr>
-          <p:cNvSpPr>
-            <a:spLocks noGrp="1"/>
-          </p:cNvSpPr>
-          <p:nvPr>
-            <p:ph type="title"/>
-          </p:nvPr>
-        </p:nvSpPr>
-        <p:spPr/>
-        <p:txBody>
-          <a:bodyPr/>
-          <a:lstStyle/>
-          <a:p>
-            <a:r>
-              <a:rPr lang="pt-BR" b="1" dirty="0"/>
-              <a:t>Formulário de Avaliação do Modulo 1</a:t>
-            </a:r>
-          </a:p>
-        </p:txBody>
-      </p:sp>
-      <p:sp>
-        <p:nvSpPr>
-          <p:cNvPr id="3" name="Espaço Reservado para Texto 2">
-            <a:extLst>
-              <a:ext uri="{FF2B5EF4-FFF2-40B4-BE49-F238E27FC236}">
-                <a16:creationId xmlns:a16="http://schemas.microsoft.com/office/drawing/2014/main" id="{DCC46212-E42D-13EE-792F-4DCCCD122CD2}"/>
-              </a:ext>
-            </a:extLst>
-          </p:cNvPr>
-          <p:cNvSpPr>
-            <a:spLocks noGrp="1"/>
-          </p:cNvSpPr>
-          <p:nvPr>
-            <p:ph type="body" sz="quarter" idx="13"/>
-          </p:nvPr>
-        </p:nvSpPr>
-        <p:spPr/>
-        <p:txBody>
-          <a:bodyPr/>
-          <a:lstStyle/>
-          <a:p>
-            <a:endParaRPr lang="pt-BR"/>
-          </a:p>
-        </p:txBody>
-      </p:sp>
-      <p:sp>
-        <p:nvSpPr>
-          <p:cNvPr id="6" name="Espaço Reservado para Número de Slide 5">
-            <a:extLst>
-              <a:ext uri="{FF2B5EF4-FFF2-40B4-BE49-F238E27FC236}">
-                <a16:creationId xmlns:a16="http://schemas.microsoft.com/office/drawing/2014/main" id="{67F91034-3CAB-BCF5-8208-7FE0BFE3AC39}"/>
-              </a:ext>
-            </a:extLst>
-          </p:cNvPr>
-          <p:cNvSpPr>
-            <a:spLocks noGrp="1"/>
-          </p:cNvSpPr>
-          <p:nvPr>
-            <p:ph type="sldNum" sz="quarter" idx="12"/>
-          </p:nvPr>
-        </p:nvSpPr>
-        <p:spPr/>
-        <p:txBody>
-          <a:bodyPr/>
-          <a:lstStyle/>
-          <a:p>
-            <a:pPr>
-              <a:defRPr/>
-            </a:pPr>
-            <a:fld id="{FA3AAB12-BB6E-1B4F-AF2F-E6C37C68B919}" type="slidenum">
-              <a:rPr lang="en-US" smtClean="0"/>
-              <a:t>17</a:t>
-            </a:fld>
-            <a:endParaRPr lang="en-US"/>
-          </a:p>
-        </p:txBody>
-      </p:sp>
-      <p:grpSp>
-        <p:nvGrpSpPr>
-          <p:cNvPr id="11" name="Agrupar 10">
-            <a:extLst>
-              <a:ext uri="{FF2B5EF4-FFF2-40B4-BE49-F238E27FC236}">
-                <a16:creationId xmlns:a16="http://schemas.microsoft.com/office/drawing/2014/main" id="{4EDFB888-B906-A460-01F9-5C09A4327FE0}"/>
-              </a:ext>
-            </a:extLst>
-          </p:cNvPr>
-          <p:cNvGrpSpPr/>
-          <p:nvPr/>
-        </p:nvGrpSpPr>
-        <p:grpSpPr>
-          <a:xfrm>
-            <a:off x="1655675" y="1393541"/>
-            <a:ext cx="5832649" cy="5378734"/>
-            <a:chOff x="2627784" y="2348880"/>
-            <a:chExt cx="3888434" cy="3800076"/>
-          </a:xfrm>
-        </p:grpSpPr>
-        <p:pic>
-          <p:nvPicPr>
-            <p:cNvPr id="8" name="Imagem 7" descr="Código QR&#10;&#10;Descrição gerada automaticamente">
-              <a:extLst>
-                <a:ext uri="{FF2B5EF4-FFF2-40B4-BE49-F238E27FC236}">
-                  <a16:creationId xmlns:a16="http://schemas.microsoft.com/office/drawing/2014/main" id="{63BE7ADF-E010-7221-7D75-1284B9BAB08A}"/>
-                </a:ext>
-              </a:extLst>
-            </p:cNvPr>
-            <p:cNvPicPr>
-              <a:picLocks noChangeAspect="1"/>
-            </p:cNvPicPr>
-            <p:nvPr/>
-          </p:nvPicPr>
-          <p:blipFill rotWithShape="1">
-            <a:blip r:embed="rId2">
-              <a:extLst>
-                <a:ext uri="{28A0092B-C50C-407E-A947-70E740481C1C}">
-                  <a14:useLocalDpi xmlns:a14="http://schemas.microsoft.com/office/drawing/2010/main" val="0"/>
-                </a:ext>
-              </a:extLst>
-            </a:blip>
-            <a:srcRect l="23750" t="35300" r="23750" b="13250"/>
-            <a:stretch/>
-          </p:blipFill>
-          <p:spPr>
-            <a:xfrm>
-              <a:off x="2771800" y="2420888"/>
-              <a:ext cx="3600400" cy="3528392"/>
-            </a:xfrm>
-            <a:prstGeom prst="rect">
-              <a:avLst/>
-            </a:prstGeom>
-          </p:spPr>
-        </p:pic>
-        <p:sp>
-          <p:nvSpPr>
-            <p:cNvPr id="9" name="Retângulo 8">
-              <a:extLst>
-                <a:ext uri="{FF2B5EF4-FFF2-40B4-BE49-F238E27FC236}">
-                  <a16:creationId xmlns:a16="http://schemas.microsoft.com/office/drawing/2014/main" id="{097C24A2-8600-2CF9-9B48-60357473DF85}"/>
-                </a:ext>
-              </a:extLst>
-            </p:cNvPr>
-            <p:cNvSpPr/>
-            <p:nvPr/>
-          </p:nvSpPr>
-          <p:spPr>
-            <a:xfrm>
-              <a:off x="2627784" y="2348880"/>
-              <a:ext cx="288032" cy="3728068"/>
-            </a:xfrm>
-            <a:prstGeom prst="rect">
-              <a:avLst/>
-            </a:prstGeom>
-            <a:solidFill>
-              <a:schemeClr val="bg1"/>
-            </a:solidFill>
-            <a:ln>
-              <a:noFill/>
-            </a:ln>
-          </p:spPr>
-          <p:style>
-            <a:lnRef idx="2">
-              <a:schemeClr val="accent1">
-                <a:shade val="15000"/>
-              </a:schemeClr>
-            </a:lnRef>
-            <a:fillRef idx="1">
-              <a:schemeClr val="accent1"/>
-            </a:fillRef>
-            <a:effectRef idx="0">
-              <a:schemeClr val="accent1"/>
-            </a:effectRef>
-            <a:fontRef idx="minor">
-              <a:schemeClr val="lt1"/>
-            </a:fontRef>
-          </p:style>
-          <p:txBody>
-            <a:bodyPr rtlCol="0" anchor="ctr"/>
-            <a:lstStyle/>
-            <a:p>
-              <a:pPr algn="ctr"/>
-              <a:endParaRPr lang="pt-BR"/>
-            </a:p>
-          </p:txBody>
-        </p:sp>
-        <p:sp>
-          <p:nvSpPr>
-            <p:cNvPr id="10" name="Retângulo 9">
-              <a:extLst>
-                <a:ext uri="{FF2B5EF4-FFF2-40B4-BE49-F238E27FC236}">
-                  <a16:creationId xmlns:a16="http://schemas.microsoft.com/office/drawing/2014/main" id="{3344AA47-4C0D-CA2E-2AE6-F93208ACD81A}"/>
-                </a:ext>
-              </a:extLst>
-            </p:cNvPr>
-            <p:cNvSpPr/>
-            <p:nvPr/>
-          </p:nvSpPr>
-          <p:spPr>
-            <a:xfrm>
-              <a:off x="6228186" y="2420888"/>
-              <a:ext cx="288032" cy="3728068"/>
-            </a:xfrm>
-            <a:prstGeom prst="rect">
-              <a:avLst/>
-            </a:prstGeom>
-            <a:solidFill>
-              <a:schemeClr val="bg1"/>
-            </a:solidFill>
-            <a:ln>
-              <a:noFill/>
-            </a:ln>
-          </p:spPr>
-          <p:style>
-            <a:lnRef idx="2">
-              <a:schemeClr val="accent1">
-                <a:shade val="15000"/>
-              </a:schemeClr>
-            </a:lnRef>
-            <a:fillRef idx="1">
-              <a:schemeClr val="accent1"/>
-            </a:fillRef>
-            <a:effectRef idx="0">
-              <a:schemeClr val="accent1"/>
-            </a:effectRef>
-            <a:fontRef idx="minor">
-              <a:schemeClr val="lt1"/>
-            </a:fontRef>
-          </p:style>
-          <p:txBody>
-            <a:bodyPr rtlCol="0" anchor="ctr"/>
-            <a:lstStyle/>
-            <a:p>
-              <a:pPr algn="ctr"/>
-              <a:endParaRPr lang="pt-BR"/>
-            </a:p>
-          </p:txBody>
-        </p:sp>
-      </p:grpSp>
-    </p:spTree>
-    <p:extLst>
-      <p:ext uri="{BB962C8B-B14F-4D97-AF65-F5344CB8AC3E}">
-        <p14:creationId xmlns:p14="http://schemas.microsoft.com/office/powerpoint/2010/main" val="957013914"/>
-      </p:ext>
-    </p:extLst>
-  </p:cSld>
-  <p:clrMapOvr>
-    <a:masterClrMapping/>
-  </p:clrMapOvr>
-</p:sld>
-</file>
-
 <file path=ppt/slides/slide2.xml><?xml version="1.0" encoding="utf-8"?>
 <p:sld xmlns:a="http://schemas.openxmlformats.org/drawingml/2006/main" xmlns:r="http://schemas.openxmlformats.org/officeDocument/2006/relationships" xmlns:p="http://schemas.openxmlformats.org/presentationml/2006/main" showMasterPhAnim="0">
   <p:cSld>
@@ -12536,10 +9678,42 @@
       </p:grpSpPr>
       <p:sp>
         <p:nvSpPr>
-          <p:cNvPr id="378245863" name="Title 1">
+          <p:cNvPr id="255281244" name="Título 1"/>
+          <p:cNvSpPr>
+            <a:spLocks noGrp="1"/>
+          </p:cNvSpPr>
+          <p:nvPr>
+            <p:ph type="title"/>
+          </p:nvPr>
+        </p:nvSpPr>
+        <p:spPr bwMode="auto">
+          <a:xfrm>
+            <a:off x="457200" y="781052"/>
+            <a:ext cx="8229600" cy="619125"/>
+          </a:xfrm>
+        </p:spPr>
+        <p:txBody>
+          <a:bodyPr>
+            <a:normAutofit/>
+          </a:bodyPr>
+          <a:lstStyle/>
+          <a:p>
+            <a:pPr>
+              <a:defRPr/>
+            </a:pPr>
+            <a:r>
+              <a:rPr lang="pt-BR" b="1" dirty="0"/>
+              <a:t>Atividades Modulo 2</a:t>
+            </a:r>
+          </a:p>
+        </p:txBody>
+      </p:sp>
+      <p:sp>
+        <p:nvSpPr>
+          <p:cNvPr id="1820912579" name="Text Placeholder 2">
             <a:extLst>
               <a:ext uri="{FF2B5EF4-FFF2-40B4-BE49-F238E27FC236}">
-                <a16:creationId xmlns:a16="http://schemas.microsoft.com/office/drawing/2014/main" id="{BDFB7A7F-DC8B-7543-F755-C55A2119C539}"/>
+                <a16:creationId xmlns:a16="http://schemas.microsoft.com/office/drawing/2014/main" id="{2AE886B7-055B-C1E9-F81D-5C4D54CAC1F5}"/>
               </a:ext>
             </a:extLst>
           </p:cNvPr>
@@ -12547,71 +9721,236 @@
             <a:spLocks noGrp="1"/>
           </p:cNvSpPr>
           <p:nvPr>
-            <p:ph type="ctrTitle"/>
+            <p:ph type="body" sz="quarter" idx="13"/>
           </p:nvPr>
         </p:nvSpPr>
         <p:spPr>
           <a:xfrm>
-            <a:off x="1143000" y="2533650"/>
-            <a:ext cx="6858000" cy="1790700"/>
+            <a:off x="161926" y="85725"/>
+            <a:ext cx="7229475" cy="352425"/>
           </a:xfrm>
         </p:spPr>
         <p:txBody>
           <a:bodyPr/>
           <a:lstStyle/>
           <a:p>
-            <a:r>
-              <a:rPr lang="pt-BR" dirty="0"/>
-              <a:t>Projeção e Perspectiva</a:t>
-            </a:r>
-            <a:br>
-              <a:rPr lang="pt-BR" dirty="0"/>
-            </a:br>
-            <a:endParaRPr lang="en-US" dirty="0"/>
-          </a:p>
-        </p:txBody>
-      </p:sp>
-      <p:sp>
-        <p:nvSpPr>
-          <p:cNvPr id="378245865" name="Slide Number Placeholder 3">
+            <a:endParaRPr lang="en-US"/>
+          </a:p>
+        </p:txBody>
+      </p:sp>
+      <p:sp>
+        <p:nvSpPr>
+          <p:cNvPr id="5" name="CaixaDeTexto 4">
             <a:extLst>
               <a:ext uri="{FF2B5EF4-FFF2-40B4-BE49-F238E27FC236}">
-                <a16:creationId xmlns:a16="http://schemas.microsoft.com/office/drawing/2014/main" id="{981FF8E3-A548-A1D5-FA45-DE039B451D80}"/>
+                <a16:creationId xmlns:a16="http://schemas.microsoft.com/office/drawing/2014/main" id="{C4AB01ED-6BFD-D8BF-6B90-6AE8ED95F485}"/>
               </a:ext>
             </a:extLst>
           </p:cNvPr>
-          <p:cNvSpPr>
-            <a:spLocks noGrp="1"/>
-          </p:cNvSpPr>
-          <p:nvPr>
-            <p:ph type="sldNum" sz="quarter" idx="12"/>
-          </p:nvPr>
-        </p:nvSpPr>
-        <p:spPr>
-          <a:xfrm>
-            <a:off x="6553200" y="5503070"/>
-            <a:ext cx="2133600" cy="273844"/>
-          </a:xfrm>
-        </p:spPr>
-        <p:txBody>
-          <a:bodyPr/>
+          <p:cNvSpPr txBox="1"/>
+          <p:nvPr/>
+        </p:nvSpPr>
+        <p:spPr bwMode="auto">
+          <a:xfrm>
+            <a:off x="657226" y="1476375"/>
+            <a:ext cx="3971924" cy="4667250"/>
+          </a:xfrm>
+          <a:prstGeom prst="rect">
+            <a:avLst/>
+          </a:prstGeom>
+        </p:spPr>
+        <p:txBody>
+          <a:bodyPr rtlCol="0">
+            <a:normAutofit/>
+          </a:bodyPr>
           <a:lstStyle/>
           <a:p>
-            <a:pPr defTabSz="342900">
+            <a:pPr defTabSz="685800">
               <a:spcAft>
                 <a:spcPts val="450"/>
               </a:spcAft>
+              <a:buFont typeface="Arial" panose="020B0604020202020204" pitchFamily="34" charset="0"/>
+              <a:buChar char="•"/>
+              <a:defRPr/>
+            </a:pPr>
+            <a:r>
+              <a:rPr lang="pt-BR" sz="1350" dirty="0">
+                <a:latin typeface="Verdana"/>
+                <a:ea typeface="Verdana"/>
+                <a:hlinkClick r:id="rId2"/>
+              </a:rPr>
+              <a:t>Atividade 01 - Salvando Eventos na ROS</a:t>
+            </a:r>
+            <a:endParaRPr lang="pt-BR" sz="1350" dirty="0">
+              <a:latin typeface="Verdana"/>
+              <a:ea typeface="Verdana"/>
+            </a:endParaRPr>
+          </a:p>
+          <a:p>
+            <a:pPr defTabSz="685800">
+              <a:spcAft>
+                <a:spcPts val="450"/>
+              </a:spcAft>
+              <a:buFont typeface="Arial" panose="020B0604020202020204" pitchFamily="34" charset="0"/>
+              <a:buChar char="•"/>
+              <a:defRPr/>
+            </a:pPr>
+            <a:r>
+              <a:rPr lang="pt-BR" sz="1350" dirty="0">
+                <a:latin typeface="Verdana"/>
+                <a:ea typeface="Verdana"/>
+                <a:hlinkClick r:id="rId3"/>
+              </a:rPr>
+              <a:t>Atividade 02 - Refinamento de Máscaras de Segmentação</a:t>
+            </a:r>
+            <a:endParaRPr lang="pt-BR" sz="1350" dirty="0">
+              <a:latin typeface="Verdana"/>
+              <a:ea typeface="Verdana"/>
+            </a:endParaRPr>
+          </a:p>
+          <a:p>
+            <a:pPr defTabSz="685800">
+              <a:spcAft>
+                <a:spcPts val="450"/>
+              </a:spcAft>
+              <a:buFont typeface="Arial" panose="020B0604020202020204" pitchFamily="34" charset="0"/>
+              <a:buChar char="•"/>
+              <a:defRPr/>
+            </a:pPr>
+            <a:r>
+              <a:rPr lang="pt-BR" sz="1350" dirty="0">
+                <a:latin typeface="Verdana"/>
+                <a:ea typeface="Verdana"/>
+                <a:hlinkClick r:id="rId4"/>
+              </a:rPr>
+              <a:t>Atividade 03 - Identificação de Objetos</a:t>
+            </a:r>
+            <a:endParaRPr lang="pt-BR" sz="1350" dirty="0">
+              <a:latin typeface="Verdana"/>
+              <a:ea typeface="Verdana"/>
+            </a:endParaRPr>
+          </a:p>
+          <a:p>
+            <a:pPr defTabSz="685800">
+              <a:spcAft>
+                <a:spcPts val="450"/>
+              </a:spcAft>
+              <a:buFont typeface="Arial" panose="020B0604020202020204" pitchFamily="34" charset="0"/>
+              <a:buChar char="•"/>
+              <a:defRPr/>
+            </a:pPr>
+            <a:r>
+              <a:rPr lang="pt-BR" sz="1350" dirty="0">
+                <a:latin typeface="Verdana"/>
+                <a:ea typeface="Verdana"/>
+                <a:hlinkClick r:id="rId5"/>
+              </a:rPr>
+              <a:t>Atividade 04 - Visão na ROS 2</a:t>
+            </a:r>
+            <a:endParaRPr lang="pt-BR" sz="1350" dirty="0">
+              <a:latin typeface="Verdana"/>
+              <a:ea typeface="Verdana"/>
+            </a:endParaRPr>
+          </a:p>
+          <a:p>
+            <a:pPr defTabSz="685800">
+              <a:spcAft>
+                <a:spcPts val="450"/>
+              </a:spcAft>
+              <a:buFont typeface="Arial" panose="020B0604020202020204" pitchFamily="34" charset="0"/>
+              <a:buChar char="•"/>
+              <a:defRPr/>
+            </a:pPr>
+            <a:r>
+              <a:rPr lang="pt-BR" sz="1350" dirty="0">
+                <a:latin typeface="Verdana"/>
+                <a:ea typeface="Verdana"/>
+                <a:hlinkClick r:id="rId6"/>
+              </a:rPr>
+              <a:t>Atividade 05 - Ferramentas de Visão</a:t>
+            </a:r>
+            <a:endParaRPr lang="pt-BR" sz="1350" dirty="0">
+              <a:latin typeface="Verdana"/>
+              <a:ea typeface="Verdana"/>
+            </a:endParaRPr>
+          </a:p>
+          <a:p>
+            <a:pPr defTabSz="685800">
+              <a:spcAft>
+                <a:spcPts val="450"/>
+              </a:spcAft>
+              <a:buFont typeface="Arial" panose="020B0604020202020204" pitchFamily="34" charset="0"/>
+              <a:buChar char="•"/>
+              <a:defRPr/>
+            </a:pPr>
+            <a:r>
+              <a:rPr lang="pt-BR" sz="1350">
+                <a:latin typeface="Verdana"/>
+                <a:ea typeface="Verdana"/>
+                <a:hlinkClick r:id="rId6"/>
+              </a:rPr>
+              <a:t>Atividade 06 - Exemplo de Resolução de Exercício</a:t>
+            </a:r>
+            <a:endParaRPr lang="pt-BR" sz="1350" dirty="0">
+              <a:latin typeface="Verdana"/>
+              <a:ea typeface="Verdana"/>
+            </a:endParaRPr>
+          </a:p>
+          <a:p>
+            <a:pPr defTabSz="685800">
+              <a:spcAft>
+                <a:spcPts val="450"/>
+              </a:spcAft>
+              <a:defRPr/>
+            </a:pPr>
+            <a:endParaRPr lang="pt-BR" sz="1350" dirty="0">
+              <a:latin typeface="Verdana"/>
+              <a:ea typeface="Verdana"/>
+            </a:endParaRPr>
+          </a:p>
+        </p:txBody>
+      </p:sp>
+      <p:sp>
+        <p:nvSpPr>
+          <p:cNvPr id="1820912559" name="Slide Number Placeholder 5">
+            <a:extLst>
+              <a:ext uri="{FF2B5EF4-FFF2-40B4-BE49-F238E27FC236}">
+                <a16:creationId xmlns:a16="http://schemas.microsoft.com/office/drawing/2014/main" id="{55C1FC13-2134-9E11-7D21-4F8EC2A32174}"/>
+              </a:ext>
+            </a:extLst>
+          </p:cNvPr>
+          <p:cNvSpPr>
+            <a:spLocks noGrp="1"/>
+          </p:cNvSpPr>
+          <p:nvPr>
+            <p:ph type="sldNum" sz="quarter" idx="12"/>
+          </p:nvPr>
+        </p:nvSpPr>
+        <p:spPr>
+          <a:xfrm>
+            <a:off x="6553200" y="6194427"/>
+            <a:ext cx="2133600" cy="365125"/>
+          </a:xfrm>
+        </p:spPr>
+        <p:txBody>
+          <a:bodyPr>
+            <a:normAutofit/>
+          </a:bodyPr>
+          <a:lstStyle/>
+          <a:p>
+            <a:pPr>
+              <a:spcAft>
+                <a:spcPts val="450"/>
+              </a:spcAft>
               <a:defRPr/>
             </a:pPr>
             <a:fld id="{FA3AAB12-BB6E-1B4F-AF2F-E6C37C68B919}" type="slidenum">
               <a:rPr lang="en-US">
-                <a:solidFill>
-                  <a:prstClr val="black"/>
-                </a:solidFill>
-                <a:latin typeface="Calibri"/>
-                <a:cs typeface="Arial"/>
+                <a:latin typeface="+mn-lt"/>
+                <a:ea typeface="+mn-ea"/>
+                <a:cs typeface="+mn-cs"/>
               </a:rPr>
-              <a:pPr defTabSz="342900">
+              <a:pPr>
                 <a:spcAft>
                   <a:spcPts val="450"/>
                 </a:spcAft>
@@ -12620,254 +9959,6 @@
               <a:t>6</a:t>
             </a:fld>
             <a:endParaRPr lang="en-US">
-              <a:solidFill>
-                <a:prstClr val="black"/>
-              </a:solidFill>
-              <a:latin typeface="Calibri"/>
-              <a:cs typeface="Arial"/>
-            </a:endParaRPr>
-          </a:p>
-        </p:txBody>
-      </p:sp>
-    </p:spTree>
-    <p:extLst>
-      <p:ext uri="{BB962C8B-B14F-4D97-AF65-F5344CB8AC3E}">
-        <p14:creationId xmlns:p14="http://schemas.microsoft.com/office/powerpoint/2010/main" val="1191312635"/>
-      </p:ext>
-    </p:extLst>
-  </p:cSld>
-  <p:clrMapOvr>
-    <a:masterClrMapping/>
-  </p:clrMapOvr>
-</p:sld>
-</file>
-
-<file path=ppt/slides/slide7.xml><?xml version="1.0" encoding="utf-8"?>
-<p:sld xmlns:a="http://schemas.openxmlformats.org/drawingml/2006/main" xmlns:r="http://schemas.openxmlformats.org/officeDocument/2006/relationships" xmlns:p="http://schemas.openxmlformats.org/presentationml/2006/main" showMasterPhAnim="0">
-  <p:cSld>
-    <p:spTree>
-      <p:nvGrpSpPr>
-        <p:cNvPr id="1" name=""/>
-        <p:cNvGrpSpPr/>
-        <p:nvPr/>
-      </p:nvGrpSpPr>
-      <p:grpSpPr bwMode="auto">
-        <a:xfrm>
-          <a:off x="0" y="0"/>
-          <a:ext cx="0" cy="0"/>
-          <a:chOff x="0" y="0"/>
-          <a:chExt cx="0" cy="0"/>
-        </a:xfrm>
-      </p:grpSpPr>
-      <p:sp>
-        <p:nvSpPr>
-          <p:cNvPr id="16386" name="Rectangle 2"/>
-          <p:cNvSpPr>
-            <a:spLocks noGrp="1" noChangeArrowheads="1"/>
-          </p:cNvSpPr>
-          <p:nvPr>
-            <p:ph type="title"/>
-          </p:nvPr>
-        </p:nvSpPr>
-        <p:spPr bwMode="auto">
-          <a:xfrm>
-            <a:off x="457200" y="781050"/>
-            <a:ext cx="8229600" cy="619125"/>
-          </a:xfrm>
-        </p:spPr>
-        <p:txBody>
-          <a:bodyPr>
-            <a:normAutofit/>
-          </a:bodyPr>
-          <a:lstStyle/>
-          <a:p>
-            <a:pPr>
-              <a:defRPr/>
-            </a:pPr>
-            <a:r>
-              <a:rPr lang="pt-BR" b="1" dirty="0"/>
-              <a:t>Modelo de câmera </a:t>
-            </a:r>
-            <a:r>
-              <a:rPr lang="pt-BR" b="1"/>
-              <a:t>Pinhole</a:t>
-            </a:r>
-            <a:endParaRPr lang="pt-BR" b="1" dirty="0"/>
-          </a:p>
-        </p:txBody>
-      </p:sp>
-      <p:sp>
-        <p:nvSpPr>
-          <p:cNvPr id="16388" name="Text Box 4"/>
-          <p:cNvSpPr txBox="1">
-            <a:spLocks noChangeArrowheads="1"/>
-          </p:cNvSpPr>
-          <p:nvPr/>
-        </p:nvSpPr>
-        <p:spPr bwMode="auto">
-          <a:xfrm>
-            <a:off x="161925" y="85725"/>
-            <a:ext cx="7229475" cy="352425"/>
-          </a:xfrm>
-          <a:prstGeom prst="rect">
-            <a:avLst/>
-          </a:prstGeom>
-        </p:spPr>
-        <p:txBody>
-          <a:bodyPr>
-            <a:normAutofit/>
-          </a:bodyPr>
-          <a:lstStyle/>
-          <a:p>
-            <a:pPr>
-              <a:spcAft>
-                <a:spcPts val="600"/>
-              </a:spcAft>
-              <a:defRPr/>
-            </a:pPr>
-            <a:r>
-              <a:rPr lang="pt-BR" sz="1300" b="1">
-                <a:solidFill>
-                  <a:srgbClr val="BCBEC0"/>
-                </a:solidFill>
-                <a:latin typeface="Verdana"/>
-                <a:ea typeface="Verdana"/>
-              </a:rPr>
-              <a:t>Extraído de </a:t>
-            </a:r>
-            <a:r>
-              <a:rPr lang="pt-BR" sz="1300" b="1" u="sng">
-                <a:solidFill>
-                  <a:srgbClr val="BCBEC0"/>
-                </a:solidFill>
-                <a:latin typeface="Verdana"/>
-                <a:ea typeface="Verdana"/>
-                <a:hlinkClick r:id="rId2" tooltip="http://pt.wikipedia.org/wiki/Câmera_pinhole"/>
-              </a:rPr>
-              <a:t>http://pt.wikipedia.org/wiki/Câmera_pinhole</a:t>
-            </a:r>
-            <a:r>
-              <a:rPr lang="pt-BR" sz="1300" b="1">
-                <a:solidFill>
-                  <a:srgbClr val="BCBEC0"/>
-                </a:solidFill>
-                <a:latin typeface="Verdana"/>
-                <a:ea typeface="Verdana"/>
-              </a:rPr>
-              <a:t> </a:t>
-            </a:r>
-          </a:p>
-        </p:txBody>
-      </p:sp>
-      <p:sp>
-        <p:nvSpPr>
-          <p:cNvPr id="5" name="CaixaDeTexto 4"/>
-          <p:cNvSpPr txBox="1"/>
-          <p:nvPr/>
-        </p:nvSpPr>
-        <p:spPr bwMode="auto">
-          <a:xfrm>
-            <a:off x="657225" y="1476375"/>
-            <a:ext cx="3971925" cy="4667250"/>
-          </a:xfrm>
-          <a:prstGeom prst="rect">
-            <a:avLst/>
-          </a:prstGeom>
-        </p:spPr>
-        <p:txBody>
-          <a:bodyPr rtlCol="0">
-            <a:normAutofit/>
-          </a:bodyPr>
-          <a:lstStyle/>
-          <a:p>
-            <a:pPr>
-              <a:spcAft>
-                <a:spcPts val="600"/>
-              </a:spcAft>
-              <a:defRPr/>
-            </a:pPr>
-            <a:r>
-              <a:rPr lang="pt-BR" dirty="0">
-                <a:latin typeface="Verdana"/>
-                <a:ea typeface="Verdana"/>
-              </a:rPr>
-              <a:t>Os raios de luz passam por um único orifício pontual e são projetados no fundo da caixa, onde se encontra o sensor de imagem</a:t>
-            </a:r>
-          </a:p>
-        </p:txBody>
-      </p:sp>
-      <p:pic>
-        <p:nvPicPr>
-          <p:cNvPr id="16387" name="Picture 3" descr="Ficheiro:Pinhole-camera.svg"/>
-          <p:cNvPicPr>
-            <a:picLocks noChangeAspect="1" noChangeArrowheads="1"/>
-          </p:cNvPicPr>
-          <p:nvPr/>
-        </p:nvPicPr>
-        <p:blipFill>
-          <a:blip r:embed="rId3"/>
-          <a:stretch/>
-        </p:blipFill>
-        <p:spPr bwMode="auto">
-          <a:xfrm>
-            <a:off x="4714875" y="2459343"/>
-            <a:ext cx="3971925" cy="2710838"/>
-          </a:xfrm>
-          <a:prstGeom prst="rect">
-            <a:avLst/>
-          </a:prstGeom>
-          <a:noFill/>
-        </p:spPr>
-      </p:pic>
-      <p:sp>
-        <p:nvSpPr>
-          <p:cNvPr id="16393" name="Slide Number Placeholder 5">
-            <a:extLst>
-              <a:ext uri="{FF2B5EF4-FFF2-40B4-BE49-F238E27FC236}">
-                <a16:creationId xmlns:a16="http://schemas.microsoft.com/office/drawing/2014/main" id="{45FF3F64-3C0B-C30F-F72A-1202112D3C44}"/>
-              </a:ext>
-            </a:extLst>
-          </p:cNvPr>
-          <p:cNvSpPr>
-            <a:spLocks noGrp="1"/>
-          </p:cNvSpPr>
-          <p:nvPr>
-            <p:ph type="sldNum" sz="quarter" idx="12"/>
-          </p:nvPr>
-        </p:nvSpPr>
-        <p:spPr>
-          <a:xfrm>
-            <a:off x="6553200" y="6194424"/>
-            <a:ext cx="2133600" cy="365125"/>
-          </a:xfrm>
-        </p:spPr>
-        <p:txBody>
-          <a:bodyPr>
-            <a:normAutofit/>
-          </a:bodyPr>
-          <a:lstStyle/>
-          <a:p>
-            <a:pPr>
-              <a:spcAft>
-                <a:spcPts val="600"/>
-              </a:spcAft>
-              <a:defRPr/>
-            </a:pPr>
-            <a:fld id="{A33A0801-BB33-4F6A-ADD2-35B07A2D74D7}" type="slidenum">
-              <a:rPr lang="pt-BR">
-                <a:latin typeface="+mn-lt"/>
-                <a:ea typeface="+mn-ea"/>
-                <a:cs typeface="+mn-cs"/>
-              </a:rPr>
-              <a:pPr>
-                <a:spcAft>
-                  <a:spcPts val="600"/>
-                </a:spcAft>
-                <a:defRPr/>
-              </a:pPr>
-              <a:t>7</a:t>
-            </a:fld>
-            <a:endParaRPr lang="pt-BR">
               <a:latin typeface="+mn-lt"/>
               <a:ea typeface="+mn-ea"/>
               <a:cs typeface="+mn-cs"/>
@@ -12876,1241 +9967,9 @@
         </p:txBody>
       </p:sp>
     </p:spTree>
-  </p:cSld>
-  <p:clrMapOvr>
-    <a:masterClrMapping/>
-  </p:clrMapOvr>
-</p:sld>
-</file>
-
-<file path=ppt/slides/slide8.xml><?xml version="1.0" encoding="utf-8"?>
-<p:sld xmlns:a="http://schemas.openxmlformats.org/drawingml/2006/main" xmlns:r="http://schemas.openxmlformats.org/officeDocument/2006/relationships" xmlns:p="http://schemas.openxmlformats.org/presentationml/2006/main" showMasterPhAnim="0">
-  <p:cSld>
-    <p:spTree>
-      <p:nvGrpSpPr>
-        <p:cNvPr id="1" name=""/>
-        <p:cNvGrpSpPr/>
-        <p:nvPr/>
-      </p:nvGrpSpPr>
-      <p:grpSpPr bwMode="auto">
-        <a:xfrm>
-          <a:off x="0" y="0"/>
-          <a:ext cx="0" cy="0"/>
-          <a:chOff x="0" y="0"/>
-          <a:chExt cx="0" cy="0"/>
-        </a:xfrm>
-      </p:grpSpPr>
-      <mc:AlternateContent xmlns:mc="http://schemas.openxmlformats.org/markup-compatibility/2006" xmlns:a14="http://schemas.microsoft.com/office/drawing/2010/main">
-        <mc:Choice Requires="a14">
-          <p:sp>
-            <p:nvSpPr>
-              <p:cNvPr id="856773958" name="Retângulo 856773957"/>
-              <p:cNvSpPr/>
-              <p:nvPr/>
-            </p:nvSpPr>
-            <p:spPr bwMode="auto">
-              <a:xfrm>
-                <a:off x="6329961" y="4952897"/>
-                <a:ext cx="1769111" cy="1025345"/>
-              </a:xfrm>
-              <a:prstGeom prst="rect">
-                <a:avLst/>
-              </a:prstGeom>
-              <a:noFill/>
-              <a:ln>
-                <a:noFill/>
-              </a:ln>
-            </p:spPr>
-            <p:txBody>
-              <a:bodyPr rot="0" spcFirstLastPara="0" vertOverflow="overflow" horzOverflow="overflow" vert="horz" wrap="square" lIns="91440" tIns="45720" rIns="91440" bIns="45720" numCol="1" spcCol="0" rtlCol="0" fromWordArt="0" anchor="ctr" anchorCtr="0" forceAA="0" compatLnSpc="1">
-                <a:prstTxWarp prst="textNoShape">
-                  <a:avLst/>
-                </a:prstTxWarp>
-                <a:spAutoFit/>
-              </a:bodyPr>
-              <a:lstStyle/>
-              <a:p>
-                <a:pPr algn="ctr">
-                  <a:defRPr/>
-                </a:pPr>
-                <a14:m>
-                  <m:oMathPara xmlns:m="http://schemas.openxmlformats.org/officeDocument/2006/math">
-                    <m:oMathParaPr>
-                      <m:jc m:val="center"/>
-                    </m:oMathParaPr>
-                    <m:oMath xmlns:m="http://schemas.openxmlformats.org/officeDocument/2006/math">
-                      <m:r>
-                        <a:rPr sz="3200" b="1" i="1">
-                          <a:latin typeface="Cambria Math"/>
-                          <a:ea typeface="Cambria Math"/>
-                        </a:rPr>
-                        <m:t>𝐡</m:t>
-                      </m:r>
-                      <m:r>
-                        <a:rPr sz="3200" b="1">
-                          <a:latin typeface="Cambria Math"/>
-                          <a:ea typeface="Cambria Math"/>
-                        </a:rPr>
-                        <m:t>=</m:t>
-                      </m:r>
-                      <m:f>
-                        <m:fPr>
-                          <m:ctrlPr>
-                            <a:rPr sz="4000" b="1" i="1">
-                              <a:latin typeface="Cambria Math" panose="02040503050406030204" pitchFamily="18" charset="0"/>
-                            </a:rPr>
-                          </m:ctrlPr>
-                        </m:fPr>
-                        <m:num>
-                          <m:r>
-                            <a:rPr sz="3200" b="1" i="1">
-                              <a:latin typeface="Cambria Math"/>
-                              <a:ea typeface="Cambria Math"/>
-                            </a:rPr>
-                            <m:t>𝐟</m:t>
-                          </m:r>
-                        </m:num>
-                        <m:den>
-                          <m:r>
-                            <a:rPr sz="3200" b="1" i="1">
-                              <a:latin typeface="Cambria Math"/>
-                              <a:ea typeface="Cambria Math"/>
-                            </a:rPr>
-                            <m:t>𝐃</m:t>
-                          </m:r>
-                        </m:den>
-                      </m:f>
-                      <m:r>
-                        <a:rPr sz="3200" b="1" i="1">
-                          <a:latin typeface="Cambria Math"/>
-                          <a:ea typeface="Cambria Math"/>
-                        </a:rPr>
-                        <m:t>𝐇</m:t>
-                      </m:r>
-                    </m:oMath>
-                  </m:oMathPara>
-                </a14:m>
-                <a:endParaRPr sz="4000" b="1"/>
-              </a:p>
-            </p:txBody>
-          </p:sp>
-        </mc:Choice>
-        <mc:Fallback xmlns="">
-          <p:sp>
-            <p:nvSpPr>
-              <p:cNvPr id="856773958" name="Retângulo 856773957"/>
-              <p:cNvSpPr>
-                <a:spLocks noRot="1" noChangeAspect="1" noMove="1" noResize="1" noEditPoints="1" noAdjustHandles="1" noChangeArrowheads="1" noChangeShapeType="1" noTextEdit="1"/>
-              </p:cNvSpPr>
-              <p:nvPr/>
-            </p:nvSpPr>
-            <p:spPr bwMode="auto">
-              <a:xfrm>
-                <a:off x="6329961" y="4952897"/>
-                <a:ext cx="1769111" cy="1025345"/>
-              </a:xfrm>
-              <a:prstGeom prst="rect">
-                <a:avLst/>
-              </a:prstGeom>
-              <a:blipFill>
-                <a:blip r:embed="rId2"/>
-                <a:stretch>
-                  <a:fillRect/>
-                </a:stretch>
-              </a:blipFill>
-              <a:ln>
-                <a:noFill/>
-              </a:ln>
-            </p:spPr>
-            <p:txBody>
-              <a:bodyPr/>
-              <a:lstStyle/>
-              <a:p>
-                <a:r>
-                  <a:rPr lang="pt-BR">
-                    <a:noFill/>
-                  </a:rPr>
-                  <a:t> </a:t>
-                </a:r>
-              </a:p>
-            </p:txBody>
-          </p:sp>
-        </mc:Fallback>
-      </mc:AlternateContent>
-      <p:sp>
-        <p:nvSpPr>
-          <p:cNvPr id="18435" name="Line 3"/>
-          <p:cNvSpPr>
-            <a:spLocks noChangeShapeType="1"/>
-          </p:cNvSpPr>
-          <p:nvPr/>
-        </p:nvSpPr>
-        <p:spPr bwMode="auto">
-          <a:xfrm>
-            <a:off x="3132137" y="3063204"/>
-            <a:ext cx="4464049" cy="0"/>
-          </a:xfrm>
-          <a:prstGeom prst="line">
-            <a:avLst/>
-          </a:prstGeom>
-          <a:noFill/>
-          <a:ln w="6350">
-            <a:solidFill>
-              <a:schemeClr val="tx1"/>
-            </a:solidFill>
-            <a:round/>
-            <a:headEnd/>
-            <a:tailEnd/>
-          </a:ln>
-          <a:effectLst/>
-        </p:spPr>
-        <p:txBody>
-          <a:bodyPr wrap="square" anchor="ctr"/>
-          <a:lstStyle/>
-          <a:p>
-            <a:pPr>
-              <a:defRPr/>
-            </a:pPr>
-            <a:endParaRPr lang="pt-BR"/>
-          </a:p>
-        </p:txBody>
-      </p:sp>
-      <p:sp>
-        <p:nvSpPr>
-          <p:cNvPr id="18436" name="Line 4"/>
-          <p:cNvSpPr>
-            <a:spLocks noChangeShapeType="1"/>
-          </p:cNvSpPr>
-          <p:nvPr/>
-        </p:nvSpPr>
-        <p:spPr bwMode="auto">
-          <a:xfrm flipV="1">
-            <a:off x="3132137" y="1407440"/>
-            <a:ext cx="4464049" cy="1655762"/>
-          </a:xfrm>
-          <a:prstGeom prst="line">
-            <a:avLst/>
-          </a:prstGeom>
-          <a:noFill/>
-          <a:ln w="6350">
-            <a:solidFill>
-              <a:schemeClr val="tx1"/>
-            </a:solidFill>
-            <a:round/>
-            <a:headEnd/>
-            <a:tailEnd/>
-          </a:ln>
-          <a:effectLst/>
-        </p:spPr>
-        <p:txBody>
-          <a:bodyPr wrap="square" anchor="ctr"/>
-          <a:lstStyle/>
-          <a:p>
-            <a:pPr>
-              <a:defRPr/>
-            </a:pPr>
-            <a:endParaRPr lang="pt-BR"/>
-          </a:p>
-        </p:txBody>
-      </p:sp>
-      <p:sp>
-        <p:nvSpPr>
-          <p:cNvPr id="18437" name="Line 5"/>
-          <p:cNvSpPr>
-            <a:spLocks noChangeShapeType="1"/>
-          </p:cNvSpPr>
-          <p:nvPr/>
-        </p:nvSpPr>
-        <p:spPr bwMode="auto">
-          <a:xfrm flipV="1">
-            <a:off x="7596187" y="1407440"/>
-            <a:ext cx="0" cy="1655762"/>
-          </a:xfrm>
-          <a:prstGeom prst="line">
-            <a:avLst/>
-          </a:prstGeom>
-          <a:noFill/>
-          <a:ln w="76200">
-            <a:solidFill>
-              <a:srgbClr val="FF0000"/>
-            </a:solidFill>
-            <a:round/>
-            <a:headEnd/>
-            <a:tailEnd type="triangle" w="med" len="med"/>
-          </a:ln>
-          <a:effectLst/>
-        </p:spPr>
-        <p:txBody>
-          <a:bodyPr wrap="square" anchor="ctr"/>
-          <a:lstStyle/>
-          <a:p>
-            <a:pPr>
-              <a:defRPr/>
-            </a:pPr>
-            <a:endParaRPr lang="pt-BR"/>
-          </a:p>
-        </p:txBody>
-      </p:sp>
-      <p:sp>
-        <p:nvSpPr>
-          <p:cNvPr id="18438" name="Line 6"/>
-          <p:cNvSpPr>
-            <a:spLocks noChangeShapeType="1"/>
-          </p:cNvSpPr>
-          <p:nvPr/>
-        </p:nvSpPr>
-        <p:spPr bwMode="auto">
-          <a:xfrm flipV="1">
-            <a:off x="3132137" y="3639465"/>
-            <a:ext cx="4464049" cy="0"/>
-          </a:xfrm>
-          <a:prstGeom prst="line">
-            <a:avLst/>
-          </a:prstGeom>
-          <a:noFill/>
-          <a:ln w="6350">
-            <a:solidFill>
-              <a:schemeClr val="tx1"/>
-            </a:solidFill>
-            <a:round/>
-            <a:headEnd/>
-            <a:tailEnd type="triangle" w="med" len="med"/>
-          </a:ln>
-          <a:effectLst/>
-        </p:spPr>
-        <p:txBody>
-          <a:bodyPr wrap="square" anchor="ctr"/>
-          <a:lstStyle/>
-          <a:p>
-            <a:pPr>
-              <a:defRPr/>
-            </a:pPr>
-            <a:endParaRPr lang="pt-BR"/>
-          </a:p>
-        </p:txBody>
-      </p:sp>
-      <p:sp>
-        <p:nvSpPr>
-          <p:cNvPr id="18439" name="Line 7"/>
-          <p:cNvSpPr>
-            <a:spLocks noChangeShapeType="1"/>
-          </p:cNvSpPr>
-          <p:nvPr/>
-        </p:nvSpPr>
-        <p:spPr bwMode="auto">
-          <a:xfrm flipV="1">
-            <a:off x="5075237" y="2344065"/>
-            <a:ext cx="0" cy="719137"/>
-          </a:xfrm>
-          <a:prstGeom prst="line">
-            <a:avLst/>
-          </a:prstGeom>
-          <a:noFill/>
-          <a:ln w="38100">
-            <a:solidFill>
-              <a:srgbClr val="FF0000"/>
-            </a:solidFill>
-            <a:round/>
-            <a:headEnd/>
-            <a:tailEnd type="triangle" w="med" len="med"/>
-          </a:ln>
-          <a:effectLst/>
-        </p:spPr>
-        <p:txBody>
-          <a:bodyPr wrap="square" anchor="ctr"/>
-          <a:lstStyle/>
-          <a:p>
-            <a:pPr>
-              <a:defRPr/>
-            </a:pPr>
-            <a:endParaRPr lang="pt-BR"/>
-          </a:p>
-        </p:txBody>
-      </p:sp>
-      <p:sp>
-        <p:nvSpPr>
-          <p:cNvPr id="18440" name="Text Box 8"/>
-          <p:cNvSpPr txBox="1">
-            <a:spLocks noChangeArrowheads="1"/>
-          </p:cNvSpPr>
-          <p:nvPr/>
-        </p:nvSpPr>
-        <p:spPr bwMode="auto">
-          <a:xfrm>
-            <a:off x="5219699" y="2631403"/>
-            <a:ext cx="431870" cy="365795"/>
-          </a:xfrm>
-          <a:prstGeom prst="rect">
-            <a:avLst/>
-          </a:prstGeom>
-          <a:noFill/>
-          <a:ln>
-            <a:noFill/>
-          </a:ln>
-          <a:effectLst/>
-        </p:spPr>
-        <p:txBody>
-          <a:bodyPr>
-            <a:spAutoFit/>
-          </a:bodyPr>
-          <a:lstStyle/>
-          <a:p>
-            <a:pPr>
-              <a:spcBef>
-                <a:spcPts val="0"/>
-              </a:spcBef>
-              <a:defRPr/>
-            </a:pPr>
-            <a:r>
-              <a:rPr lang="pt-BR" dirty="0"/>
-              <a:t>h</a:t>
-            </a:r>
-            <a:endParaRPr dirty="0"/>
-          </a:p>
-        </p:txBody>
-      </p:sp>
-      <p:sp>
-        <p:nvSpPr>
-          <p:cNvPr id="18441" name="Text Box 9"/>
-          <p:cNvSpPr txBox="1">
-            <a:spLocks noChangeArrowheads="1"/>
-          </p:cNvSpPr>
-          <p:nvPr/>
-        </p:nvSpPr>
-        <p:spPr bwMode="auto">
-          <a:xfrm>
-            <a:off x="7667624" y="2271040"/>
-            <a:ext cx="431870" cy="365795"/>
-          </a:xfrm>
-          <a:prstGeom prst="rect">
-            <a:avLst/>
-          </a:prstGeom>
-          <a:noFill/>
-          <a:ln>
-            <a:noFill/>
-          </a:ln>
-          <a:effectLst/>
-        </p:spPr>
-        <p:txBody>
-          <a:bodyPr>
-            <a:spAutoFit/>
-          </a:bodyPr>
-          <a:lstStyle/>
-          <a:p>
-            <a:pPr>
-              <a:spcBef>
-                <a:spcPts val="0"/>
-              </a:spcBef>
-              <a:defRPr/>
-            </a:pPr>
-            <a:r>
-              <a:rPr lang="pt-BR"/>
-              <a:t>H</a:t>
-            </a:r>
-            <a:endParaRPr/>
-          </a:p>
-        </p:txBody>
-      </p:sp>
-      <p:sp>
-        <p:nvSpPr>
-          <p:cNvPr id="18442" name="Line 10"/>
-          <p:cNvSpPr>
-            <a:spLocks noChangeShapeType="1"/>
-          </p:cNvSpPr>
-          <p:nvPr/>
-        </p:nvSpPr>
-        <p:spPr bwMode="auto">
-          <a:xfrm>
-            <a:off x="3132137" y="3207665"/>
-            <a:ext cx="1943100" cy="0"/>
-          </a:xfrm>
-          <a:prstGeom prst="line">
-            <a:avLst/>
-          </a:prstGeom>
-          <a:noFill/>
-          <a:ln w="6350">
-            <a:solidFill>
-              <a:schemeClr val="tx1"/>
-            </a:solidFill>
-            <a:round/>
-            <a:headEnd/>
-            <a:tailEnd type="triangle" w="med" len="med"/>
-          </a:ln>
-          <a:effectLst/>
-        </p:spPr>
-        <p:txBody>
-          <a:bodyPr wrap="square" anchor="ctr"/>
-          <a:lstStyle/>
-          <a:p>
-            <a:pPr>
-              <a:defRPr/>
-            </a:pPr>
-            <a:endParaRPr lang="pt-BR"/>
-          </a:p>
-        </p:txBody>
-      </p:sp>
-      <p:sp>
-        <p:nvSpPr>
-          <p:cNvPr id="18444" name="Text Box 12"/>
-          <p:cNvSpPr txBox="1">
-            <a:spLocks noChangeArrowheads="1"/>
-          </p:cNvSpPr>
-          <p:nvPr/>
-        </p:nvSpPr>
-        <p:spPr bwMode="auto">
-          <a:xfrm>
-            <a:off x="5030787" y="3639465"/>
-            <a:ext cx="351449" cy="365795"/>
-          </a:xfrm>
-          <a:prstGeom prst="rect">
-            <a:avLst/>
-          </a:prstGeom>
-          <a:noFill/>
-          <a:ln>
-            <a:noFill/>
-          </a:ln>
-          <a:effectLst/>
-        </p:spPr>
-        <p:txBody>
-          <a:bodyPr wrap="square">
-            <a:spAutoFit/>
-          </a:bodyPr>
-          <a:lstStyle/>
-          <a:p>
-            <a:pPr>
-              <a:defRPr/>
-            </a:pPr>
-            <a:r>
-              <a:rPr lang="pt-BR">
-                <a:latin typeface="Times New Roman"/>
-                <a:cs typeface="Times New Roman"/>
-              </a:rPr>
-              <a:t>D</a:t>
-            </a:r>
-            <a:endParaRPr/>
-          </a:p>
-        </p:txBody>
-      </p:sp>
-      <p:sp>
-        <p:nvSpPr>
-          <p:cNvPr id="18445" name="Line 13"/>
-          <p:cNvSpPr>
-            <a:spLocks noChangeShapeType="1"/>
-          </p:cNvSpPr>
-          <p:nvPr/>
-        </p:nvSpPr>
-        <p:spPr bwMode="auto">
-          <a:xfrm flipH="1">
-            <a:off x="1331912" y="3063204"/>
-            <a:ext cx="1800225" cy="0"/>
-          </a:xfrm>
-          <a:prstGeom prst="line">
-            <a:avLst/>
-          </a:prstGeom>
-          <a:noFill/>
-          <a:ln w="6350">
-            <a:solidFill>
-              <a:schemeClr val="tx1"/>
-            </a:solidFill>
-            <a:round/>
-            <a:headEnd/>
-            <a:tailEnd/>
-          </a:ln>
-          <a:effectLst/>
-        </p:spPr>
-        <p:txBody>
-          <a:bodyPr wrap="square" anchor="ctr"/>
-          <a:lstStyle/>
-          <a:p>
-            <a:pPr>
-              <a:defRPr/>
-            </a:pPr>
-            <a:endParaRPr lang="pt-BR"/>
-          </a:p>
-        </p:txBody>
-      </p:sp>
-      <p:sp>
-        <p:nvSpPr>
-          <p:cNvPr id="18446" name="Line 14"/>
-          <p:cNvSpPr>
-            <a:spLocks noChangeShapeType="1"/>
-          </p:cNvSpPr>
-          <p:nvPr/>
-        </p:nvSpPr>
-        <p:spPr bwMode="auto">
-          <a:xfrm>
-            <a:off x="1331912" y="3063203"/>
-            <a:ext cx="0" cy="792162"/>
-          </a:xfrm>
-          <a:prstGeom prst="line">
-            <a:avLst/>
-          </a:prstGeom>
-          <a:noFill/>
-          <a:ln w="38100">
-            <a:solidFill>
-              <a:srgbClr val="FF0000"/>
-            </a:solidFill>
-            <a:round/>
-            <a:headEnd/>
-            <a:tailEnd type="triangle" w="med" len="med"/>
-          </a:ln>
-          <a:effectLst/>
-        </p:spPr>
-        <p:txBody>
-          <a:bodyPr wrap="square" anchor="ctr"/>
-          <a:lstStyle/>
-          <a:p>
-            <a:pPr>
-              <a:defRPr/>
-            </a:pPr>
-            <a:endParaRPr lang="pt-BR"/>
-          </a:p>
-        </p:txBody>
-      </p:sp>
-      <p:sp>
-        <p:nvSpPr>
-          <p:cNvPr id="18447" name="Line 15"/>
-          <p:cNvSpPr>
-            <a:spLocks noChangeShapeType="1"/>
-          </p:cNvSpPr>
-          <p:nvPr/>
-        </p:nvSpPr>
-        <p:spPr bwMode="auto">
-          <a:xfrm flipH="1">
-            <a:off x="1331912" y="3063203"/>
-            <a:ext cx="1800225" cy="792162"/>
-          </a:xfrm>
-          <a:prstGeom prst="line">
-            <a:avLst/>
-          </a:prstGeom>
-          <a:noFill/>
-          <a:ln w="6350">
-            <a:solidFill>
-              <a:schemeClr val="tx1"/>
-            </a:solidFill>
-            <a:round/>
-            <a:headEnd/>
-            <a:tailEnd/>
-          </a:ln>
-          <a:effectLst/>
-        </p:spPr>
-        <p:txBody>
-          <a:bodyPr wrap="square" anchor="ctr"/>
-          <a:lstStyle/>
-          <a:p>
-            <a:pPr>
-              <a:defRPr/>
-            </a:pPr>
-            <a:endParaRPr lang="pt-BR"/>
-          </a:p>
-        </p:txBody>
-      </p:sp>
-      <p:sp>
-        <p:nvSpPr>
-          <p:cNvPr id="18453" name="Rectangle 21"/>
-          <p:cNvSpPr>
-            <a:spLocks noChangeArrowheads="1"/>
-          </p:cNvSpPr>
-          <p:nvPr/>
-        </p:nvSpPr>
-        <p:spPr bwMode="auto">
-          <a:xfrm>
-            <a:off x="1331912" y="2199603"/>
-            <a:ext cx="1800225" cy="1800225"/>
-          </a:xfrm>
-          <a:prstGeom prst="rect">
-            <a:avLst/>
-          </a:prstGeom>
-          <a:solidFill>
-            <a:srgbClr val="FFFF00">
-              <a:alpha val="39999"/>
-            </a:srgbClr>
-          </a:solidFill>
-          <a:ln w="6350" algn="ctr">
-            <a:solidFill>
-              <a:schemeClr val="tx1"/>
-            </a:solidFill>
-            <a:miter lim="800000"/>
-            <a:headEnd/>
-            <a:tailEnd/>
-          </a:ln>
-          <a:effectLst/>
-        </p:spPr>
-        <p:txBody>
-          <a:bodyPr wrap="square" anchor="ctr"/>
-          <a:lstStyle/>
-          <a:p>
-            <a:pPr>
-              <a:defRPr/>
-            </a:pPr>
-            <a:endParaRPr lang="pt-BR"/>
-          </a:p>
-        </p:txBody>
-      </p:sp>
-      <p:sp>
-        <p:nvSpPr>
-          <p:cNvPr id="18454" name="Oval 22"/>
-          <p:cNvSpPr>
-            <a:spLocks noChangeArrowheads="1"/>
-          </p:cNvSpPr>
-          <p:nvPr/>
-        </p:nvSpPr>
-        <p:spPr bwMode="auto">
-          <a:xfrm>
-            <a:off x="3059112" y="2991765"/>
-            <a:ext cx="73024" cy="144462"/>
-          </a:xfrm>
-          <a:prstGeom prst="ellipse">
-            <a:avLst/>
-          </a:prstGeom>
-          <a:solidFill>
-            <a:schemeClr val="tx1"/>
-          </a:solidFill>
-          <a:ln w="6350" algn="ctr">
-            <a:solidFill>
-              <a:schemeClr val="tx1"/>
-            </a:solidFill>
-            <a:round/>
-            <a:headEnd/>
-            <a:tailEnd/>
-          </a:ln>
-          <a:effectLst/>
-        </p:spPr>
-        <p:txBody>
-          <a:bodyPr wrap="square" anchor="ctr"/>
-          <a:lstStyle/>
-          <a:p>
-            <a:pPr>
-              <a:defRPr/>
-            </a:pPr>
-            <a:endParaRPr lang="pt-BR"/>
-          </a:p>
-        </p:txBody>
-      </p:sp>
-      <p:sp>
-        <p:nvSpPr>
-          <p:cNvPr id="18455" name="AutoShape 23"/>
-          <p:cNvSpPr/>
-          <p:nvPr/>
-        </p:nvSpPr>
-        <p:spPr bwMode="auto">
-          <a:xfrm>
-            <a:off x="684212" y="1478878"/>
-            <a:ext cx="1111249" cy="609599"/>
-          </a:xfrm>
-          <a:prstGeom prst="borderCallout3">
-            <a:avLst>
-              <a:gd name="adj1" fmla="val 18750"/>
-              <a:gd name="adj2" fmla="val -6856"/>
-              <a:gd name="adj3" fmla="val 18750"/>
-              <a:gd name="adj4" fmla="val -18856"/>
-              <a:gd name="adj5" fmla="val 162759"/>
-              <a:gd name="adj6" fmla="val -18856"/>
-              <a:gd name="adj7" fmla="val 307292"/>
-              <a:gd name="adj8" fmla="val 51713"/>
-            </a:avLst>
-          </a:prstGeom>
-          <a:solidFill>
-            <a:srgbClr val="CCFFCC"/>
-          </a:solidFill>
-          <a:ln w="6350" algn="ctr">
-            <a:solidFill>
-              <a:schemeClr val="tx1"/>
-            </a:solidFill>
-            <a:miter lim="800000"/>
-            <a:headEnd/>
-            <a:tailEnd type="triangle" w="med" len="med"/>
-          </a:ln>
-          <a:effectLst/>
-        </p:spPr>
-        <p:txBody>
-          <a:bodyPr anchor="ctr"/>
-          <a:lstStyle/>
-          <a:p>
-            <a:pPr>
-              <a:defRPr/>
-            </a:pPr>
-            <a:r>
-              <a:rPr lang="pt-BR" sz="1200"/>
-              <a:t>Plano da imagem real</a:t>
-            </a:r>
-            <a:endParaRPr/>
-          </a:p>
-        </p:txBody>
-      </p:sp>
-      <p:sp>
-        <p:nvSpPr>
-          <p:cNvPr id="18456" name="AutoShape 24"/>
-          <p:cNvSpPr/>
-          <p:nvPr/>
-        </p:nvSpPr>
-        <p:spPr bwMode="auto">
-          <a:xfrm>
-            <a:off x="3563937" y="1551902"/>
-            <a:ext cx="1111249" cy="609599"/>
-          </a:xfrm>
-          <a:prstGeom prst="borderCallout3">
-            <a:avLst>
-              <a:gd name="adj1" fmla="val 18750"/>
-              <a:gd name="adj2" fmla="val -6856"/>
-              <a:gd name="adj3" fmla="val 18750"/>
-              <a:gd name="adj4" fmla="val -18856"/>
-              <a:gd name="adj5" fmla="val 110417"/>
-              <a:gd name="adj6" fmla="val -18856"/>
-              <a:gd name="adj7" fmla="val 202343"/>
-              <a:gd name="adj8" fmla="val 128287"/>
-            </a:avLst>
-          </a:prstGeom>
-          <a:solidFill>
-            <a:srgbClr val="CCFFCC"/>
-          </a:solidFill>
-          <a:ln w="6350" algn="ctr">
-            <a:solidFill>
-              <a:schemeClr val="tx1"/>
-            </a:solidFill>
-            <a:miter lim="800000"/>
-            <a:headEnd/>
-            <a:tailEnd type="triangle" w="med" len="med"/>
-          </a:ln>
-          <a:effectLst/>
-        </p:spPr>
-        <p:txBody>
-          <a:bodyPr anchor="ctr"/>
-          <a:lstStyle/>
-          <a:p>
-            <a:pPr>
-              <a:defRPr/>
-            </a:pPr>
-            <a:r>
-              <a:rPr lang="pt-BR" sz="1200"/>
-              <a:t>Plano da imagem virtual</a:t>
-            </a:r>
-            <a:endParaRPr/>
-          </a:p>
-        </p:txBody>
-      </p:sp>
-      <p:sp>
-        <p:nvSpPr>
-          <p:cNvPr id="18457" name="AutoShape 25"/>
-          <p:cNvSpPr/>
-          <p:nvPr/>
-        </p:nvSpPr>
-        <p:spPr bwMode="auto">
-          <a:xfrm>
-            <a:off x="6516687" y="2271040"/>
-            <a:ext cx="823911" cy="431798"/>
-          </a:xfrm>
-          <a:prstGeom prst="borderCallout3">
-            <a:avLst>
-              <a:gd name="adj1" fmla="val 26472"/>
-              <a:gd name="adj2" fmla="val -9250"/>
-              <a:gd name="adj3" fmla="val 26472"/>
-              <a:gd name="adj4" fmla="val -34491"/>
-              <a:gd name="adj5" fmla="val -41176"/>
-              <a:gd name="adj6" fmla="val -34491"/>
-              <a:gd name="adj7" fmla="val -110296"/>
-              <a:gd name="adj8" fmla="val 121000"/>
-            </a:avLst>
-          </a:prstGeom>
-          <a:solidFill>
-            <a:srgbClr val="CCFFCC"/>
-          </a:solidFill>
-          <a:ln w="6350" algn="ctr">
-            <a:solidFill>
-              <a:schemeClr val="tx1"/>
-            </a:solidFill>
-            <a:miter lim="800000"/>
-            <a:headEnd/>
-            <a:tailEnd type="triangle" w="med" len="med"/>
-          </a:ln>
-          <a:effectLst/>
-        </p:spPr>
-        <p:txBody>
-          <a:bodyPr anchor="ctr"/>
-          <a:lstStyle/>
-          <a:p>
-            <a:pPr>
-              <a:defRPr/>
-            </a:pPr>
-            <a:r>
-              <a:rPr lang="pt-BR" sz="1200"/>
-              <a:t>Objeto</a:t>
-            </a:r>
-            <a:endParaRPr/>
-          </a:p>
-        </p:txBody>
-      </p:sp>
-      <mc:AlternateContent xmlns:mc="http://schemas.openxmlformats.org/markup-compatibility/2006" xmlns:a14="http://schemas.microsoft.com/office/drawing/2010/main">
-        <mc:Choice Requires="a14">
-          <p:sp>
-            <p:nvSpPr>
-              <p:cNvPr id="688320724" name="Retângulo 688320723"/>
-              <p:cNvSpPr/>
-              <p:nvPr/>
-            </p:nvSpPr>
-            <p:spPr bwMode="auto">
-              <a:xfrm>
-                <a:off x="4114486" y="3252676"/>
-                <a:ext cx="266740" cy="276432"/>
-              </a:xfrm>
-              <a:prstGeom prst="rect">
-                <a:avLst/>
-              </a:prstGeom>
-              <a:noFill/>
-              <a:ln>
-                <a:noFill/>
-              </a:ln>
-            </p:spPr>
-            <p:txBody>
-              <a:bodyPr rot="0" spcFirstLastPara="0" vertOverflow="overflow" horzOverflow="overflow" vert="horz" wrap="none" lIns="91440" tIns="45720" rIns="91440" bIns="45720" numCol="1" spcCol="0" rtlCol="0" fromWordArt="0" anchor="ctr" anchorCtr="0" forceAA="0" compatLnSpc="1">
-                <a:prstTxWarp prst="textNoShape">
-                  <a:avLst/>
-                </a:prstTxWarp>
-                <a:spAutoFit/>
-              </a:bodyPr>
-              <a:lstStyle/>
-              <a:p>
-                <a:pPr algn="ctr">
-                  <a:defRPr/>
-                </a:pPr>
-                <a14:m>
-                  <m:oMathPara xmlns:m="http://schemas.openxmlformats.org/officeDocument/2006/math">
-                    <m:oMathParaPr>
-                      <m:jc m:val="center"/>
-                    </m:oMathParaPr>
-                    <m:oMath xmlns:m="http://schemas.openxmlformats.org/officeDocument/2006/math">
-                      <m:r>
-                        <a:rPr sz="1200">
-                          <a:latin typeface="Cambria Math"/>
-                          <a:ea typeface="Cambria Math"/>
-                        </a:rPr>
-                        <m:t>𝑓</m:t>
-                      </m:r>
-                    </m:oMath>
-                  </m:oMathPara>
-                </a14:m>
-                <a:endParaRPr dirty="0"/>
-              </a:p>
-            </p:txBody>
-          </p:sp>
-        </mc:Choice>
-        <mc:Fallback xmlns="">
-          <p:sp>
-            <p:nvSpPr>
-              <p:cNvPr id="688320724" name="Retângulo 688320723"/>
-              <p:cNvSpPr>
-                <a:spLocks noRot="1" noChangeAspect="1" noMove="1" noResize="1" noEditPoints="1" noAdjustHandles="1" noChangeArrowheads="1" noChangeShapeType="1" noTextEdit="1"/>
-              </p:cNvSpPr>
-              <p:nvPr/>
-            </p:nvSpPr>
-            <p:spPr bwMode="auto">
-              <a:xfrm>
-                <a:off x="4114486" y="3252676"/>
-                <a:ext cx="266740" cy="276432"/>
-              </a:xfrm>
-              <a:prstGeom prst="rect">
-                <a:avLst/>
-              </a:prstGeom>
-              <a:blipFill>
-                <a:blip r:embed="rId3"/>
-                <a:stretch>
-                  <a:fillRect b="-4444"/>
-                </a:stretch>
-              </a:blipFill>
-              <a:ln>
-                <a:noFill/>
-              </a:ln>
-            </p:spPr>
-            <p:txBody>
-              <a:bodyPr/>
-              <a:lstStyle/>
-              <a:p>
-                <a:r>
-                  <a:rPr lang="pt-BR">
-                    <a:noFill/>
-                  </a:rPr>
-                  <a:t> </a:t>
-                </a:r>
-              </a:p>
-            </p:txBody>
-          </p:sp>
-        </mc:Fallback>
-      </mc:AlternateContent>
-      <p:sp>
-        <p:nvSpPr>
-          <p:cNvPr id="499128206" name="CaixaDeTexto 499128205"/>
-          <p:cNvSpPr txBox="1"/>
-          <p:nvPr/>
-        </p:nvSpPr>
-        <p:spPr bwMode="auto">
-          <a:xfrm>
-            <a:off x="472207" y="4573980"/>
-            <a:ext cx="5896453" cy="1783180"/>
-          </a:xfrm>
-          <a:prstGeom prst="rect">
-            <a:avLst/>
-          </a:prstGeom>
-          <a:noFill/>
-        </p:spPr>
-        <p:txBody>
-          <a:bodyPr vertOverflow="overflow" horzOverflow="overflow" vert="horz" wrap="square" lIns="91440" tIns="45720" rIns="91440" bIns="45720" numCol="1" spcCol="0" rtlCol="0" fromWordArt="0" anchor="t" anchorCtr="0" forceAA="0" compatLnSpc="0">
-            <a:spAutoFit/>
-          </a:bodyPr>
-          <a:lstStyle/>
-          <a:p>
-            <a:pPr>
-              <a:defRPr/>
-            </a:pPr>
-            <a:r>
-              <a:rPr lang="pt-BR" dirty="0"/>
-              <a:t>Podemos calcular a distância de objetos na imagem através de semelhança de triângulos!</a:t>
-            </a:r>
-          </a:p>
-          <a:p>
-            <a:pPr>
-              <a:defRPr/>
-            </a:pPr>
-            <a:endParaRPr lang="pt-BR" dirty="0"/>
-          </a:p>
-          <a:p>
-            <a:pPr marL="283879" indent="-283879">
-              <a:buFont typeface="Arial"/>
-              <a:buChar char="•"/>
-              <a:defRPr/>
-            </a:pPr>
-            <a:r>
-              <a:rPr lang="pt-BR" dirty="0"/>
-              <a:t>Se tenho 3 entre f, h, H e D consigo encontrar os outros!</a:t>
-            </a:r>
-          </a:p>
-          <a:p>
-            <a:pPr marL="283879" indent="-283879">
-              <a:buFont typeface="Arial"/>
-              <a:buChar char="•"/>
-              <a:defRPr/>
-            </a:pPr>
-            <a:r>
-              <a:rPr lang="pt-BR" dirty="0"/>
-              <a:t>Calibração de uma câmera: Encontrar distancia focal.</a:t>
-            </a:r>
-          </a:p>
-          <a:p>
-            <a:pPr>
-              <a:defRPr/>
-            </a:pPr>
-            <a:endParaRPr dirty="0"/>
-          </a:p>
-        </p:txBody>
-      </p:sp>
-      <p:sp>
-        <p:nvSpPr>
-          <p:cNvPr id="2" name="Rectangle 2">
-            <a:extLst>
-              <a:ext uri="{FF2B5EF4-FFF2-40B4-BE49-F238E27FC236}">
-                <a16:creationId xmlns:a16="http://schemas.microsoft.com/office/drawing/2014/main" id="{FA99149D-DBD0-F85E-6B70-D0558EC5D552}"/>
-              </a:ext>
-            </a:extLst>
-          </p:cNvPr>
-          <p:cNvSpPr txBox="1">
-            <a:spLocks noChangeArrowheads="1"/>
-          </p:cNvSpPr>
-          <p:nvPr/>
-        </p:nvSpPr>
-        <p:spPr bwMode="auto">
-          <a:xfrm>
-            <a:off x="457200" y="781050"/>
-            <a:ext cx="8229600" cy="619125"/>
-          </a:xfrm>
-        </p:spPr>
-        <p:txBody>
-          <a:bodyPr>
-            <a:normAutofit/>
-          </a:bodyPr>
-          <a:lstStyle>
-            <a:lvl1pPr algn="l" defTabSz="914400">
-              <a:spcBef>
-                <a:spcPts val="0"/>
-              </a:spcBef>
-              <a:buNone/>
-              <a:defRPr sz="3200">
-                <a:solidFill>
-                  <a:srgbClr val="C00026"/>
-                </a:solidFill>
-                <a:latin typeface="Verdana"/>
-                <a:ea typeface="Verdana"/>
-                <a:cs typeface="Verdana"/>
-              </a:defRPr>
-            </a:lvl1pPr>
-          </a:lstStyle>
-          <a:p>
-            <a:pPr>
-              <a:defRPr/>
-            </a:pPr>
-            <a:r>
-              <a:rPr lang="pt-BR" b="1" dirty="0"/>
-              <a:t>Projeção perspectiva simplificada</a:t>
-            </a:r>
-          </a:p>
-        </p:txBody>
-      </p:sp>
-    </p:spTree>
-  </p:cSld>
-  <p:clrMapOvr>
-    <a:masterClrMapping/>
-  </p:clrMapOvr>
-</p:sld>
-</file>
-
-<file path=ppt/slides/slide9.xml><?xml version="1.0" encoding="utf-8"?>
-<p:sld xmlns:a="http://schemas.openxmlformats.org/drawingml/2006/main" xmlns:r="http://schemas.openxmlformats.org/officeDocument/2006/relationships" xmlns:p="http://schemas.openxmlformats.org/presentationml/2006/main" showMasterPhAnim="0">
-  <p:cSld>
-    <p:spTree>
-      <p:nvGrpSpPr>
-        <p:cNvPr id="1" name=""/>
-        <p:cNvGrpSpPr/>
-        <p:nvPr/>
-      </p:nvGrpSpPr>
-      <p:grpSpPr bwMode="auto">
-        <a:xfrm>
-          <a:off x="0" y="0"/>
-          <a:ext cx="0" cy="0"/>
-          <a:chOff x="0" y="0"/>
-          <a:chExt cx="0" cy="0"/>
-        </a:xfrm>
-      </p:grpSpPr>
-      <p:sp>
-        <p:nvSpPr>
-          <p:cNvPr id="378245863" name="Title 1">
-            <a:extLst>
-              <a:ext uri="{FF2B5EF4-FFF2-40B4-BE49-F238E27FC236}">
-                <a16:creationId xmlns:a16="http://schemas.microsoft.com/office/drawing/2014/main" id="{BDFB7A7F-DC8B-7543-F755-C55A2119C539}"/>
-              </a:ext>
-            </a:extLst>
-          </p:cNvPr>
-          <p:cNvSpPr>
-            <a:spLocks noGrp="1"/>
-          </p:cNvSpPr>
-          <p:nvPr>
-            <p:ph type="ctrTitle"/>
-          </p:nvPr>
-        </p:nvSpPr>
-        <p:spPr>
-          <a:xfrm>
-            <a:off x="1143000" y="2533650"/>
-            <a:ext cx="6858000" cy="1790700"/>
-          </a:xfrm>
-        </p:spPr>
-        <p:txBody>
-          <a:bodyPr/>
-          <a:lstStyle/>
-          <a:p>
-            <a:r>
-              <a:rPr lang="pt-BR" dirty="0"/>
-              <a:t>Calibração da Câmera</a:t>
-            </a:r>
-            <a:br>
-              <a:rPr lang="pt-BR" dirty="0"/>
-            </a:br>
-            <a:endParaRPr lang="en-US" dirty="0"/>
-          </a:p>
-        </p:txBody>
-      </p:sp>
-      <p:sp>
-        <p:nvSpPr>
-          <p:cNvPr id="378245865" name="Slide Number Placeholder 3">
-            <a:extLst>
-              <a:ext uri="{FF2B5EF4-FFF2-40B4-BE49-F238E27FC236}">
-                <a16:creationId xmlns:a16="http://schemas.microsoft.com/office/drawing/2014/main" id="{981FF8E3-A548-A1D5-FA45-DE039B451D80}"/>
-              </a:ext>
-            </a:extLst>
-          </p:cNvPr>
-          <p:cNvSpPr>
-            <a:spLocks noGrp="1"/>
-          </p:cNvSpPr>
-          <p:nvPr>
-            <p:ph type="sldNum" sz="quarter" idx="12"/>
-          </p:nvPr>
-        </p:nvSpPr>
-        <p:spPr>
-          <a:xfrm>
-            <a:off x="6553200" y="5503070"/>
-            <a:ext cx="2133600" cy="273844"/>
-          </a:xfrm>
-        </p:spPr>
-        <p:txBody>
-          <a:bodyPr/>
-          <a:lstStyle/>
-          <a:p>
-            <a:pPr marL="0" marR="0" lvl="0" indent="0" algn="r" defTabSz="342900" eaLnBrk="1" fontAlgn="auto" latinLnBrk="0" hangingPunct="1">
-              <a:lnSpc>
-                <a:spcPct val="100000"/>
-              </a:lnSpc>
-              <a:spcBef>
-                <a:spcPts val="0"/>
-              </a:spcBef>
-              <a:spcAft>
-                <a:spcPts val="450"/>
-              </a:spcAft>
-              <a:buClrTx/>
-              <a:buSzTx/>
-              <a:buFontTx/>
-              <a:buNone/>
-              <a:tabLst/>
-              <a:defRPr/>
-            </a:pPr>
-            <a:fld id="{FA3AAB12-BB6E-1B4F-AF2F-E6C37C68B919}" type="slidenum">
-              <a:rPr kumimoji="0" lang="en-US" sz="750" b="0" i="0" u="none" strike="noStrike" kern="0" cap="none" spc="0" normalizeH="0" baseline="0" noProof="0">
-                <a:ln>
-                  <a:noFill/>
-                </a:ln>
-                <a:solidFill>
-                  <a:prstClr val="black"/>
-                </a:solidFill>
-                <a:effectLst/>
-                <a:uLnTx/>
-                <a:uFillTx/>
-                <a:latin typeface="Calibri"/>
-                <a:cs typeface="Arial"/>
-              </a:rPr>
-              <a:pPr marL="0" marR="0" lvl="0" indent="0" algn="r" defTabSz="342900" eaLnBrk="1" fontAlgn="auto" latinLnBrk="0" hangingPunct="1">
-                <a:lnSpc>
-                  <a:spcPct val="100000"/>
-                </a:lnSpc>
-                <a:spcBef>
-                  <a:spcPts val="0"/>
-                </a:spcBef>
-                <a:spcAft>
-                  <a:spcPts val="450"/>
-                </a:spcAft>
-                <a:buClrTx/>
-                <a:buSzTx/>
-                <a:buFontTx/>
-                <a:buNone/>
-                <a:tabLst/>
-                <a:defRPr/>
-              </a:pPr>
-              <a:t>9</a:t>
-            </a:fld>
-            <a:endParaRPr kumimoji="0" lang="en-US" sz="750" b="0" i="0" u="none" strike="noStrike" kern="0" cap="none" spc="0" normalizeH="0" baseline="0" noProof="0">
-              <a:ln>
-                <a:noFill/>
-              </a:ln>
-              <a:solidFill>
-                <a:prstClr val="black"/>
-              </a:solidFill>
-              <a:effectLst/>
-              <a:uLnTx/>
-              <a:uFillTx/>
-              <a:latin typeface="Calibri"/>
-              <a:cs typeface="Arial"/>
-            </a:endParaRPr>
-          </a:p>
-        </p:txBody>
-      </p:sp>
-    </p:spTree>
     <p:extLst>
       <p:ext uri="{BB962C8B-B14F-4D97-AF65-F5344CB8AC3E}">
-        <p14:creationId xmlns:p14="http://schemas.microsoft.com/office/powerpoint/2010/main" val="2406644798"/>
+        <p14:creationId xmlns:p14="http://schemas.microsoft.com/office/powerpoint/2010/main" val="1287450517"/>
       </p:ext>
     </p:extLst>
   </p:cSld>
@@ -14833,47 +10692,4 @@
     </a:ext>
   </a:extLst>
 </a:theme>
-</file>
-
-<file path=ppt/theme/themeOverride1.xml><?xml version="1.0" encoding="utf-8"?>
-<a:themeOverride xmlns:a="http://schemas.openxmlformats.org/drawingml/2006/main">
-  <a:clrScheme name="Escritório">
-    <a:dk1>
-      <a:sysClr val="windowText" lastClr="000000"/>
-    </a:dk1>
-    <a:lt1>
-      <a:sysClr val="window" lastClr="FFFFFF"/>
-    </a:lt1>
-    <a:dk2>
-      <a:srgbClr val="1F497D"/>
-    </a:dk2>
-    <a:lt2>
-      <a:srgbClr val="EEECE1"/>
-    </a:lt2>
-    <a:accent1>
-      <a:srgbClr val="4F81BD"/>
-    </a:accent1>
-    <a:accent2>
-      <a:srgbClr val="C0504D"/>
-    </a:accent2>
-    <a:accent3>
-      <a:srgbClr val="9BBB59"/>
-    </a:accent3>
-    <a:accent4>
-      <a:srgbClr val="8064A2"/>
-    </a:accent4>
-    <a:accent5>
-      <a:srgbClr val="4BACC6"/>
-    </a:accent5>
-    <a:accent6>
-      <a:srgbClr val="F79646"/>
-    </a:accent6>
-    <a:hlink>
-      <a:srgbClr val="0000FF"/>
-    </a:hlink>
-    <a:folHlink>
-      <a:srgbClr val="800080"/>
-    </a:folHlink>
-  </a:clrScheme>
-</a:themeOverride>
 </file>
--- a/docs/modulos/05-visao-p2/slides.pptx
+++ b/docs/modulos/05-visao-p2/slides.pptx
@@ -9884,10 +9884,10 @@
               <a:defRPr/>
             </a:pPr>
             <a:r>
-              <a:rPr lang="pt-BR" sz="1350">
+              <a:rPr lang="pt-BR" sz="1350" dirty="0">
                 <a:latin typeface="Verdana"/>
                 <a:ea typeface="Verdana"/>
-                <a:hlinkClick r:id="rId6"/>
+                <a:hlinkClick r:id="rId7"/>
               </a:rPr>
               <a:t>Atividade 06 - Exemplo de Resolução de Exercício</a:t>
             </a:r>

--- a/docs/modulos/05-visao-p2/slides.pptx
+++ b/docs/modulos/05-visao-p2/slides.pptx
@@ -9446,7 +9446,15 @@
             </a:pPr>
             <a:r>
               <a:rPr lang="pt-BR" b="1" dirty="0"/>
-              <a:t>Atividades Modulo 2</a:t>
+              <a:t>Atividades </a:t>
+            </a:r>
+            <a:r>
+              <a:rPr lang="pt-BR" b="1" dirty="0" err="1"/>
+              <a:t>Cápitulo</a:t>
+            </a:r>
+            <a:r>
+              <a:rPr lang="pt-BR" b="1" dirty="0"/>
+              <a:t> 5</a:t>
             </a:r>
           </a:p>
         </p:txBody>
@@ -9566,7 +9574,7 @@
                 <a:ea typeface="Verdana"/>
                 <a:hlinkClick r:id="rId4"/>
               </a:rPr>
-              <a:t>Atividade 03 - Identificação de Objetos</a:t>
+              <a:t>Atividade 03 - Convolução e Filtragem de Imagens</a:t>
             </a:r>
             <a:endParaRPr lang="pt-BR" sz="1350" dirty="0">
               <a:latin typeface="Verdana"/>
@@ -9588,7 +9596,30 @@
                 <a:ea typeface="Verdana"/>
                 <a:hlinkClick r:id="rId5"/>
               </a:rPr>
-              <a:t>Atividade 06 - Exemplo de Resolução de Exercício</a:t>
+              <a:t>Atividade 04 - Detecção de Retas e Círculos</a:t>
+            </a:r>
+            <a:endParaRPr lang="pt-BR" sz="1350" dirty="0">
+              <a:latin typeface="Verdana"/>
+              <a:ea typeface="Verdana"/>
+              <a:hlinkClick r:id="rId6"/>
+            </a:endParaRPr>
+          </a:p>
+          <a:p>
+            <a:pPr defTabSz="685800">
+              <a:spcAft>
+                <a:spcPts val="450"/>
+              </a:spcAft>
+              <a:buFont typeface="Arial" panose="020B0604020202020204" pitchFamily="34" charset="0"/>
+              <a:buChar char="•"/>
+              <a:defRPr/>
+            </a:pPr>
+            <a:r>
+              <a:rPr lang="pt-BR" sz="1350" dirty="0">
+                <a:latin typeface="Verdana"/>
+                <a:ea typeface="Verdana"/>
+                <a:hlinkClick r:id="rId6"/>
+              </a:rPr>
+              <a:t>Atividade 05 - Exemplo de Resolução de Exercício</a:t>
             </a:r>
             <a:endParaRPr lang="pt-BR" sz="1350" dirty="0">
               <a:latin typeface="Verdana"/>

--- a/docs/modulos/05-visao-p2/slides.pptx
+++ b/docs/modulos/05-visao-p2/slides.pptx
@@ -9446,15 +9446,7 @@
             </a:pPr>
             <a:r>
               <a:rPr lang="pt-BR" b="1" dirty="0"/>
-              <a:t>Atividades </a:t>
-            </a:r>
-            <a:r>
-              <a:rPr lang="pt-BR" b="1" dirty="0" err="1"/>
-              <a:t>Cápitulo</a:t>
-            </a:r>
-            <a:r>
-              <a:rPr lang="pt-BR" b="1" dirty="0"/>
-              <a:t> 5</a:t>
+              <a:t>Atividades Capítulo 5</a:t>
             </a:r>
           </a:p>
         </p:txBody>

--- a/docs/modulos/05-visao-p2/slides.pptx
+++ b/docs/modulos/05-visao-p2/slides.pptx
@@ -6,7 +6,7 @@
     <p:sldMasterId id="2147483664" r:id="rId2"/>
   </p:sldMasterIdLst>
   <p:notesMasterIdLst>
-    <p:notesMasterId r:id="rId16"/>
+    <p:notesMasterId r:id="rId18"/>
   </p:notesMasterIdLst>
   <p:sldIdLst>
     <p:sldId id="256" r:id="rId3"/>
@@ -21,7 +21,9 @@
     <p:sldId id="295" r:id="rId12"/>
     <p:sldId id="289" r:id="rId13"/>
     <p:sldId id="291" r:id="rId14"/>
-    <p:sldId id="282" r:id="rId15"/>
+    <p:sldId id="296" r:id="rId15"/>
+    <p:sldId id="297" r:id="rId16"/>
+    <p:sldId id="282" r:id="rId17"/>
   </p:sldIdLst>
   <p:sldSz cx="9144000" cy="6858000" type="screen4x3"/>
   <p:notesSz cx="9144000" cy="6858000"/>
@@ -221,7 +223,7 @@
           <a:p>
             <a:fld id="{DEC1326A-6B39-45E7-A0ED-86877A2CBE97}" type="datetimeFigureOut">
               <a:rPr lang="pt-BR" smtClean="0"/>
-              <a:t>07/09/2025</a:t>
+              <a:t>14/09/2025</a:t>
             </a:fld>
             <a:endParaRPr lang="pt-BR"/>
           </a:p>
@@ -1115,6 +1117,351 @@
 </p:notes>
 </file>
 
+<file path=ppt/notesSlides/notesSlide5.xml><?xml version="1.0" encoding="utf-8"?>
+<p:notes xmlns:a="http://schemas.openxmlformats.org/drawingml/2006/main" xmlns:r="http://schemas.openxmlformats.org/officeDocument/2006/relationships" xmlns:p="http://schemas.openxmlformats.org/presentationml/2006/main">
+  <p:cSld>
+    <p:spTree>
+      <p:nvGrpSpPr>
+        <p:cNvPr id="1" name="">
+          <a:extLst>
+            <a:ext uri="{FF2B5EF4-FFF2-40B4-BE49-F238E27FC236}">
+              <a16:creationId xmlns:a16="http://schemas.microsoft.com/office/drawing/2014/main" id="{AC171810-8901-BF8C-F173-2C84C4E5BA8D}"/>
+            </a:ext>
+          </a:extLst>
+        </p:cNvPr>
+        <p:cNvGrpSpPr/>
+        <p:nvPr/>
+      </p:nvGrpSpPr>
+      <p:grpSpPr bwMode="auto">
+        <a:xfrm>
+          <a:off x="0" y="0"/>
+          <a:ext cx="0" cy="0"/>
+          <a:chOff x="0" y="0"/>
+          <a:chExt cx="0" cy="0"/>
+        </a:xfrm>
+      </p:grpSpPr>
+      <p:sp>
+        <p:nvSpPr>
+          <p:cNvPr id="2" name="Slide Image Placeholder 1">
+            <a:extLst>
+              <a:ext uri="{FF2B5EF4-FFF2-40B4-BE49-F238E27FC236}">
+                <a16:creationId xmlns:a16="http://schemas.microsoft.com/office/drawing/2014/main" id="{81FD96BC-D44F-E546-8EB4-51D2F8555B63}"/>
+              </a:ext>
+            </a:extLst>
+          </p:cNvPr>
+          <p:cNvSpPr>
+            <a:spLocks noGrp="1" noRot="1" noChangeAspect="1"/>
+          </p:cNvSpPr>
+          <p:nvPr>
+            <p:ph type="sldImg"/>
+          </p:nvPr>
+        </p:nvSpPr>
+        <p:spPr bwMode="auto"/>
+      </p:sp>
+      <p:sp>
+        <p:nvSpPr>
+          <p:cNvPr id="3" name="Notes Placeholder 2">
+            <a:extLst>
+              <a:ext uri="{FF2B5EF4-FFF2-40B4-BE49-F238E27FC236}">
+                <a16:creationId xmlns:a16="http://schemas.microsoft.com/office/drawing/2014/main" id="{5A067022-DA13-9836-3A2A-05EDC6107E4A}"/>
+              </a:ext>
+            </a:extLst>
+          </p:cNvPr>
+          <p:cNvSpPr>
+            <a:spLocks noGrp="1"/>
+          </p:cNvSpPr>
+          <p:nvPr>
+            <p:ph type="body" idx="1"/>
+          </p:nvPr>
+        </p:nvSpPr>
+        <p:spPr bwMode="auto"/>
+        <p:txBody>
+          <a:bodyPr/>
+          <a:lstStyle/>
+          <a:p>
+            <a:pPr>
+              <a:defRPr/>
+            </a:pPr>
+            <a:r>
+              <a:rPr lang="en-US" dirty="0" err="1"/>
+              <a:t>ZeroWaste</a:t>
+            </a:r>
+            <a:r>
+              <a:rPr lang="en-US" dirty="0"/>
+              <a:t> Dataset: Towards Deformable Object Segmentation in Cluttered Scenes</a:t>
+            </a:r>
+          </a:p>
+        </p:txBody>
+      </p:sp>
+      <p:sp>
+        <p:nvSpPr>
+          <p:cNvPr id="4" name="Slide Number Placeholder 3">
+            <a:extLst>
+              <a:ext uri="{FF2B5EF4-FFF2-40B4-BE49-F238E27FC236}">
+                <a16:creationId xmlns:a16="http://schemas.microsoft.com/office/drawing/2014/main" id="{50D52768-1CA7-3047-EED2-61B2BD58D1FE}"/>
+              </a:ext>
+            </a:extLst>
+          </p:cNvPr>
+          <p:cNvSpPr>
+            <a:spLocks noGrp="1"/>
+          </p:cNvSpPr>
+          <p:nvPr>
+            <p:ph type="sldNum" sz="quarter" idx="10"/>
+          </p:nvPr>
+        </p:nvSpPr>
+        <p:spPr bwMode="auto"/>
+        <p:txBody>
+          <a:bodyPr/>
+          <a:lstStyle/>
+          <a:p>
+            <a:pPr marL="0" marR="0" lvl="0" indent="0" algn="r" defTabSz="457200" eaLnBrk="1" fontAlgn="auto" latinLnBrk="0" hangingPunct="1">
+              <a:lnSpc>
+                <a:spcPct val="100000"/>
+              </a:lnSpc>
+              <a:spcBef>
+                <a:spcPts val="0"/>
+              </a:spcBef>
+              <a:spcAft>
+                <a:spcPts val="0"/>
+              </a:spcAft>
+              <a:buClrTx/>
+              <a:buSzTx/>
+              <a:buFontTx/>
+              <a:buNone/>
+              <a:tabLst/>
+              <a:defRPr/>
+            </a:pPr>
+            <a:fld id="{AAB2734C-C554-1F43-86F3-DA5EA4A1A826}" type="slidenum">
+              <a:rPr kumimoji="0" lang="en-US" sz="1200" b="0" i="0" u="none" strike="noStrike" kern="0" cap="none" spc="0" normalizeH="0" baseline="0" noProof="0">
+                <a:ln>
+                  <a:noFill/>
+                </a:ln>
+                <a:solidFill>
+                  <a:prstClr val="black"/>
+                </a:solidFill>
+                <a:effectLst/>
+                <a:uLnTx/>
+                <a:uFillTx/>
+                <a:latin typeface="Calibri"/>
+                <a:cs typeface="Arial"/>
+              </a:rPr>
+              <a:pPr marL="0" marR="0" lvl="0" indent="0" algn="r" defTabSz="457200" eaLnBrk="1" fontAlgn="auto" latinLnBrk="0" hangingPunct="1">
+                <a:lnSpc>
+                  <a:spcPct val="100000"/>
+                </a:lnSpc>
+                <a:spcBef>
+                  <a:spcPts val="0"/>
+                </a:spcBef>
+                <a:spcAft>
+                  <a:spcPts val="0"/>
+                </a:spcAft>
+                <a:buClrTx/>
+                <a:buSzTx/>
+                <a:buFontTx/>
+                <a:buNone/>
+                <a:tabLst/>
+                <a:defRPr/>
+              </a:pPr>
+              <a:t>13</a:t>
+            </a:fld>
+            <a:endParaRPr kumimoji="0" lang="en-US" sz="1200" b="0" i="0" u="none" strike="noStrike" kern="0" cap="none" spc="0" normalizeH="0" baseline="0" noProof="0">
+              <a:ln>
+                <a:noFill/>
+              </a:ln>
+              <a:solidFill>
+                <a:prstClr val="black"/>
+              </a:solidFill>
+              <a:effectLst/>
+              <a:uLnTx/>
+              <a:uFillTx/>
+              <a:latin typeface="Calibri"/>
+              <a:cs typeface="Arial"/>
+            </a:endParaRPr>
+          </a:p>
+        </p:txBody>
+      </p:sp>
+    </p:spTree>
+    <p:extLst>
+      <p:ext uri="{BB962C8B-B14F-4D97-AF65-F5344CB8AC3E}">
+        <p14:creationId xmlns:p14="http://schemas.microsoft.com/office/powerpoint/2010/main" val="795380133"/>
+      </p:ext>
+    </p:extLst>
+  </p:cSld>
+  <p:clrMapOvr>
+    <a:masterClrMapping/>
+  </p:clrMapOvr>
+</p:notes>
+</file>
+
+<file path=ppt/notesSlides/notesSlide6.xml><?xml version="1.0" encoding="utf-8"?>
+<p:notes xmlns:a="http://schemas.openxmlformats.org/drawingml/2006/main" xmlns:r="http://schemas.openxmlformats.org/officeDocument/2006/relationships" xmlns:p="http://schemas.openxmlformats.org/presentationml/2006/main">
+  <p:cSld>
+    <p:spTree>
+      <p:nvGrpSpPr>
+        <p:cNvPr id="1" name="">
+          <a:extLst>
+            <a:ext uri="{FF2B5EF4-FFF2-40B4-BE49-F238E27FC236}">
+              <a16:creationId xmlns:a16="http://schemas.microsoft.com/office/drawing/2014/main" id="{63C8541B-2C3E-18E0-450F-00E57FEC2777}"/>
+            </a:ext>
+          </a:extLst>
+        </p:cNvPr>
+        <p:cNvGrpSpPr/>
+        <p:nvPr/>
+      </p:nvGrpSpPr>
+      <p:grpSpPr bwMode="auto">
+        <a:xfrm>
+          <a:off x="0" y="0"/>
+          <a:ext cx="0" cy="0"/>
+          <a:chOff x="0" y="0"/>
+          <a:chExt cx="0" cy="0"/>
+        </a:xfrm>
+      </p:grpSpPr>
+      <p:sp>
+        <p:nvSpPr>
+          <p:cNvPr id="2" name="Slide Image Placeholder 1">
+            <a:extLst>
+              <a:ext uri="{FF2B5EF4-FFF2-40B4-BE49-F238E27FC236}">
+                <a16:creationId xmlns:a16="http://schemas.microsoft.com/office/drawing/2014/main" id="{8336D8E3-0496-DA2F-1D24-6ABF5D9C8263}"/>
+              </a:ext>
+            </a:extLst>
+          </p:cNvPr>
+          <p:cNvSpPr>
+            <a:spLocks noGrp="1" noRot="1" noChangeAspect="1"/>
+          </p:cNvSpPr>
+          <p:nvPr>
+            <p:ph type="sldImg"/>
+          </p:nvPr>
+        </p:nvSpPr>
+        <p:spPr bwMode="auto"/>
+      </p:sp>
+      <p:sp>
+        <p:nvSpPr>
+          <p:cNvPr id="3" name="Notes Placeholder 2">
+            <a:extLst>
+              <a:ext uri="{FF2B5EF4-FFF2-40B4-BE49-F238E27FC236}">
+                <a16:creationId xmlns:a16="http://schemas.microsoft.com/office/drawing/2014/main" id="{7E95EA7F-FDA9-D707-6695-C00C087C120F}"/>
+              </a:ext>
+            </a:extLst>
+          </p:cNvPr>
+          <p:cNvSpPr>
+            <a:spLocks noGrp="1"/>
+          </p:cNvSpPr>
+          <p:nvPr>
+            <p:ph type="body" idx="1"/>
+          </p:nvPr>
+        </p:nvSpPr>
+        <p:spPr bwMode="auto"/>
+        <p:txBody>
+          <a:bodyPr/>
+          <a:lstStyle/>
+          <a:p>
+            <a:pPr>
+              <a:defRPr/>
+            </a:pPr>
+            <a:endParaRPr lang="en-US" dirty="0"/>
+          </a:p>
+        </p:txBody>
+      </p:sp>
+      <p:sp>
+        <p:nvSpPr>
+          <p:cNvPr id="4" name="Slide Number Placeholder 3">
+            <a:extLst>
+              <a:ext uri="{FF2B5EF4-FFF2-40B4-BE49-F238E27FC236}">
+                <a16:creationId xmlns:a16="http://schemas.microsoft.com/office/drawing/2014/main" id="{E2481CF7-23E6-B644-DFEA-6713FF0AF6E0}"/>
+              </a:ext>
+            </a:extLst>
+          </p:cNvPr>
+          <p:cNvSpPr>
+            <a:spLocks noGrp="1"/>
+          </p:cNvSpPr>
+          <p:nvPr>
+            <p:ph type="sldNum" sz="quarter" idx="10"/>
+          </p:nvPr>
+        </p:nvSpPr>
+        <p:spPr bwMode="auto"/>
+        <p:txBody>
+          <a:bodyPr/>
+          <a:lstStyle/>
+          <a:p>
+            <a:pPr marL="0" marR="0" lvl="0" indent="0" algn="r" defTabSz="457200" eaLnBrk="1" fontAlgn="auto" latinLnBrk="0" hangingPunct="1">
+              <a:lnSpc>
+                <a:spcPct val="100000"/>
+              </a:lnSpc>
+              <a:spcBef>
+                <a:spcPts val="0"/>
+              </a:spcBef>
+              <a:spcAft>
+                <a:spcPts val="0"/>
+              </a:spcAft>
+              <a:buClrTx/>
+              <a:buSzTx/>
+              <a:buFontTx/>
+              <a:buNone/>
+              <a:tabLst/>
+              <a:defRPr/>
+            </a:pPr>
+            <a:fld id="{AAB2734C-C554-1F43-86F3-DA5EA4A1A826}" type="slidenum">
+              <a:rPr kumimoji="0" lang="en-US" sz="1200" b="0" i="0" u="none" strike="noStrike" kern="0" cap="none" spc="0" normalizeH="0" baseline="0" noProof="0">
+                <a:ln>
+                  <a:noFill/>
+                </a:ln>
+                <a:solidFill>
+                  <a:prstClr val="black"/>
+                </a:solidFill>
+                <a:effectLst/>
+                <a:uLnTx/>
+                <a:uFillTx/>
+                <a:latin typeface="Calibri"/>
+                <a:cs typeface="Arial"/>
+              </a:rPr>
+              <a:pPr marL="0" marR="0" lvl="0" indent="0" algn="r" defTabSz="457200" eaLnBrk="1" fontAlgn="auto" latinLnBrk="0" hangingPunct="1">
+                <a:lnSpc>
+                  <a:spcPct val="100000"/>
+                </a:lnSpc>
+                <a:spcBef>
+                  <a:spcPts val="0"/>
+                </a:spcBef>
+                <a:spcAft>
+                  <a:spcPts val="0"/>
+                </a:spcAft>
+                <a:buClrTx/>
+                <a:buSzTx/>
+                <a:buFontTx/>
+                <a:buNone/>
+                <a:tabLst/>
+                <a:defRPr/>
+              </a:pPr>
+              <a:t>14</a:t>
+            </a:fld>
+            <a:endParaRPr kumimoji="0" lang="en-US" sz="1200" b="0" i="0" u="none" strike="noStrike" kern="0" cap="none" spc="0" normalizeH="0" baseline="0" noProof="0">
+              <a:ln>
+                <a:noFill/>
+              </a:ln>
+              <a:solidFill>
+                <a:prstClr val="black"/>
+              </a:solidFill>
+              <a:effectLst/>
+              <a:uLnTx/>
+              <a:uFillTx/>
+              <a:latin typeface="Calibri"/>
+              <a:cs typeface="Arial"/>
+            </a:endParaRPr>
+          </a:p>
+        </p:txBody>
+      </p:sp>
+    </p:spTree>
+    <p:extLst>
+      <p:ext uri="{BB962C8B-B14F-4D97-AF65-F5344CB8AC3E}">
+        <p14:creationId xmlns:p14="http://schemas.microsoft.com/office/powerpoint/2010/main" val="3015125844"/>
+      </p:ext>
+    </p:extLst>
+  </p:cSld>
+  <p:clrMapOvr>
+    <a:masterClrMapping/>
+  </p:clrMapOvr>
+</p:notes>
+</file>
+
 <file path=ppt/slideLayouts/slideLayout1.xml><?xml version="1.0" encoding="utf-8"?>
 <p:sldLayout xmlns:a="http://schemas.openxmlformats.org/drawingml/2006/main" xmlns:r="http://schemas.openxmlformats.org/officeDocument/2006/relationships" xmlns:p="http://schemas.openxmlformats.org/presentationml/2006/main" showMasterPhAnim="0" preserve="1" userDrawn="1">
   <p:cSld name="Título e conteúdo">
@@ -1160,7 +1507,7 @@
             </a:pPr>
             <a:fld id="{F2B7900D-0734-4F15-9F08-6F03FB6F6514}" type="datetimeFigureOut">
               <a:rPr lang="pt-BR"/>
-              <a:t>07/09/2025</a:t>
+              <a:t>14/09/2025</a:t>
             </a:fld>
             <a:endParaRPr lang="pt-BR"/>
           </a:p>
@@ -2303,7 +2650,7 @@
             </a:pPr>
             <a:fld id="{9D3A6509-23EB-4B44-A528-7D90D9904DC9}" type="datetime1">
               <a:rPr lang="en-US"/>
-              <a:t>07-Sep-25</a:t>
+              <a:t>14-Sep-25</a:t>
             </a:fld>
             <a:endParaRPr lang="en-US"/>
           </a:p>
@@ -2870,7 +3217,7 @@
             </a:pPr>
             <a:fld id="{9D3A6509-23EB-4B44-A528-7D90D9904DC9}" type="datetime1">
               <a:rPr lang="en-US"/>
-              <a:t>07-Sep-25</a:t>
+              <a:t>14-Sep-25</a:t>
             </a:fld>
             <a:endParaRPr lang="en-US"/>
           </a:p>
@@ -3399,7 +3746,7 @@
             </a:pPr>
             <a:fld id="{9D3A6509-23EB-4B44-A528-7D90D9904DC9}" type="datetime1">
               <a:rPr lang="en-US"/>
-              <a:t>07-Sep-25</a:t>
+              <a:t>14-Sep-25</a:t>
             </a:fld>
             <a:endParaRPr lang="en-US"/>
           </a:p>
@@ -3782,7 +4129,7 @@
             </a:pPr>
             <a:fld id="{9D3A6509-23EB-4B44-A528-7D90D9904DC9}" type="datetime1">
               <a:rPr lang="en-US"/>
-              <a:t>07-Sep-25</a:t>
+              <a:t>14-Sep-25</a:t>
             </a:fld>
             <a:endParaRPr lang="en-US"/>
           </a:p>
@@ -4589,7 +4936,7 @@
             </a:pPr>
             <a:fld id="{9D3A6509-23EB-4B44-A528-7D90D9904DC9}" type="datetime1">
               <a:rPr lang="en-US"/>
-              <a:t>07-Sep-25</a:t>
+              <a:t>14-Sep-25</a:t>
             </a:fld>
             <a:endParaRPr lang="en-US"/>
           </a:p>
@@ -4930,7 +5277,7 @@
             </a:pPr>
             <a:fld id="{9D3A6509-23EB-4B44-A528-7D90D9904DC9}" type="datetime1">
               <a:rPr lang="en-US"/>
-              <a:t>07-Sep-25</a:t>
+              <a:t>14-Sep-25</a:t>
             </a:fld>
             <a:endParaRPr lang="en-US"/>
           </a:p>
@@ -5138,7 +5485,7 @@
             </a:pPr>
             <a:fld id="{5B4B5584-C7FA-470F-8EC2-A30435A4DF16}" type="datetime1">
               <a:rPr lang="en-US"/>
-              <a:t>07-Sep-25</a:t>
+              <a:t>14-Sep-25</a:t>
             </a:fld>
             <a:endParaRPr lang="en-US"/>
           </a:p>
@@ -5242,7 +5589,7 @@
             </a:pPr>
             <a:fld id="{F2B7900D-0734-4F15-9F08-6F03FB6F6514}" type="datetimeFigureOut">
               <a:rPr lang="pt-BR"/>
-              <a:t>07/09/2025</a:t>
+              <a:t>14/09/2025</a:t>
             </a:fld>
             <a:endParaRPr lang="pt-BR"/>
           </a:p>
@@ -5766,7 +6113,7 @@
             </a:pPr>
             <a:fld id="{F2B7900D-0734-4F15-9F08-6F03FB6F6514}" type="datetimeFigureOut">
               <a:rPr lang="pt-BR"/>
-              <a:t>07/09/2025</a:t>
+              <a:t>14/09/2025</a:t>
             </a:fld>
             <a:endParaRPr lang="pt-BR"/>
           </a:p>
@@ -6144,7 +6491,7 @@
             </a:pPr>
             <a:fld id="{F2B7900D-0734-4F15-9F08-6F03FB6F6514}" type="datetimeFigureOut">
               <a:rPr lang="pt-BR"/>
-              <a:t>07/09/2025</a:t>
+              <a:t>14/09/2025</a:t>
             </a:fld>
             <a:endParaRPr lang="pt-BR"/>
           </a:p>
@@ -6709,7 +7056,7 @@
             </a:pPr>
             <a:fld id="{F2B7900D-0734-4F15-9F08-6F03FB6F6514}" type="datetimeFigureOut">
               <a:rPr lang="pt-BR"/>
-              <a:t>07/09/2025</a:t>
+              <a:t>14/09/2025</a:t>
             </a:fld>
             <a:endParaRPr lang="pt-BR"/>
           </a:p>
@@ -7869,7 +8216,7 @@
             </a:pPr>
             <a:fld id="{F2B7900D-0734-4F15-9F08-6F03FB6F6514}" type="datetimeFigureOut">
               <a:rPr lang="pt-BR"/>
-              <a:t>07/09/2025</a:t>
+              <a:t>14/09/2025</a:t>
             </a:fld>
             <a:endParaRPr lang="pt-BR"/>
           </a:p>
@@ -8362,7 +8709,7 @@
             </a:pPr>
             <a:fld id="{9D3A6509-23EB-4B44-A528-7D90D9904DC9}" type="datetime1">
               <a:rPr lang="en-US"/>
-              <a:t>07-Sep-25</a:t>
+              <a:t>14-Sep-25</a:t>
             </a:fld>
             <a:endParaRPr lang="en-US"/>
           </a:p>
@@ -9407,6 +9754,434 @@
   <p:cSld>
     <p:spTree>
       <p:nvGrpSpPr>
+        <p:cNvPr id="1" name="">
+          <a:extLst>
+            <a:ext uri="{FF2B5EF4-FFF2-40B4-BE49-F238E27FC236}">
+              <a16:creationId xmlns:a16="http://schemas.microsoft.com/office/drawing/2014/main" id="{D75EEB80-2A23-6585-5065-0AE6FDA536C3}"/>
+            </a:ext>
+          </a:extLst>
+        </p:cNvPr>
+        <p:cNvGrpSpPr/>
+        <p:nvPr/>
+      </p:nvGrpSpPr>
+      <p:grpSpPr bwMode="auto">
+        <a:xfrm>
+          <a:off x="0" y="0"/>
+          <a:ext cx="0" cy="0"/>
+          <a:chOff x="0" y="0"/>
+          <a:chExt cx="0" cy="0"/>
+        </a:xfrm>
+      </p:grpSpPr>
+      <p:sp>
+        <p:nvSpPr>
+          <p:cNvPr id="2" name="Title 1">
+            <a:extLst>
+              <a:ext uri="{FF2B5EF4-FFF2-40B4-BE49-F238E27FC236}">
+                <a16:creationId xmlns:a16="http://schemas.microsoft.com/office/drawing/2014/main" id="{1D180974-72A4-5644-1384-1E094ECC8D00}"/>
+              </a:ext>
+            </a:extLst>
+          </p:cNvPr>
+          <p:cNvSpPr>
+            <a:spLocks noGrp="1"/>
+          </p:cNvSpPr>
+          <p:nvPr>
+            <p:ph type="title"/>
+          </p:nvPr>
+        </p:nvSpPr>
+        <p:spPr bwMode="auto">
+          <a:xfrm>
+            <a:off x="457200" y="781052"/>
+            <a:ext cx="8229600" cy="619125"/>
+          </a:xfrm>
+        </p:spPr>
+        <p:txBody>
+          <a:bodyPr>
+            <a:normAutofit/>
+          </a:bodyPr>
+          <a:lstStyle/>
+          <a:p>
+            <a:pPr>
+              <a:defRPr/>
+            </a:pPr>
+            <a:r>
+              <a:rPr lang="pt-BR" b="1" dirty="0"/>
+              <a:t>Ponto de Fuga</a:t>
+            </a:r>
+          </a:p>
+        </p:txBody>
+      </p:sp>
+      <p:pic>
+        <p:nvPicPr>
+          <p:cNvPr id="1026" name="Picture 2" descr="Vanishing Point -- from Wolfram MathWorld">
+            <a:extLst>
+              <a:ext uri="{FF2B5EF4-FFF2-40B4-BE49-F238E27FC236}">
+                <a16:creationId xmlns:a16="http://schemas.microsoft.com/office/drawing/2014/main" id="{60E31EDD-4F32-3273-FA27-CA3457B55D08}"/>
+              </a:ext>
+            </a:extLst>
+          </p:cNvPr>
+          <p:cNvPicPr>
+            <a:picLocks noChangeAspect="1" noChangeArrowheads="1"/>
+          </p:cNvPicPr>
+          <p:nvPr/>
+        </p:nvPicPr>
+        <p:blipFill>
+          <a:blip r:embed="rId3">
+            <a:extLst>
+              <a:ext uri="{28A0092B-C50C-407E-A947-70E740481C1C}">
+                <a14:useLocalDpi xmlns:a14="http://schemas.microsoft.com/office/drawing/2010/main" val="0"/>
+              </a:ext>
+            </a:extLst>
+          </a:blip>
+          <a:stretch>
+            <a:fillRect/>
+          </a:stretch>
+        </p:blipFill>
+        <p:spPr bwMode="auto">
+          <a:xfrm>
+            <a:off x="657226" y="2033032"/>
+            <a:ext cx="8029575" cy="3630137"/>
+          </a:xfrm>
+          <a:prstGeom prst="rect">
+            <a:avLst/>
+          </a:prstGeom>
+          <a:noFill/>
+        </p:spPr>
+      </p:pic>
+      <p:sp>
+        <p:nvSpPr>
+          <p:cNvPr id="2077" name="Text Placeholder 3">
+            <a:extLst>
+              <a:ext uri="{FF2B5EF4-FFF2-40B4-BE49-F238E27FC236}">
+                <a16:creationId xmlns:a16="http://schemas.microsoft.com/office/drawing/2014/main" id="{B486FFF8-00F8-ADA2-3A93-707992E32520}"/>
+              </a:ext>
+            </a:extLst>
+          </p:cNvPr>
+          <p:cNvSpPr>
+            <a:spLocks noGrp="1"/>
+          </p:cNvSpPr>
+          <p:nvPr>
+            <p:ph type="body" sz="quarter" idx="13"/>
+          </p:nvPr>
+        </p:nvSpPr>
+        <p:spPr>
+          <a:xfrm>
+            <a:off x="161926" y="85725"/>
+            <a:ext cx="7229475" cy="352425"/>
+          </a:xfrm>
+        </p:spPr>
+        <p:txBody>
+          <a:bodyPr/>
+          <a:lstStyle/>
+          <a:p>
+            <a:endParaRPr lang="en-US"/>
+          </a:p>
+        </p:txBody>
+      </p:sp>
+      <p:sp>
+        <p:nvSpPr>
+          <p:cNvPr id="8" name="Espaço Reservado para Número de Slide 7">
+            <a:extLst>
+              <a:ext uri="{FF2B5EF4-FFF2-40B4-BE49-F238E27FC236}">
+                <a16:creationId xmlns:a16="http://schemas.microsoft.com/office/drawing/2014/main" id="{D1308453-E2AF-5A5F-F4AA-784384D5B3D6}"/>
+              </a:ext>
+            </a:extLst>
+          </p:cNvPr>
+          <p:cNvSpPr>
+            <a:spLocks noGrp="1"/>
+          </p:cNvSpPr>
+          <p:nvPr>
+            <p:ph type="sldNum" sz="quarter" idx="12"/>
+          </p:nvPr>
+        </p:nvSpPr>
+        <p:spPr bwMode="auto">
+          <a:xfrm>
+            <a:off x="6553200" y="6194427"/>
+            <a:ext cx="2133600" cy="365125"/>
+          </a:xfrm>
+        </p:spPr>
+        <p:txBody>
+          <a:bodyPr>
+            <a:normAutofit/>
+          </a:bodyPr>
+          <a:lstStyle/>
+          <a:p>
+            <a:pPr defTabSz="342900">
+              <a:spcAft>
+                <a:spcPts val="450"/>
+              </a:spcAft>
+              <a:defRPr/>
+            </a:pPr>
+            <a:fld id="{FA3AAB12-BB6E-1B4F-AF2F-E6C37C68B919}" type="slidenum">
+              <a:rPr lang="en-US"/>
+              <a:pPr defTabSz="342900">
+                <a:spcAft>
+                  <a:spcPts val="450"/>
+                </a:spcAft>
+                <a:defRPr/>
+              </a:pPr>
+              <a:t>13</a:t>
+            </a:fld>
+            <a:endParaRPr lang="en-US"/>
+          </a:p>
+        </p:txBody>
+      </p:sp>
+    </p:spTree>
+    <p:extLst>
+      <p:ext uri="{BB962C8B-B14F-4D97-AF65-F5344CB8AC3E}">
+        <p14:creationId xmlns:p14="http://schemas.microsoft.com/office/powerpoint/2010/main" val="3195571064"/>
+      </p:ext>
+    </p:extLst>
+  </p:cSld>
+  <p:clrMapOvr>
+    <a:masterClrMapping/>
+  </p:clrMapOvr>
+</p:sld>
+</file>
+
+<file path=ppt/slides/slide14.xml><?xml version="1.0" encoding="utf-8"?>
+<p:sld xmlns:a="http://schemas.openxmlformats.org/drawingml/2006/main" xmlns:r="http://schemas.openxmlformats.org/officeDocument/2006/relationships" xmlns:p="http://schemas.openxmlformats.org/presentationml/2006/main" showMasterPhAnim="0">
+  <p:cSld>
+    <p:spTree>
+      <p:nvGrpSpPr>
+        <p:cNvPr id="1" name="">
+          <a:extLst>
+            <a:ext uri="{FF2B5EF4-FFF2-40B4-BE49-F238E27FC236}">
+              <a16:creationId xmlns:a16="http://schemas.microsoft.com/office/drawing/2014/main" id="{FA84D27E-BCD1-B3EC-7608-402275F62AFC}"/>
+            </a:ext>
+          </a:extLst>
+        </p:cNvPr>
+        <p:cNvGrpSpPr/>
+        <p:nvPr/>
+      </p:nvGrpSpPr>
+      <p:grpSpPr bwMode="auto">
+        <a:xfrm>
+          <a:off x="0" y="0"/>
+          <a:ext cx="0" cy="0"/>
+          <a:chOff x="0" y="0"/>
+          <a:chExt cx="0" cy="0"/>
+        </a:xfrm>
+      </p:grpSpPr>
+      <p:sp>
+        <p:nvSpPr>
+          <p:cNvPr id="2" name="Title 1">
+            <a:extLst>
+              <a:ext uri="{FF2B5EF4-FFF2-40B4-BE49-F238E27FC236}">
+                <a16:creationId xmlns:a16="http://schemas.microsoft.com/office/drawing/2014/main" id="{470893FE-1D1C-10F9-3EE2-1E1C6D104378}"/>
+              </a:ext>
+            </a:extLst>
+          </p:cNvPr>
+          <p:cNvSpPr>
+            <a:spLocks noGrp="1"/>
+          </p:cNvSpPr>
+          <p:nvPr>
+            <p:ph type="title"/>
+          </p:nvPr>
+        </p:nvSpPr>
+        <p:spPr bwMode="auto">
+          <a:xfrm>
+            <a:off x="457200" y="781052"/>
+            <a:ext cx="8229600" cy="619125"/>
+          </a:xfrm>
+        </p:spPr>
+        <p:txBody>
+          <a:bodyPr>
+            <a:normAutofit/>
+          </a:bodyPr>
+          <a:lstStyle/>
+          <a:p>
+            <a:pPr>
+              <a:defRPr/>
+            </a:pPr>
+            <a:r>
+              <a:rPr lang="pt-BR" b="1" dirty="0"/>
+              <a:t>Ponto de Fuga</a:t>
+            </a:r>
+          </a:p>
+        </p:txBody>
+      </p:sp>
+      <p:sp>
+        <p:nvSpPr>
+          <p:cNvPr id="2085" name="Text Placeholder 2">
+            <a:extLst>
+              <a:ext uri="{FF2B5EF4-FFF2-40B4-BE49-F238E27FC236}">
+                <a16:creationId xmlns:a16="http://schemas.microsoft.com/office/drawing/2014/main" id="{285C2421-7DE4-8A61-73E4-319E436DE33A}"/>
+              </a:ext>
+            </a:extLst>
+          </p:cNvPr>
+          <p:cNvSpPr>
+            <a:spLocks noGrp="1"/>
+          </p:cNvSpPr>
+          <p:nvPr>
+            <p:ph type="body" sz="quarter" idx="13"/>
+          </p:nvPr>
+        </p:nvSpPr>
+        <p:spPr>
+          <a:xfrm>
+            <a:off x="161926" y="85725"/>
+            <a:ext cx="7229475" cy="352425"/>
+          </a:xfrm>
+        </p:spPr>
+        <p:txBody>
+          <a:bodyPr/>
+          <a:lstStyle/>
+          <a:p>
+            <a:endParaRPr lang="en-US"/>
+          </a:p>
+        </p:txBody>
+      </p:sp>
+      <p:pic>
+        <p:nvPicPr>
+          <p:cNvPr id="5" name="Picture 2" descr="2 Point Perspective City Photography: 6 Essential Tips">
+            <a:extLst>
+              <a:ext uri="{FF2B5EF4-FFF2-40B4-BE49-F238E27FC236}">
+                <a16:creationId xmlns:a16="http://schemas.microsoft.com/office/drawing/2014/main" id="{7F66F6A1-658C-7707-0749-B06D2C4F6401}"/>
+              </a:ext>
+            </a:extLst>
+          </p:cNvPr>
+          <p:cNvPicPr>
+            <a:picLocks noChangeAspect="1" noChangeArrowheads="1"/>
+          </p:cNvPicPr>
+          <p:nvPr/>
+        </p:nvPicPr>
+        <p:blipFill>
+          <a:blip r:embed="rId3">
+            <a:extLst>
+              <a:ext uri="{28A0092B-C50C-407E-A947-70E740481C1C}">
+                <a14:useLocalDpi xmlns:a14="http://schemas.microsoft.com/office/drawing/2010/main" val="0"/>
+              </a:ext>
+            </a:extLst>
+          </a:blip>
+          <a:srcRect l="8424" r="-2" b="-2"/>
+          <a:stretch>
+            <a:fillRect/>
+          </a:stretch>
+        </p:blipFill>
+        <p:spPr bwMode="auto">
+          <a:xfrm>
+            <a:off x="1540235" y="1400177"/>
+            <a:ext cx="5714974" cy="3494769"/>
+          </a:xfrm>
+          <a:prstGeom prst="rect">
+            <a:avLst/>
+          </a:prstGeom>
+          <a:solidFill>
+            <a:srgbClr val="FFFFFF"/>
+          </a:solidFill>
+          <a:extLst>
+            <a:ext uri="{909E8E84-426E-40DD-AFC4-6F175D3DCCD1}">
+              <a14:hiddenFill xmlns:a14="http://schemas.microsoft.com/office/drawing/2010/main">
+                <a:solidFill>
+                  <a:srgbClr val="FFFFFF"/>
+                </a:solidFill>
+              </a14:hiddenFill>
+            </a:ext>
+          </a:extLst>
+        </p:spPr>
+      </p:pic>
+      <p:pic>
+        <p:nvPicPr>
+          <p:cNvPr id="4" name="Imagem 3" descr="Estrada de terra&#10;&#10;O conteúdo gerado por IA pode estar incorreto.">
+            <a:extLst>
+              <a:ext uri="{FF2B5EF4-FFF2-40B4-BE49-F238E27FC236}">
+                <a16:creationId xmlns:a16="http://schemas.microsoft.com/office/drawing/2014/main" id="{1F9FB8F5-A938-C365-9A7E-B3ABE0202938}"/>
+              </a:ext>
+            </a:extLst>
+          </p:cNvPr>
+          <p:cNvPicPr>
+            <a:picLocks noChangeAspect="1"/>
+          </p:cNvPicPr>
+          <p:nvPr/>
+        </p:nvPicPr>
+        <p:blipFill>
+          <a:blip r:embed="rId4" cstate="print">
+            <a:extLst>
+              <a:ext uri="{28A0092B-C50C-407E-A947-70E740481C1C}">
+                <a14:useLocalDpi xmlns:a14="http://schemas.microsoft.com/office/drawing/2010/main" val="0"/>
+              </a:ext>
+            </a:extLst>
+          </a:blip>
+          <a:srcRect t="23533" r="2" b="12160"/>
+          <a:stretch>
+            <a:fillRect/>
+          </a:stretch>
+        </p:blipFill>
+        <p:spPr>
+          <a:xfrm>
+            <a:off x="2411760" y="4915558"/>
+            <a:ext cx="3971924" cy="1704975"/>
+          </a:xfrm>
+          <a:prstGeom prst="rect">
+            <a:avLst/>
+          </a:prstGeom>
+          <a:noFill/>
+        </p:spPr>
+      </p:pic>
+      <p:sp>
+        <p:nvSpPr>
+          <p:cNvPr id="8" name="Espaço Reservado para Número de Slide 7">
+            <a:extLst>
+              <a:ext uri="{FF2B5EF4-FFF2-40B4-BE49-F238E27FC236}">
+                <a16:creationId xmlns:a16="http://schemas.microsoft.com/office/drawing/2014/main" id="{9362453F-B2EB-CCE1-D45C-D7D2C3E018FC}"/>
+              </a:ext>
+            </a:extLst>
+          </p:cNvPr>
+          <p:cNvSpPr>
+            <a:spLocks noGrp="1"/>
+          </p:cNvSpPr>
+          <p:nvPr>
+            <p:ph type="sldNum" sz="quarter" idx="12"/>
+          </p:nvPr>
+        </p:nvSpPr>
+        <p:spPr bwMode="auto">
+          <a:xfrm>
+            <a:off x="6553200" y="6194427"/>
+            <a:ext cx="2133600" cy="365125"/>
+          </a:xfrm>
+        </p:spPr>
+        <p:txBody>
+          <a:bodyPr>
+            <a:normAutofit/>
+          </a:bodyPr>
+          <a:lstStyle/>
+          <a:p>
+            <a:pPr defTabSz="342900">
+              <a:spcAft>
+                <a:spcPts val="450"/>
+              </a:spcAft>
+              <a:defRPr/>
+            </a:pPr>
+            <a:fld id="{FA3AAB12-BB6E-1B4F-AF2F-E6C37C68B919}" type="slidenum">
+              <a:rPr lang="en-US"/>
+              <a:pPr defTabSz="342900">
+                <a:spcAft>
+                  <a:spcPts val="450"/>
+                </a:spcAft>
+                <a:defRPr/>
+              </a:pPr>
+              <a:t>14</a:t>
+            </a:fld>
+            <a:endParaRPr lang="en-US"/>
+          </a:p>
+        </p:txBody>
+      </p:sp>
+    </p:spTree>
+    <p:extLst>
+      <p:ext uri="{BB962C8B-B14F-4D97-AF65-F5344CB8AC3E}">
+        <p14:creationId xmlns:p14="http://schemas.microsoft.com/office/powerpoint/2010/main" val="3512711910"/>
+      </p:ext>
+    </p:extLst>
+  </p:cSld>
+  <p:clrMapOvr>
+    <a:masterClrMapping/>
+  </p:clrMapOvr>
+</p:sld>
+</file>
+
+<file path=ppt/slides/slide15.xml><?xml version="1.0" encoding="utf-8"?>
+<p:sld xmlns:a="http://schemas.openxmlformats.org/drawingml/2006/main" xmlns:r="http://schemas.openxmlformats.org/officeDocument/2006/relationships" xmlns:p="http://schemas.openxmlformats.org/presentationml/2006/main" showMasterPhAnim="0">
+  <p:cSld>
+    <p:spTree>
+      <p:nvGrpSpPr>
         <p:cNvPr id="1" name=""/>
         <p:cNvGrpSpPr/>
         <p:nvPr/>
@@ -9678,7 +10453,7 @@
                 </a:spcAft>
                 <a:defRPr/>
               </a:pPr>
-              <a:t>13</a:t>
+              <a:t>15</a:t>
             </a:fld>
             <a:endParaRPr lang="en-US">
               <a:latin typeface="+mn-lt"/>
@@ -14220,7 +14995,7 @@
                 <a:defRPr/>
               </a:pPr>
               <a:r>
-                <a:rPr lang="pt-BR" sz="1400">
+                <a:rPr lang="pt-BR" sz="1400" dirty="0">
                   <a:solidFill>
                     <a:srgbClr val="000000"/>
                   </a:solidFill>
@@ -14228,9 +15003,9 @@
                   <a:ea typeface="Arial"/>
                   <a:cs typeface="Arial"/>
                 </a:rPr>
-                <a:t>0</a:t>
+                <a:t>1/9</a:t>
               </a:r>
-              <a:endParaRPr lang="pt-BR" sz="1400" b="0" i="0" u="none" strike="noStrike" cap="none">
+              <a:endParaRPr lang="pt-BR" sz="1400" b="0" i="0" u="none" strike="noStrike" cap="none" dirty="0">
                 <a:ln>
                   <a:noFill/>
                 </a:ln>
@@ -14299,378 +15074,6 @@
               </a:pathLst>
             </a:custGeom>
             <a:noFill/>
-            <a:ln w="6480">
-              <a:solidFill>
-                <a:srgbClr val="000000"/>
-              </a:solidFill>
-              <a:prstDash val="solid"/>
-              <a:miter/>
-            </a:ln>
-          </p:spPr>
-          <p:txBody>
-            <a:bodyPr vert="horz" wrap="square" lIns="0" tIns="0" rIns="0" bIns="0" anchor="ctr" anchorCtr="0" compatLnSpc="1"/>
-            <a:lstStyle/>
-            <a:p>
-              <a:pPr marL="0" marR="0" lvl="0" indent="0" algn="ctr">
-                <a:lnSpc>
-                  <a:spcPct val="100000"/>
-                </a:lnSpc>
-                <a:spcBef>
-                  <a:spcPts val="873"/>
-                </a:spcBef>
-                <a:spcAft>
-                  <a:spcPts val="0"/>
-                </a:spcAft>
-                <a:buNone/>
-                <a:tabLst>
-                  <a:tab pos="0" algn="l"/>
-                  <a:tab pos="448918" algn="l"/>
-                  <a:tab pos="898199" algn="l"/>
-                  <a:tab pos="1347480" algn="l"/>
-                  <a:tab pos="1796759" algn="l"/>
-                  <a:tab pos="2246040" algn="l"/>
-                  <a:tab pos="2695320" algn="l"/>
-                  <a:tab pos="3144600" algn="l"/>
-                  <a:tab pos="3593880" algn="l"/>
-                  <a:tab pos="4043159" algn="l"/>
-                  <a:tab pos="4492440" algn="l"/>
-                  <a:tab pos="4941719" algn="l"/>
-                  <a:tab pos="5391000" algn="l"/>
-                  <a:tab pos="5840280" algn="l"/>
-                  <a:tab pos="6289560" algn="l"/>
-                  <a:tab pos="6738840" algn="l"/>
-                  <a:tab pos="7188120" algn="l"/>
-                  <a:tab pos="7637400" algn="l"/>
-                  <a:tab pos="8086679" algn="l"/>
-                  <a:tab pos="8535960" algn="l"/>
-                  <a:tab pos="8985240" algn="l"/>
-                </a:tabLst>
-                <a:defRPr/>
-              </a:pPr>
-              <a:r>
-                <a:rPr lang="pt-BR" sz="1400" b="0" i="0" u="none" strike="noStrike" cap="none">
-                  <a:ln>
-                    <a:noFill/>
-                  </a:ln>
-                  <a:solidFill>
-                    <a:srgbClr val="000000"/>
-                  </a:solidFill>
-                  <a:latin typeface="Arial"/>
-                  <a:ea typeface="Arial"/>
-                  <a:cs typeface="Arial"/>
-                </a:rPr>
-                <a:t>1</a:t>
-              </a:r>
-              <a:endParaRPr/>
-            </a:p>
-          </p:txBody>
-        </p:sp>
-        <p:sp>
-          <p:nvSpPr>
-            <p:cNvPr id="32" name="Forma livre 31"/>
-            <p:cNvSpPr/>
-            <p:nvPr/>
-          </p:nvSpPr>
-          <p:spPr bwMode="auto">
-            <a:xfrm>
-              <a:off x="1546200" y="1773360"/>
-              <a:ext cx="360359" cy="360359"/>
-            </a:xfrm>
-            <a:custGeom>
-              <a:avLst/>
-              <a:gdLst>
-                <a:gd name="f0" fmla="val 0"/>
-                <a:gd name="f1" fmla="val 21600"/>
-              </a:gdLst>
-              <a:ahLst/>
-              <a:cxnLst>
-                <a:cxn ang="3cd4">
-                  <a:pos x="hc" y="t"/>
-                </a:cxn>
-                <a:cxn ang="0">
-                  <a:pos x="r" y="vc"/>
-                </a:cxn>
-                <a:cxn ang="cd4">
-                  <a:pos x="hc" y="b"/>
-                </a:cxn>
-                <a:cxn ang="cd2">
-                  <a:pos x="l" y="vc"/>
-                </a:cxn>
-              </a:cxnLst>
-              <a:rect l="l" t="t" r="r" b="b"/>
-              <a:pathLst>
-                <a:path w="21600" h="21600" extrusionOk="0">
-                  <a:moveTo>
-                    <a:pt x="f0" y="f0"/>
-                  </a:moveTo>
-                  <a:lnTo>
-                    <a:pt x="f1" y="f0"/>
-                  </a:lnTo>
-                  <a:lnTo>
-                    <a:pt x="f1" y="f1"/>
-                  </a:lnTo>
-                  <a:lnTo>
-                    <a:pt x="f0" y="f1"/>
-                  </a:lnTo>
-                  <a:lnTo>
-                    <a:pt x="f0" y="f0"/>
-                  </a:lnTo>
-                  <a:close/>
-                </a:path>
-              </a:pathLst>
-            </a:custGeom>
-            <a:noFill/>
-            <a:ln w="6480">
-              <a:solidFill>
-                <a:srgbClr val="000000"/>
-              </a:solidFill>
-              <a:prstDash val="solid"/>
-              <a:miter/>
-            </a:ln>
-          </p:spPr>
-          <p:txBody>
-            <a:bodyPr vert="horz" wrap="square" lIns="0" tIns="0" rIns="0" bIns="0" anchor="ctr" anchorCtr="0" compatLnSpc="1"/>
-            <a:lstStyle/>
-            <a:p>
-              <a:pPr marL="0" marR="0" lvl="0" indent="0" algn="ctr">
-                <a:lnSpc>
-                  <a:spcPct val="100000"/>
-                </a:lnSpc>
-                <a:spcBef>
-                  <a:spcPts val="873"/>
-                </a:spcBef>
-                <a:spcAft>
-                  <a:spcPts val="0"/>
-                </a:spcAft>
-                <a:buNone/>
-                <a:tabLst>
-                  <a:tab pos="0" algn="l"/>
-                  <a:tab pos="448918" algn="l"/>
-                  <a:tab pos="898199" algn="l"/>
-                  <a:tab pos="1347480" algn="l"/>
-                  <a:tab pos="1796759" algn="l"/>
-                  <a:tab pos="2246040" algn="l"/>
-                  <a:tab pos="2695320" algn="l"/>
-                  <a:tab pos="3144600" algn="l"/>
-                  <a:tab pos="3593880" algn="l"/>
-                  <a:tab pos="4043159" algn="l"/>
-                  <a:tab pos="4492440" algn="l"/>
-                  <a:tab pos="4941719" algn="l"/>
-                  <a:tab pos="5391000" algn="l"/>
-                  <a:tab pos="5840280" algn="l"/>
-                  <a:tab pos="6289560" algn="l"/>
-                  <a:tab pos="6738840" algn="l"/>
-                  <a:tab pos="7188120" algn="l"/>
-                  <a:tab pos="7637400" algn="l"/>
-                  <a:tab pos="8086679" algn="l"/>
-                  <a:tab pos="8535960" algn="l"/>
-                  <a:tab pos="8985240" algn="l"/>
-                </a:tabLst>
-                <a:defRPr/>
-              </a:pPr>
-              <a:r>
-                <a:rPr lang="pt-BR" sz="1400">
-                  <a:solidFill>
-                    <a:srgbClr val="000000"/>
-                  </a:solidFill>
-                  <a:latin typeface="Arial"/>
-                  <a:ea typeface="Arial"/>
-                  <a:cs typeface="Arial"/>
-                </a:rPr>
-                <a:t>0</a:t>
-              </a:r>
-              <a:endParaRPr lang="pt-BR" sz="1400" b="0" i="0" u="none" strike="noStrike" cap="none">
-                <a:ln>
-                  <a:noFill/>
-                </a:ln>
-                <a:solidFill>
-                  <a:srgbClr val="000000"/>
-                </a:solidFill>
-                <a:latin typeface="Arial"/>
-                <a:ea typeface="Arial"/>
-                <a:cs typeface="Arial"/>
-              </a:endParaRPr>
-            </a:p>
-          </p:txBody>
-        </p:sp>
-        <p:sp>
-          <p:nvSpPr>
-            <p:cNvPr id="33" name="Forma livre 32"/>
-            <p:cNvSpPr/>
-            <p:nvPr/>
-          </p:nvSpPr>
-          <p:spPr bwMode="auto">
-            <a:xfrm>
-              <a:off x="826920" y="2133720"/>
-              <a:ext cx="360359" cy="360359"/>
-            </a:xfrm>
-            <a:custGeom>
-              <a:avLst/>
-              <a:gdLst>
-                <a:gd name="f0" fmla="val 0"/>
-                <a:gd name="f1" fmla="val 21600"/>
-              </a:gdLst>
-              <a:ahLst/>
-              <a:cxnLst>
-                <a:cxn ang="3cd4">
-                  <a:pos x="hc" y="t"/>
-                </a:cxn>
-                <a:cxn ang="0">
-                  <a:pos x="r" y="vc"/>
-                </a:cxn>
-                <a:cxn ang="cd4">
-                  <a:pos x="hc" y="b"/>
-                </a:cxn>
-                <a:cxn ang="cd2">
-                  <a:pos x="l" y="vc"/>
-                </a:cxn>
-              </a:cxnLst>
-              <a:rect l="l" t="t" r="r" b="b"/>
-              <a:pathLst>
-                <a:path w="21600" h="21600" extrusionOk="0">
-                  <a:moveTo>
-                    <a:pt x="f0" y="f0"/>
-                  </a:moveTo>
-                  <a:lnTo>
-                    <a:pt x="f1" y="f0"/>
-                  </a:lnTo>
-                  <a:lnTo>
-                    <a:pt x="f1" y="f1"/>
-                  </a:lnTo>
-                  <a:lnTo>
-                    <a:pt x="f0" y="f1"/>
-                  </a:lnTo>
-                  <a:lnTo>
-                    <a:pt x="f0" y="f0"/>
-                  </a:lnTo>
-                  <a:close/>
-                </a:path>
-              </a:pathLst>
-            </a:custGeom>
-            <a:noFill/>
-            <a:ln w="6480">
-              <a:solidFill>
-                <a:srgbClr val="000000"/>
-              </a:solidFill>
-              <a:prstDash val="solid"/>
-              <a:miter/>
-            </a:ln>
-          </p:spPr>
-          <p:txBody>
-            <a:bodyPr vert="horz" wrap="square" lIns="0" tIns="0" rIns="0" bIns="0" anchor="ctr" anchorCtr="0" compatLnSpc="1"/>
-            <a:lstStyle/>
-            <a:p>
-              <a:pPr marL="0" marR="0" lvl="0" indent="0" algn="ctr">
-                <a:lnSpc>
-                  <a:spcPct val="100000"/>
-                </a:lnSpc>
-                <a:spcBef>
-                  <a:spcPts val="873"/>
-                </a:spcBef>
-                <a:spcAft>
-                  <a:spcPts val="0"/>
-                </a:spcAft>
-                <a:buNone/>
-                <a:tabLst>
-                  <a:tab pos="0" algn="l"/>
-                  <a:tab pos="448918" algn="l"/>
-                  <a:tab pos="898199" algn="l"/>
-                  <a:tab pos="1347480" algn="l"/>
-                  <a:tab pos="1796759" algn="l"/>
-                  <a:tab pos="2246040" algn="l"/>
-                  <a:tab pos="2695320" algn="l"/>
-                  <a:tab pos="3144600" algn="l"/>
-                  <a:tab pos="3593880" algn="l"/>
-                  <a:tab pos="4043159" algn="l"/>
-                  <a:tab pos="4492440" algn="l"/>
-                  <a:tab pos="4941719" algn="l"/>
-                  <a:tab pos="5391000" algn="l"/>
-                  <a:tab pos="5840280" algn="l"/>
-                  <a:tab pos="6289560" algn="l"/>
-                  <a:tab pos="6738840" algn="l"/>
-                  <a:tab pos="7188120" algn="l"/>
-                  <a:tab pos="7637400" algn="l"/>
-                  <a:tab pos="8086679" algn="l"/>
-                  <a:tab pos="8535960" algn="l"/>
-                  <a:tab pos="8985240" algn="l"/>
-                </a:tabLst>
-                <a:defRPr/>
-              </a:pPr>
-              <a:r>
-                <a:rPr lang="pt-BR" sz="1400" b="0" i="0" u="none" strike="noStrike" cap="none">
-                  <a:ln>
-                    <a:noFill/>
-                  </a:ln>
-                  <a:solidFill>
-                    <a:srgbClr val="000000"/>
-                  </a:solidFill>
-                  <a:latin typeface="Arial"/>
-                  <a:ea typeface="Arial"/>
-                  <a:cs typeface="Arial"/>
-                </a:rPr>
-                <a:t>1</a:t>
-              </a:r>
-              <a:endParaRPr/>
-            </a:p>
-          </p:txBody>
-        </p:sp>
-        <p:sp>
-          <p:nvSpPr>
-            <p:cNvPr id="34" name="Forma livre 33"/>
-            <p:cNvSpPr/>
-            <p:nvPr/>
-          </p:nvSpPr>
-          <p:spPr bwMode="auto">
-            <a:xfrm>
-              <a:off x="1187280" y="2133720"/>
-              <a:ext cx="360359" cy="360359"/>
-            </a:xfrm>
-            <a:custGeom>
-              <a:avLst/>
-              <a:gdLst>
-                <a:gd name="f0" fmla="val 0"/>
-                <a:gd name="f1" fmla="val 21600"/>
-              </a:gdLst>
-              <a:ahLst/>
-              <a:cxnLst>
-                <a:cxn ang="3cd4">
-                  <a:pos x="hc" y="t"/>
-                </a:cxn>
-                <a:cxn ang="0">
-                  <a:pos x="r" y="vc"/>
-                </a:cxn>
-                <a:cxn ang="cd4">
-                  <a:pos x="hc" y="b"/>
-                </a:cxn>
-                <a:cxn ang="cd2">
-                  <a:pos x="l" y="vc"/>
-                </a:cxn>
-              </a:cxnLst>
-              <a:rect l="l" t="t" r="r" b="b"/>
-              <a:pathLst>
-                <a:path w="21600" h="21600" extrusionOk="0">
-                  <a:moveTo>
-                    <a:pt x="f0" y="f0"/>
-                  </a:moveTo>
-                  <a:lnTo>
-                    <a:pt x="f1" y="f0"/>
-                  </a:lnTo>
-                  <a:lnTo>
-                    <a:pt x="f1" y="f1"/>
-                  </a:lnTo>
-                  <a:lnTo>
-                    <a:pt x="f0" y="f1"/>
-                  </a:lnTo>
-                  <a:lnTo>
-                    <a:pt x="f0" y="f0"/>
-                  </a:lnTo>
-                  <a:close/>
-                </a:path>
-              </a:pathLst>
-            </a:custGeom>
-            <a:solidFill>
-              <a:srgbClr val="FF3300"/>
-            </a:solidFill>
             <a:ln w="6480">
               <a:solidFill>
                 <a:srgbClr val="000000"/>
@@ -14731,7 +15134,7 @@
                   <a:ea typeface="Arial"/>
                   <a:cs typeface="Arial"/>
                 </a:rPr>
-                <a:t>-4</a:t>
+                <a:t>1/9</a:t>
               </a:r>
               <a:endParaRPr dirty="0"/>
             </a:p>
@@ -14739,13 +15142,13 @@
         </p:sp>
         <p:sp>
           <p:nvSpPr>
-            <p:cNvPr id="35" name="Forma livre 34"/>
+            <p:cNvPr id="32" name="Forma livre 31"/>
             <p:cNvSpPr/>
             <p:nvPr/>
           </p:nvSpPr>
           <p:spPr bwMode="auto">
             <a:xfrm>
-              <a:off x="1546200" y="2133720"/>
+              <a:off x="1546200" y="1773360"/>
               <a:ext cx="360359" cy="360359"/>
             </a:xfrm>
             <a:custGeom>
@@ -14841,7 +15244,7 @@
                 <a:defRPr/>
               </a:pPr>
               <a:r>
-                <a:rPr lang="pt-BR" sz="1400">
+                <a:rPr lang="pt-BR" sz="1400" dirty="0">
                   <a:solidFill>
                     <a:srgbClr val="000000"/>
                   </a:solidFill>
@@ -14849,9 +15252,9 @@
                   <a:ea typeface="Arial"/>
                   <a:cs typeface="Arial"/>
                 </a:rPr>
-                <a:t>1</a:t>
+                <a:t>1/9</a:t>
               </a:r>
-              <a:endParaRPr lang="pt-BR" sz="1400" b="0" i="0" u="none" strike="noStrike" cap="none">
+              <a:endParaRPr lang="pt-BR" sz="1400" b="0" i="0" u="none" strike="noStrike" cap="none" dirty="0">
                 <a:ln>
                   <a:noFill/>
                 </a:ln>
@@ -14867,13 +15270,13 @@
         </p:sp>
         <p:sp>
           <p:nvSpPr>
-            <p:cNvPr id="36" name="Forma livre 35"/>
+            <p:cNvPr id="33" name="Forma livre 32"/>
             <p:cNvSpPr/>
             <p:nvPr/>
           </p:nvSpPr>
           <p:spPr bwMode="auto">
             <a:xfrm>
-              <a:off x="826920" y="2494080"/>
+              <a:off x="826920" y="2133720"/>
               <a:ext cx="360359" cy="360359"/>
             </a:xfrm>
             <a:custGeom>
@@ -14969,7 +15372,10 @@
                 <a:defRPr/>
               </a:pPr>
               <a:r>
-                <a:rPr lang="pt-BR" sz="1400">
+                <a:rPr lang="pt-BR" sz="1400" b="0" i="0" u="none" strike="noStrike" cap="none" dirty="0">
+                  <a:ln>
+                    <a:noFill/>
+                  </a:ln>
                   <a:solidFill>
                     <a:srgbClr val="000000"/>
                   </a:solidFill>
@@ -14977,31 +15383,134 @@
                   <a:ea typeface="Arial"/>
                   <a:cs typeface="Arial"/>
                 </a:rPr>
-                <a:t>0</a:t>
+                <a:t>1/9</a:t>
               </a:r>
-              <a:endParaRPr lang="pt-BR" sz="1400" b="0" i="0" u="none" strike="noStrike" cap="none">
-                <a:ln>
-                  <a:noFill/>
-                </a:ln>
-                <a:solidFill>
-                  <a:srgbClr val="000000"/>
-                </a:solidFill>
-                <a:latin typeface="Arial"/>
-                <a:ea typeface="Arial"/>
-                <a:cs typeface="Arial"/>
-              </a:endParaRPr>
+              <a:endParaRPr dirty="0"/>
             </a:p>
           </p:txBody>
         </p:sp>
         <p:sp>
           <p:nvSpPr>
-            <p:cNvPr id="37" name="Forma livre 36"/>
+            <p:cNvPr id="34" name="Forma livre 33"/>
             <p:cNvSpPr/>
             <p:nvPr/>
           </p:nvSpPr>
           <p:spPr bwMode="auto">
             <a:xfrm>
-              <a:off x="1187280" y="2494080"/>
+              <a:off x="1187280" y="2133720"/>
+              <a:ext cx="360359" cy="360359"/>
+            </a:xfrm>
+            <a:custGeom>
+              <a:avLst/>
+              <a:gdLst>
+                <a:gd name="f0" fmla="val 0"/>
+                <a:gd name="f1" fmla="val 21600"/>
+              </a:gdLst>
+              <a:ahLst/>
+              <a:cxnLst>
+                <a:cxn ang="3cd4">
+                  <a:pos x="hc" y="t"/>
+                </a:cxn>
+                <a:cxn ang="0">
+                  <a:pos x="r" y="vc"/>
+                </a:cxn>
+                <a:cxn ang="cd4">
+                  <a:pos x="hc" y="b"/>
+                </a:cxn>
+                <a:cxn ang="cd2">
+                  <a:pos x="l" y="vc"/>
+                </a:cxn>
+              </a:cxnLst>
+              <a:rect l="l" t="t" r="r" b="b"/>
+              <a:pathLst>
+                <a:path w="21600" h="21600" extrusionOk="0">
+                  <a:moveTo>
+                    <a:pt x="f0" y="f0"/>
+                  </a:moveTo>
+                  <a:lnTo>
+                    <a:pt x="f1" y="f0"/>
+                  </a:lnTo>
+                  <a:lnTo>
+                    <a:pt x="f1" y="f1"/>
+                  </a:lnTo>
+                  <a:lnTo>
+                    <a:pt x="f0" y="f1"/>
+                  </a:lnTo>
+                  <a:lnTo>
+                    <a:pt x="f0" y="f0"/>
+                  </a:lnTo>
+                  <a:close/>
+                </a:path>
+              </a:pathLst>
+            </a:custGeom>
+            <a:solidFill>
+              <a:srgbClr val="FF3300"/>
+            </a:solidFill>
+            <a:ln w="6480">
+              <a:solidFill>
+                <a:srgbClr val="000000"/>
+              </a:solidFill>
+              <a:prstDash val="solid"/>
+              <a:miter/>
+            </a:ln>
+          </p:spPr>
+          <p:txBody>
+            <a:bodyPr vert="horz" wrap="square" lIns="0" tIns="0" rIns="0" bIns="0" anchor="ctr" anchorCtr="0" compatLnSpc="1"/>
+            <a:lstStyle/>
+            <a:p>
+              <a:pPr marL="0" marR="0" lvl="0" indent="0" algn="ctr">
+                <a:lnSpc>
+                  <a:spcPct val="100000"/>
+                </a:lnSpc>
+                <a:spcBef>
+                  <a:spcPts val="873"/>
+                </a:spcBef>
+                <a:spcAft>
+                  <a:spcPts val="0"/>
+                </a:spcAft>
+                <a:buNone/>
+                <a:tabLst>
+                  <a:tab pos="0" algn="l"/>
+                  <a:tab pos="448918" algn="l"/>
+                  <a:tab pos="898199" algn="l"/>
+                  <a:tab pos="1347480" algn="l"/>
+                  <a:tab pos="1796759" algn="l"/>
+                  <a:tab pos="2246040" algn="l"/>
+                  <a:tab pos="2695320" algn="l"/>
+                  <a:tab pos="3144600" algn="l"/>
+                  <a:tab pos="3593880" algn="l"/>
+                  <a:tab pos="4043159" algn="l"/>
+                  <a:tab pos="4492440" algn="l"/>
+                  <a:tab pos="4941719" algn="l"/>
+                  <a:tab pos="5391000" algn="l"/>
+                  <a:tab pos="5840280" algn="l"/>
+                  <a:tab pos="6289560" algn="l"/>
+                  <a:tab pos="6738840" algn="l"/>
+                  <a:tab pos="7188120" algn="l"/>
+                  <a:tab pos="7637400" algn="l"/>
+                  <a:tab pos="8086679" algn="l"/>
+                  <a:tab pos="8535960" algn="l"/>
+                  <a:tab pos="8985240" algn="l"/>
+                </a:tabLst>
+                <a:defRPr/>
+              </a:pPr>
+              <a:r>
+                <a:rPr lang="en-US" dirty="0"/>
+                <a:t>1/9</a:t>
+              </a:r>
+              <a:endParaRPr dirty="0"/>
+            </a:p>
+          </p:txBody>
+        </p:sp>
+        <p:sp>
+          <p:nvSpPr>
+            <p:cNvPr id="35" name="Forma livre 34"/>
+            <p:cNvSpPr/>
+            <p:nvPr/>
+          </p:nvSpPr>
+          <p:spPr bwMode="auto">
+            <a:xfrm>
+              <a:off x="1546200" y="2133720"/>
               <a:ext cx="360359" cy="360359"/>
             </a:xfrm>
             <a:custGeom>
@@ -15097,7 +15606,7 @@
                 <a:defRPr/>
               </a:pPr>
               <a:r>
-                <a:rPr lang="pt-BR" sz="1400">
+                <a:rPr lang="pt-BR" sz="1400" dirty="0">
                   <a:solidFill>
                     <a:srgbClr val="000000"/>
                   </a:solidFill>
@@ -15105,9 +15614,9 @@
                   <a:ea typeface="Arial"/>
                   <a:cs typeface="Arial"/>
                 </a:rPr>
-                <a:t>1</a:t>
+                <a:t>1/9</a:t>
               </a:r>
-              <a:endParaRPr lang="pt-BR" sz="1400" b="0" i="0" u="none" strike="noStrike" cap="none">
+              <a:endParaRPr lang="pt-BR" sz="1400" b="0" i="0" u="none" strike="noStrike" cap="none" dirty="0">
                 <a:ln>
                   <a:noFill/>
                 </a:ln>
@@ -15123,13 +15632,13 @@
         </p:sp>
         <p:sp>
           <p:nvSpPr>
-            <p:cNvPr id="38" name="Forma livre 37"/>
+            <p:cNvPr id="36" name="Forma livre 35"/>
             <p:cNvSpPr/>
             <p:nvPr/>
           </p:nvSpPr>
           <p:spPr bwMode="auto">
             <a:xfrm>
-              <a:off x="1546200" y="2494080"/>
+              <a:off x="826920" y="2494080"/>
               <a:ext cx="360359" cy="360359"/>
             </a:xfrm>
             <a:custGeom>
@@ -15225,7 +15734,10 @@
                 <a:defRPr/>
               </a:pPr>
               <a:r>
-                <a:rPr lang="pt-BR" sz="1400">
+                <a:rPr lang="en-US" sz="1400" b="0" i="0" u="none" strike="noStrike" cap="none" dirty="0">
+                  <a:ln>
+                    <a:noFill/>
+                  </a:ln>
                   <a:solidFill>
                     <a:srgbClr val="000000"/>
                   </a:solidFill>
@@ -15233,9 +15745,268 @@
                   <a:ea typeface="Arial"/>
                   <a:cs typeface="Arial"/>
                 </a:rPr>
-                <a:t>0</a:t>
+                <a:t>1/9</a:t>
               </a:r>
-              <a:endParaRPr lang="pt-BR" sz="1400" b="0" i="0" u="none" strike="noStrike" cap="none">
+              <a:endParaRPr lang="pt-BR" sz="1400" b="0" i="0" u="none" strike="noStrike" cap="none" dirty="0">
+                <a:ln>
+                  <a:noFill/>
+                </a:ln>
+                <a:solidFill>
+                  <a:srgbClr val="000000"/>
+                </a:solidFill>
+                <a:latin typeface="Arial"/>
+                <a:ea typeface="Arial"/>
+                <a:cs typeface="Arial"/>
+              </a:endParaRPr>
+            </a:p>
+          </p:txBody>
+        </p:sp>
+        <p:sp>
+          <p:nvSpPr>
+            <p:cNvPr id="37" name="Forma livre 36"/>
+            <p:cNvSpPr/>
+            <p:nvPr/>
+          </p:nvSpPr>
+          <p:spPr bwMode="auto">
+            <a:xfrm>
+              <a:off x="1187280" y="2494080"/>
+              <a:ext cx="360359" cy="360359"/>
+            </a:xfrm>
+            <a:custGeom>
+              <a:avLst/>
+              <a:gdLst>
+                <a:gd name="f0" fmla="val 0"/>
+                <a:gd name="f1" fmla="val 21600"/>
+              </a:gdLst>
+              <a:ahLst/>
+              <a:cxnLst>
+                <a:cxn ang="3cd4">
+                  <a:pos x="hc" y="t"/>
+                </a:cxn>
+                <a:cxn ang="0">
+                  <a:pos x="r" y="vc"/>
+                </a:cxn>
+                <a:cxn ang="cd4">
+                  <a:pos x="hc" y="b"/>
+                </a:cxn>
+                <a:cxn ang="cd2">
+                  <a:pos x="l" y="vc"/>
+                </a:cxn>
+              </a:cxnLst>
+              <a:rect l="l" t="t" r="r" b="b"/>
+              <a:pathLst>
+                <a:path w="21600" h="21600" extrusionOk="0">
+                  <a:moveTo>
+                    <a:pt x="f0" y="f0"/>
+                  </a:moveTo>
+                  <a:lnTo>
+                    <a:pt x="f1" y="f0"/>
+                  </a:lnTo>
+                  <a:lnTo>
+                    <a:pt x="f1" y="f1"/>
+                  </a:lnTo>
+                  <a:lnTo>
+                    <a:pt x="f0" y="f1"/>
+                  </a:lnTo>
+                  <a:lnTo>
+                    <a:pt x="f0" y="f0"/>
+                  </a:lnTo>
+                  <a:close/>
+                </a:path>
+              </a:pathLst>
+            </a:custGeom>
+            <a:noFill/>
+            <a:ln w="6480">
+              <a:solidFill>
+                <a:srgbClr val="000000"/>
+              </a:solidFill>
+              <a:prstDash val="solid"/>
+              <a:miter/>
+            </a:ln>
+          </p:spPr>
+          <p:txBody>
+            <a:bodyPr vert="horz" wrap="square" lIns="0" tIns="0" rIns="0" bIns="0" anchor="ctr" anchorCtr="0" compatLnSpc="1"/>
+            <a:lstStyle/>
+            <a:p>
+              <a:pPr marL="0" marR="0" lvl="0" indent="0" algn="ctr">
+                <a:lnSpc>
+                  <a:spcPct val="100000"/>
+                </a:lnSpc>
+                <a:spcBef>
+                  <a:spcPts val="873"/>
+                </a:spcBef>
+                <a:spcAft>
+                  <a:spcPts val="0"/>
+                </a:spcAft>
+                <a:buNone/>
+                <a:tabLst>
+                  <a:tab pos="0" algn="l"/>
+                  <a:tab pos="448918" algn="l"/>
+                  <a:tab pos="898199" algn="l"/>
+                  <a:tab pos="1347480" algn="l"/>
+                  <a:tab pos="1796759" algn="l"/>
+                  <a:tab pos="2246040" algn="l"/>
+                  <a:tab pos="2695320" algn="l"/>
+                  <a:tab pos="3144600" algn="l"/>
+                  <a:tab pos="3593880" algn="l"/>
+                  <a:tab pos="4043159" algn="l"/>
+                  <a:tab pos="4492440" algn="l"/>
+                  <a:tab pos="4941719" algn="l"/>
+                  <a:tab pos="5391000" algn="l"/>
+                  <a:tab pos="5840280" algn="l"/>
+                  <a:tab pos="6289560" algn="l"/>
+                  <a:tab pos="6738840" algn="l"/>
+                  <a:tab pos="7188120" algn="l"/>
+                  <a:tab pos="7637400" algn="l"/>
+                  <a:tab pos="8086679" algn="l"/>
+                  <a:tab pos="8535960" algn="l"/>
+                  <a:tab pos="8985240" algn="l"/>
+                </a:tabLst>
+                <a:defRPr/>
+              </a:pPr>
+              <a:r>
+                <a:rPr lang="pt-BR" sz="1400" dirty="0">
+                  <a:solidFill>
+                    <a:srgbClr val="000000"/>
+                  </a:solidFill>
+                  <a:latin typeface="Arial"/>
+                  <a:ea typeface="Arial"/>
+                  <a:cs typeface="Arial"/>
+                </a:rPr>
+                <a:t>1/9</a:t>
+              </a:r>
+              <a:endParaRPr lang="pt-BR" sz="1400" b="0" i="0" u="none" strike="noStrike" cap="none" dirty="0">
+                <a:ln>
+                  <a:noFill/>
+                </a:ln>
+                <a:solidFill>
+                  <a:srgbClr val="000000"/>
+                </a:solidFill>
+                <a:latin typeface="Arial"/>
+                <a:ea typeface="Arial"/>
+                <a:cs typeface="Arial"/>
+              </a:endParaRPr>
+            </a:p>
+          </p:txBody>
+        </p:sp>
+        <p:sp>
+          <p:nvSpPr>
+            <p:cNvPr id="38" name="Forma livre 37"/>
+            <p:cNvSpPr/>
+            <p:nvPr/>
+          </p:nvSpPr>
+          <p:spPr bwMode="auto">
+            <a:xfrm>
+              <a:off x="1546200" y="2494080"/>
+              <a:ext cx="360359" cy="360359"/>
+            </a:xfrm>
+            <a:custGeom>
+              <a:avLst/>
+              <a:gdLst>
+                <a:gd name="f0" fmla="val 0"/>
+                <a:gd name="f1" fmla="val 21600"/>
+              </a:gdLst>
+              <a:ahLst/>
+              <a:cxnLst>
+                <a:cxn ang="3cd4">
+                  <a:pos x="hc" y="t"/>
+                </a:cxn>
+                <a:cxn ang="0">
+                  <a:pos x="r" y="vc"/>
+                </a:cxn>
+                <a:cxn ang="cd4">
+                  <a:pos x="hc" y="b"/>
+                </a:cxn>
+                <a:cxn ang="cd2">
+                  <a:pos x="l" y="vc"/>
+                </a:cxn>
+              </a:cxnLst>
+              <a:rect l="l" t="t" r="r" b="b"/>
+              <a:pathLst>
+                <a:path w="21600" h="21600" extrusionOk="0">
+                  <a:moveTo>
+                    <a:pt x="f0" y="f0"/>
+                  </a:moveTo>
+                  <a:lnTo>
+                    <a:pt x="f1" y="f0"/>
+                  </a:lnTo>
+                  <a:lnTo>
+                    <a:pt x="f1" y="f1"/>
+                  </a:lnTo>
+                  <a:lnTo>
+                    <a:pt x="f0" y="f1"/>
+                  </a:lnTo>
+                  <a:lnTo>
+                    <a:pt x="f0" y="f0"/>
+                  </a:lnTo>
+                  <a:close/>
+                </a:path>
+              </a:pathLst>
+            </a:custGeom>
+            <a:noFill/>
+            <a:ln w="6480">
+              <a:solidFill>
+                <a:srgbClr val="000000"/>
+              </a:solidFill>
+              <a:prstDash val="solid"/>
+              <a:miter/>
+            </a:ln>
+          </p:spPr>
+          <p:txBody>
+            <a:bodyPr vert="horz" wrap="square" lIns="0" tIns="0" rIns="0" bIns="0" anchor="ctr" anchorCtr="0" compatLnSpc="1"/>
+            <a:lstStyle/>
+            <a:p>
+              <a:pPr marL="0" marR="0" lvl="0" indent="0" algn="ctr">
+                <a:lnSpc>
+                  <a:spcPct val="100000"/>
+                </a:lnSpc>
+                <a:spcBef>
+                  <a:spcPts val="873"/>
+                </a:spcBef>
+                <a:spcAft>
+                  <a:spcPts val="0"/>
+                </a:spcAft>
+                <a:buNone/>
+                <a:tabLst>
+                  <a:tab pos="0" algn="l"/>
+                  <a:tab pos="448918" algn="l"/>
+                  <a:tab pos="898199" algn="l"/>
+                  <a:tab pos="1347480" algn="l"/>
+                  <a:tab pos="1796759" algn="l"/>
+                  <a:tab pos="2246040" algn="l"/>
+                  <a:tab pos="2695320" algn="l"/>
+                  <a:tab pos="3144600" algn="l"/>
+                  <a:tab pos="3593880" algn="l"/>
+                  <a:tab pos="4043159" algn="l"/>
+                  <a:tab pos="4492440" algn="l"/>
+                  <a:tab pos="4941719" algn="l"/>
+                  <a:tab pos="5391000" algn="l"/>
+                  <a:tab pos="5840280" algn="l"/>
+                  <a:tab pos="6289560" algn="l"/>
+                  <a:tab pos="6738840" algn="l"/>
+                  <a:tab pos="7188120" algn="l"/>
+                  <a:tab pos="7637400" algn="l"/>
+                  <a:tab pos="8086679" algn="l"/>
+                  <a:tab pos="8535960" algn="l"/>
+                  <a:tab pos="8985240" algn="l"/>
+                </a:tabLst>
+                <a:defRPr/>
+              </a:pPr>
+              <a:r>
+                <a:rPr lang="en-US" sz="1400" b="0" i="0" u="none" strike="noStrike" cap="none" dirty="0">
+                  <a:ln>
+                    <a:noFill/>
+                  </a:ln>
+                  <a:solidFill>
+                    <a:srgbClr val="000000"/>
+                  </a:solidFill>
+                  <a:latin typeface="Arial"/>
+                  <a:ea typeface="Arial"/>
+                  <a:cs typeface="Arial"/>
+                </a:rPr>
+                <a:t>1/9</a:t>
+              </a:r>
+              <a:endParaRPr lang="pt-BR" sz="1400" b="0" i="0" u="none" strike="noStrike" cap="none" dirty="0">
                 <a:ln>
                   <a:noFill/>
                 </a:ln>
@@ -16618,7 +17389,7 @@
               </a:pPr>
               <a:r>
                 <a:rPr lang="en-US" dirty="0"/>
-                <a:t>255</a:t>
+                <a:t>84</a:t>
               </a:r>
               <a:endParaRPr dirty="0"/>
             </a:p>
@@ -16737,7 +17508,7 @@
               </a:pPr>
               <a:r>
                 <a:rPr lang="en-US" dirty="0"/>
-                <a:t>142</a:t>
+                <a:t>121</a:t>
               </a:r>
               <a:endParaRPr dirty="0"/>
             </a:p>
@@ -17316,7 +18087,7 @@
               </a:pPr>
               <a:r>
                 <a:rPr lang="en-US" dirty="0"/>
-                <a:t>242</a:t>
+                <a:t>131</a:t>
               </a:r>
               <a:endParaRPr dirty="0"/>
             </a:p>
@@ -17435,7 +18206,7 @@
               </a:pPr>
               <a:r>
                 <a:rPr lang="en-US" dirty="0"/>
-                <a:t>4</a:t>
+                <a:t>189</a:t>
               </a:r>
               <a:endParaRPr dirty="0"/>
             </a:p>
